--- a/documents/Presentation.pptx
+++ b/documents/Presentation.pptx
@@ -8,15 +8,16 @@
     <p:notesMasterId r:id="rId4"/>
   </p:notesMasterIdLst>
   <p:handoutMasterIdLst>
-    <p:handoutMasterId r:id="rId10"/>
+    <p:handoutMasterId r:id="rId11"/>
   </p:handoutMasterIdLst>
   <p:sldIdLst>
     <p:sldId id="256" r:id="rId3"/>
     <p:sldId id="257" r:id="rId5"/>
     <p:sldId id="258" r:id="rId6"/>
-    <p:sldId id="259" r:id="rId7"/>
-    <p:sldId id="260" r:id="rId8"/>
-    <p:sldId id="261" r:id="rId9"/>
+    <p:sldId id="262" r:id="rId7"/>
+    <p:sldId id="259" r:id="rId8"/>
+    <p:sldId id="260" r:id="rId9"/>
+    <p:sldId id="261" r:id="rId10"/>
   </p:sldIdLst>
   <p:sldSz cx="12192000" cy="6858000"/>
   <p:notesSz cx="7103745" cy="10234295"/>
@@ -4070,7 +4071,7 @@
         </p:nvSpPr>
         <p:spPr/>
         <p:txBody>
-          <a:bodyPr/>
+          <a:bodyPr anchor="ctr" anchorCtr="0"/>
           <a:p>
             <a:r>
               <a:rPr lang="fr-FR" altLang="en-US" sz="3200"/>
@@ -4138,7 +4139,7 @@
           <a:p>
             <a:r>
               <a:rPr lang="fr-FR" altLang="en-US"/>
-              <a:t>Example</a:t>
+              <a:t>Examples</a:t>
             </a:r>
             <a:endParaRPr lang="fr-FR" altLang="en-US"/>
           </a:p>
@@ -4230,63 +4231,20 @@
           <a:p>
             <a:r>
               <a:rPr lang="fr-FR" altLang="en-US"/>
-              <a:t>Symbols</a:t>
+              <a:t>Example</a:t>
             </a:r>
             <a:endParaRPr lang="fr-FR" altLang="en-US"/>
-          </a:p>
-        </p:txBody>
-      </p:sp>
-      <p:sp>
-        <p:nvSpPr>
-          <p:cNvPr id="3" name="Content Placeholder 2"/>
-          <p:cNvSpPr>
-            <a:spLocks noGrp="1"/>
-          </p:cNvSpPr>
-          <p:nvPr>
-            <p:ph sz="half" idx="1"/>
-          </p:nvPr>
-        </p:nvSpPr>
-        <p:spPr/>
-        <p:txBody>
-          <a:bodyPr/>
-          <a:p>
-            <a:r>
-              <a:rPr lang="fr-FR" altLang="en-US" sz="2800"/>
-              <a:t>Single unicode character</a:t>
-            </a:r>
-            <a:endParaRPr lang="fr-FR" altLang="en-US" sz="2800"/>
-          </a:p>
-          <a:p>
-            <a:r>
-              <a:rPr lang="fr-FR" altLang="en-US" sz="2800"/>
-              <a:t>Hard to read</a:t>
-            </a:r>
-            <a:endParaRPr lang="fr-FR" altLang="en-US" sz="2800"/>
-          </a:p>
-          <a:p>
-            <a:r>
-              <a:rPr lang="fr-FR" altLang="en-US" sz="2800"/>
-              <a:t>Less space</a:t>
-            </a:r>
-            <a:endParaRPr lang="fr-FR" altLang="en-US" sz="2800"/>
-          </a:p>
-          <a:p>
-            <a:r>
-              <a:rPr lang="fr-FR" altLang="en-US" sz="2800"/>
-              <a:t>Full name available</a:t>
-            </a:r>
-            <a:endParaRPr lang="fr-FR" altLang="en-US" sz="2800"/>
           </a:p>
         </p:txBody>
       </p:sp>
       <p:pic>
         <p:nvPicPr>
-          <p:cNvPr id="5" name="Content Placeholder 4" descr="symbols"/>
+          <p:cNvPr id="6" name="Content Placeholder 5" descr="quadratic"/>
           <p:cNvPicPr>
             <a:picLocks noChangeAspect="1"/>
           </p:cNvPicPr>
           <p:nvPr>
-            <p:ph sz="half" idx="2"/>
+            <p:ph idx="1"/>
           </p:nvPr>
         </p:nvPicPr>
         <p:blipFill>
@@ -4297,32 +4255,8 @@
         </p:blipFill>
         <p:spPr>
           <a:xfrm>
-            <a:off x="9178290" y="1600200"/>
-            <a:ext cx="2404110" cy="3467100"/>
-          </a:xfrm>
-          <a:prstGeom prst="rect">
-            <a:avLst/>
-          </a:prstGeom>
-        </p:spPr>
-      </p:pic>
-      <p:pic>
-        <p:nvPicPr>
-          <p:cNvPr id="6" name="Picture 5" descr="language-server"/>
-          <p:cNvPicPr>
-            <a:picLocks noChangeAspect="1"/>
-          </p:cNvPicPr>
-          <p:nvPr/>
-        </p:nvPicPr>
-        <p:blipFill>
-          <a:blip r:embed="rId2"/>
-          <a:stretch>
-            <a:fillRect/>
-          </a:stretch>
-        </p:blipFill>
-        <p:spPr>
-          <a:xfrm>
-            <a:off x="4086225" y="3920490"/>
-            <a:ext cx="4914900" cy="2781300"/>
+            <a:off x="2604135" y="1282700"/>
+            <a:ext cx="6983095" cy="5232400"/>
           </a:xfrm>
           <a:prstGeom prst="rect">
             <a:avLst/>
@@ -4349,7 +4283,7 @@
       <p:grpSpPr/>
       <p:sp>
         <p:nvSpPr>
-          <p:cNvPr id="5" name="Title 4"/>
+          <p:cNvPr id="2" name="Title 1"/>
           <p:cNvSpPr>
             <a:spLocks noGrp="1"/>
           </p:cNvSpPr>
@@ -4363,7 +4297,7 @@
           <a:p>
             <a:r>
               <a:rPr lang="fr-FR" altLang="en-US"/>
-              <a:t>Types</a:t>
+              <a:t>Symbols</a:t>
             </a:r>
             <a:endParaRPr lang="fr-FR" altLang="en-US"/>
           </a:p>
@@ -4371,7 +4305,7 @@
       </p:sp>
       <p:sp>
         <p:nvSpPr>
-          <p:cNvPr id="6" name="Content Placeholder 5"/>
+          <p:cNvPr id="3" name="Content Placeholder 2"/>
           <p:cNvSpPr>
             <a:spLocks noGrp="1"/>
           </p:cNvSpPr>
@@ -4381,126 +4315,40 @@
         </p:nvSpPr>
         <p:spPr/>
         <p:txBody>
-          <a:bodyPr/>
-          <a:p>
-            <a:r>
-              <a:rPr lang="fr-FR" altLang="en-US"/>
-              <a:t>Number</a:t>
-            </a:r>
-            <a:endParaRPr lang="fr-FR" altLang="en-US" sz="1800"/>
-          </a:p>
-          <a:p>
-            <a:pPr lvl="1"/>
-            <a:r>
-              <a:rPr lang="fr-FR" altLang="en-US" sz="1800"/>
-              <a:t>Int, float, complex</a:t>
-            </a:r>
-            <a:endParaRPr lang="fr-FR" altLang="en-US" sz="1800"/>
-          </a:p>
-          <a:p>
-            <a:pPr lvl="0"/>
-            <a:r>
-              <a:rPr lang="fr-FR" altLang="en-US">
-                <a:sym typeface="+mn-ea"/>
-              </a:rPr>
-              <a:t>Array</a:t>
-            </a:r>
-            <a:endParaRPr lang="fr-FR" altLang="en-US" sz="1800">
-              <a:sym typeface="+mn-ea"/>
-            </a:endParaRPr>
-          </a:p>
-          <a:p>
-            <a:pPr lvl="1"/>
-            <a:r>
-              <a:rPr lang="fr-FR" altLang="en-US" sz="1800">
-                <a:sym typeface="+mn-ea"/>
-              </a:rPr>
-              <a:t>Multi-dimensional</a:t>
-            </a:r>
-            <a:endParaRPr lang="fr-FR" altLang="en-US" sz="1800">
-              <a:sym typeface="+mn-ea"/>
-            </a:endParaRPr>
-          </a:p>
-          <a:p>
-            <a:pPr lvl="1"/>
-            <a:r>
-              <a:rPr lang="fr-FR" altLang="en-US" sz="1800">
-                <a:sym typeface="+mn-ea"/>
-              </a:rPr>
-              <a:t>Different shape </a:t>
-            </a:r>
-            <a:r>
-              <a:rPr lang="fr-FR" altLang="en-US" sz="1800">
-                <a:latin typeface="Calibri Light" panose="020F0302020204030204" charset="0"/>
-                <a:cs typeface="Calibri Light" panose="020F0302020204030204" charset="0"/>
-                <a:sym typeface="+mn-ea"/>
-              </a:rPr>
-              <a:t>→</a:t>
-            </a:r>
-            <a:r>
-              <a:rPr lang="fr-FR" altLang="en-US" sz="1800">
-                <a:sym typeface="+mn-ea"/>
-              </a:rPr>
-              <a:t> different type</a:t>
-            </a:r>
-            <a:endParaRPr lang="fr-FR" altLang="en-US" sz="1800"/>
-          </a:p>
-          <a:p>
-            <a:pPr lvl="1"/>
-            <a:r>
-              <a:rPr lang="fr-FR" altLang="en-US" sz="1800"/>
-              <a:t>Only 1 type per array</a:t>
-            </a:r>
-            <a:endParaRPr lang="fr-FR" altLang="en-US" sz="1800"/>
-          </a:p>
-          <a:p>
-            <a:pPr lvl="0"/>
-            <a:r>
-              <a:rPr lang="fr-FR" altLang="en-US"/>
-              <a:t>Character</a:t>
-            </a:r>
-            <a:endParaRPr lang="fr-FR" altLang="en-US" sz="1800"/>
-          </a:p>
-          <a:p>
-            <a:pPr lvl="1"/>
-            <a:r>
-              <a:rPr lang="fr-FR" altLang="en-US" sz="1800"/>
-              <a:t>Strings as arrays of chars</a:t>
-            </a:r>
-            <a:endParaRPr lang="fr-FR" altLang="en-US" sz="1800"/>
-          </a:p>
-          <a:p>
-            <a:pPr lvl="0"/>
-            <a:r>
-              <a:rPr lang="fr-FR" altLang="en-US"/>
-              <a:t>Box</a:t>
-            </a:r>
-            <a:endParaRPr lang="fr-FR" altLang="en-US" sz="2055"/>
-          </a:p>
-          <a:p>
-            <a:pPr lvl="1"/>
-            <a:r>
-              <a:rPr lang="fr-FR" altLang="en-US" sz="1795"/>
-              <a:t>Bypass 1 type per array limitation</a:t>
-            </a:r>
-            <a:endParaRPr lang="fr-FR" altLang="en-US" sz="1795"/>
-          </a:p>
-          <a:p>
-            <a:pPr lvl="1"/>
-            <a:endParaRPr lang="fr-FR" altLang="en-US" sz="1800"/>
-          </a:p>
-          <a:p>
-            <a:pPr lvl="1"/>
-            <a:endParaRPr lang="fr-FR" altLang="en-US" sz="1800"/>
-          </a:p>
-          <a:p>
-            <a:endParaRPr lang="fr-FR" altLang="en-US" sz="1800"/>
+          <a:bodyPr anchor="ctr" anchorCtr="0"/>
+          <a:p>
+            <a:r>
+              <a:rPr lang="fr-FR" altLang="en-US" sz="2800"/>
+              <a:t>Single unicode character</a:t>
+            </a:r>
+            <a:endParaRPr lang="fr-FR" altLang="en-US" sz="2800"/>
+          </a:p>
+          <a:p>
+            <a:r>
+              <a:rPr lang="fr-FR" altLang="en-US" sz="2800"/>
+              <a:t>Hard to read but less space</a:t>
+            </a:r>
+            <a:endParaRPr lang="fr-FR" altLang="en-US" sz="2800"/>
+          </a:p>
+          <a:p>
+            <a:r>
+              <a:rPr lang="fr-FR" altLang="en-US" sz="2800"/>
+              <a:t>Full name available</a:t>
+            </a:r>
+            <a:endParaRPr lang="fr-FR" altLang="en-US" sz="2800"/>
+          </a:p>
+          <a:p>
+            <a:r>
+              <a:rPr lang="fr-FR" altLang="en-US" sz="2800"/>
+              <a:t>IDE integration (LSP)</a:t>
+            </a:r>
+            <a:endParaRPr lang="fr-FR" altLang="en-US" sz="2800"/>
           </a:p>
         </p:txBody>
       </p:sp>
       <p:pic>
         <p:nvPicPr>
-          <p:cNvPr id="11" name="Content Placeholder 10" descr="tmp"/>
+          <p:cNvPr id="5" name="Content Placeholder 4" descr="symbols"/>
           <p:cNvPicPr>
             <a:picLocks noChangeAspect="1"/>
           </p:cNvPicPr>
@@ -4516,8 +4364,32 @@
         </p:blipFill>
         <p:spPr>
           <a:xfrm>
-            <a:off x="8070850" y="1064260"/>
-            <a:ext cx="2070735" cy="4730115"/>
+            <a:off x="5484495" y="2315845"/>
+            <a:ext cx="2146300" cy="3095625"/>
+          </a:xfrm>
+          <a:prstGeom prst="rect">
+            <a:avLst/>
+          </a:prstGeom>
+        </p:spPr>
+      </p:pic>
+      <p:pic>
+        <p:nvPicPr>
+          <p:cNvPr id="6" name="Picture 5" descr="language-server"/>
+          <p:cNvPicPr>
+            <a:picLocks noChangeAspect="1"/>
+          </p:cNvPicPr>
+          <p:nvPr/>
+        </p:nvPicPr>
+        <p:blipFill>
+          <a:blip r:embed="rId2"/>
+          <a:stretch>
+            <a:fillRect/>
+          </a:stretch>
+        </p:blipFill>
+        <p:spPr>
+          <a:xfrm>
+            <a:off x="7758430" y="2670810"/>
+            <a:ext cx="4214495" cy="2385060"/>
           </a:xfrm>
           <a:prstGeom prst="rect">
             <a:avLst/>
@@ -4558,6 +4430,214 @@
           <a:p>
             <a:r>
               <a:rPr lang="fr-FR" altLang="en-US"/>
+              <a:t>Types</a:t>
+            </a:r>
+            <a:endParaRPr lang="fr-FR" altLang="en-US"/>
+          </a:p>
+        </p:txBody>
+      </p:sp>
+      <p:sp>
+        <p:nvSpPr>
+          <p:cNvPr id="6" name="Content Placeholder 5"/>
+          <p:cNvSpPr>
+            <a:spLocks noGrp="1"/>
+          </p:cNvSpPr>
+          <p:nvPr>
+            <p:ph sz="half" idx="1"/>
+          </p:nvPr>
+        </p:nvSpPr>
+        <p:spPr/>
+        <p:txBody>
+          <a:bodyPr anchor="ctr" anchorCtr="0"/>
+          <a:p>
+            <a:r>
+              <a:rPr lang="fr-FR" altLang="en-US"/>
+              <a:t>Number</a:t>
+            </a:r>
+            <a:endParaRPr lang="fr-FR" altLang="en-US" sz="1800"/>
+          </a:p>
+          <a:p>
+            <a:pPr lvl="1"/>
+            <a:r>
+              <a:rPr lang="fr-FR" altLang="en-US" sz="1800"/>
+              <a:t>Int, float, complex</a:t>
+            </a:r>
+            <a:endParaRPr lang="fr-FR" altLang="en-US" sz="1800"/>
+          </a:p>
+          <a:p>
+            <a:pPr lvl="0"/>
+            <a:r>
+              <a:rPr lang="fr-FR" altLang="en-US">
+                <a:sym typeface="+mn-ea"/>
+              </a:rPr>
+              <a:t>Array</a:t>
+            </a:r>
+            <a:endParaRPr lang="fr-FR" altLang="en-US" sz="1800">
+              <a:sym typeface="+mn-ea"/>
+            </a:endParaRPr>
+          </a:p>
+          <a:p>
+            <a:pPr lvl="1"/>
+            <a:r>
+              <a:rPr lang="fr-FR" altLang="en-US" sz="1800">
+                <a:sym typeface="+mn-ea"/>
+              </a:rPr>
+              <a:t>Multi-dimensional</a:t>
+            </a:r>
+            <a:endParaRPr lang="fr-FR" altLang="en-US" sz="1800">
+              <a:sym typeface="+mn-ea"/>
+            </a:endParaRPr>
+          </a:p>
+          <a:p>
+            <a:pPr lvl="1"/>
+            <a:r>
+              <a:rPr lang="fr-FR" altLang="en-US" sz="1800">
+                <a:sym typeface="+mn-ea"/>
+              </a:rPr>
+              <a:t>Different shape </a:t>
+            </a:r>
+            <a:r>
+              <a:rPr lang="fr-FR" altLang="en-US" sz="1800">
+                <a:latin typeface="Calibri Light" panose="020F0302020204030204" charset="0"/>
+                <a:cs typeface="Calibri Light" panose="020F0302020204030204" charset="0"/>
+                <a:sym typeface="+mn-ea"/>
+              </a:rPr>
+              <a:t>→</a:t>
+            </a:r>
+            <a:r>
+              <a:rPr lang="fr-FR" altLang="en-US" sz="1800">
+                <a:sym typeface="+mn-ea"/>
+              </a:rPr>
+              <a:t> different type</a:t>
+            </a:r>
+            <a:endParaRPr lang="fr-FR" altLang="en-US" sz="1800"/>
+          </a:p>
+          <a:p>
+            <a:pPr lvl="1"/>
+            <a:r>
+              <a:rPr lang="fr-FR" altLang="en-US" sz="1800"/>
+              <a:t>Only 1 type per array</a:t>
+            </a:r>
+            <a:endParaRPr lang="fr-FR" altLang="en-US" sz="1800"/>
+          </a:p>
+          <a:p>
+            <a:pPr lvl="0"/>
+            <a:r>
+              <a:rPr lang="fr-FR" altLang="en-US"/>
+              <a:t>Character</a:t>
+            </a:r>
+            <a:endParaRPr lang="fr-FR" altLang="en-US" sz="1800"/>
+          </a:p>
+          <a:p>
+            <a:pPr lvl="1"/>
+            <a:r>
+              <a:rPr lang="fr-FR" altLang="en-US" sz="1800"/>
+              <a:t>Strings as arrays of chars</a:t>
+            </a:r>
+            <a:endParaRPr lang="fr-FR" altLang="en-US" sz="1800"/>
+          </a:p>
+          <a:p>
+            <a:pPr lvl="0"/>
+            <a:r>
+              <a:rPr lang="fr-FR" altLang="en-US"/>
+              <a:t>Box</a:t>
+            </a:r>
+            <a:endParaRPr lang="fr-FR" altLang="en-US" sz="2055"/>
+          </a:p>
+          <a:p>
+            <a:pPr lvl="1"/>
+            <a:r>
+              <a:rPr lang="fr-FR" altLang="en-US" sz="1795"/>
+              <a:t>Bypass 1 type per array limitation</a:t>
+            </a:r>
+            <a:endParaRPr lang="fr-FR" altLang="en-US" sz="1800"/>
+          </a:p>
+        </p:txBody>
+      </p:sp>
+      <p:pic>
+        <p:nvPicPr>
+          <p:cNvPr id="11" name="Content Placeholder 10" descr="tmp"/>
+          <p:cNvPicPr>
+            <a:picLocks noChangeAspect="1"/>
+          </p:cNvPicPr>
+          <p:nvPr>
+            <p:ph sz="half" idx="2"/>
+          </p:nvPr>
+        </p:nvPicPr>
+        <p:blipFill>
+          <a:blip r:embed="rId1"/>
+          <a:stretch>
+            <a:fillRect/>
+          </a:stretch>
+        </p:blipFill>
+        <p:spPr>
+          <a:xfrm>
+            <a:off x="6229985" y="1668780"/>
+            <a:ext cx="1921510" cy="4389120"/>
+          </a:xfrm>
+          <a:prstGeom prst="rect">
+            <a:avLst/>
+          </a:prstGeom>
+        </p:spPr>
+      </p:pic>
+      <p:pic>
+        <p:nvPicPr>
+          <p:cNvPr id="12" name="Picture 11" descr="sugar"/>
+          <p:cNvPicPr>
+            <a:picLocks noChangeAspect="1"/>
+          </p:cNvPicPr>
+          <p:nvPr/>
+        </p:nvPicPr>
+        <p:blipFill>
+          <a:blip r:embed="rId2"/>
+          <a:stretch>
+            <a:fillRect/>
+          </a:stretch>
+        </p:blipFill>
+        <p:spPr>
+          <a:xfrm>
+            <a:off x="8477250" y="3377565"/>
+            <a:ext cx="3105150" cy="971550"/>
+          </a:xfrm>
+          <a:prstGeom prst="rect">
+            <a:avLst/>
+          </a:prstGeom>
+        </p:spPr>
+      </p:pic>
+    </p:spTree>
+  </p:cSld>
+  <p:clrMapOvr>
+    <a:masterClrMapping/>
+  </p:clrMapOvr>
+</p:sld>
+</file>
+
+<file path=ppt/slides/slide7.xml><?xml version="1.0" encoding="utf-8"?>
+<p:sld xmlns:a="http://schemas.openxmlformats.org/drawingml/2006/main" xmlns:r="http://schemas.openxmlformats.org/officeDocument/2006/relationships" xmlns:p="http://schemas.openxmlformats.org/presentationml/2006/main">
+  <p:cSld>
+    <p:spTree>
+      <p:nvGrpSpPr>
+        <p:cNvPr id="1" name=""/>
+        <p:cNvGrpSpPr/>
+        <p:nvPr/>
+      </p:nvGrpSpPr>
+      <p:grpSpPr/>
+      <p:sp>
+        <p:nvSpPr>
+          <p:cNvPr id="5" name="Title 4"/>
+          <p:cNvSpPr>
+            <a:spLocks noGrp="1"/>
+          </p:cNvSpPr>
+          <p:nvPr>
+            <p:ph type="title"/>
+          </p:nvPr>
+        </p:nvSpPr>
+        <p:spPr/>
+        <p:txBody>
+          <a:bodyPr/>
+          <a:p>
+            <a:r>
+              <a:rPr lang="fr-FR" altLang="en-US"/>
               <a:t>Functions</a:t>
             </a:r>
             <a:endParaRPr lang="fr-FR" altLang="en-US"/>
@@ -4576,7 +4656,7 @@
         </p:nvSpPr>
         <p:spPr/>
         <p:txBody>
-          <a:bodyPr/>
+          <a:bodyPr anchor="ctr" anchorCtr="0"/>
           <a:p>
             <a:r>
               <a:rPr lang="fr-FR" altLang="en-US" sz="2400"/>

--- a/documents/Presentation.pptx
+++ b/documents/Presentation.pptx
@@ -8,7 +8,7 @@
     <p:notesMasterId r:id="rId4"/>
   </p:notesMasterIdLst>
   <p:handoutMasterIdLst>
-    <p:handoutMasterId r:id="rId11"/>
+    <p:handoutMasterId r:id="rId12"/>
   </p:handoutMasterIdLst>
   <p:sldIdLst>
     <p:sldId id="256" r:id="rId3"/>
@@ -18,6 +18,7 @@
     <p:sldId id="259" r:id="rId8"/>
     <p:sldId id="260" r:id="rId9"/>
     <p:sldId id="261" r:id="rId10"/>
+    <p:sldId id="266" r:id="rId11"/>
   </p:sldIdLst>
   <p:sldSz cx="12192000" cy="6858000"/>
   <p:notesSz cx="7103745" cy="10234295"/>
@@ -4364,7 +4365,7 @@
         </p:blipFill>
         <p:spPr>
           <a:xfrm>
-            <a:off x="5484495" y="2315845"/>
+            <a:off x="5484495" y="2315210"/>
             <a:ext cx="2146300" cy="3095625"/>
           </a:xfrm>
           <a:prstGeom prst="rect">
@@ -4712,6 +4713,132 @@
               <a:t>FFI</a:t>
             </a:r>
             <a:endParaRPr lang="fr-FR" altLang="en-US" sz="2400"/>
+          </a:p>
+        </p:txBody>
+      </p:sp>
+    </p:spTree>
+  </p:cSld>
+  <p:clrMapOvr>
+    <a:masterClrMapping/>
+  </p:clrMapOvr>
+</p:sld>
+</file>
+
+<file path=ppt/slides/slide8.xml><?xml version="1.0" encoding="utf-8"?>
+<p:sld xmlns:a="http://schemas.openxmlformats.org/drawingml/2006/main" xmlns:r="http://schemas.openxmlformats.org/officeDocument/2006/relationships" xmlns:p="http://schemas.openxmlformats.org/presentationml/2006/main">
+  <p:cSld>
+    <p:spTree>
+      <p:nvGrpSpPr>
+        <p:cNvPr id="1" name=""/>
+        <p:cNvGrpSpPr/>
+        <p:nvPr/>
+      </p:nvGrpSpPr>
+      <p:grpSpPr/>
+      <p:sp>
+        <p:nvSpPr>
+          <p:cNvPr id="2" name="Title 1"/>
+          <p:cNvSpPr>
+            <a:spLocks noGrp="1"/>
+          </p:cNvSpPr>
+          <p:nvPr>
+            <p:ph type="title"/>
+          </p:nvPr>
+        </p:nvSpPr>
+        <p:spPr/>
+        <p:txBody>
+          <a:bodyPr/>
+          <a:p>
+            <a:r>
+              <a:rPr lang="fr-FR" altLang="en-US"/>
+              <a:t>Project</a:t>
+            </a:r>
+            <a:endParaRPr lang="fr-FR" altLang="en-US"/>
+          </a:p>
+        </p:txBody>
+      </p:sp>
+      <p:sp>
+        <p:nvSpPr>
+          <p:cNvPr id="3" name="Content Placeholder 2"/>
+          <p:cNvSpPr>
+            <a:spLocks noGrp="1"/>
+          </p:cNvSpPr>
+          <p:nvPr>
+            <p:ph idx="1"/>
+          </p:nvPr>
+        </p:nvSpPr>
+        <p:spPr/>
+        <p:txBody>
+          <a:bodyPr anchor="ctr" anchorCtr="0"/>
+          <a:p>
+            <a:r>
+              <a:rPr lang="fr-FR" altLang="en-US"/>
+              <a:t>Image creation app</a:t>
+            </a:r>
+            <a:endParaRPr lang="fr-FR" altLang="en-US"/>
+          </a:p>
+          <a:p>
+            <a:endParaRPr lang="fr-FR" altLang="en-US"/>
+          </a:p>
+          <a:p>
+            <a:r>
+              <a:rPr lang="fr-FR" altLang="en-US"/>
+              <a:t>Array manipulation</a:t>
+            </a:r>
+            <a:endParaRPr lang="fr-FR" altLang="en-US"/>
+          </a:p>
+          <a:p>
+            <a:pPr lvl="1"/>
+            <a:r>
+              <a:rPr lang="fr-FR" altLang="en-US"/>
+              <a:t>Predefined shapes</a:t>
+            </a:r>
+            <a:endParaRPr lang="fr-FR" altLang="en-US"/>
+          </a:p>
+          <a:p>
+            <a:pPr lvl="1"/>
+            <a:r>
+              <a:rPr lang="fr-FR" altLang="en-US"/>
+              <a:t>Curves</a:t>
+            </a:r>
+            <a:endParaRPr lang="fr-FR" altLang="en-US"/>
+          </a:p>
+          <a:p>
+            <a:endParaRPr lang="fr-FR" altLang="en-US"/>
+          </a:p>
+          <a:p>
+            <a:r>
+              <a:rPr lang="fr-FR" altLang="en-US"/>
+              <a:t>Saving in different formats</a:t>
+            </a:r>
+            <a:endParaRPr lang="fr-FR" altLang="en-US"/>
+          </a:p>
+          <a:p>
+            <a:pPr lvl="1"/>
+            <a:r>
+              <a:rPr lang="fr-FR" altLang="en-US" sz="1800"/>
+              <a:t>System functions</a:t>
+            </a:r>
+            <a:endParaRPr lang="fr-FR" altLang="en-US" sz="1800"/>
+          </a:p>
+          <a:p>
+            <a:pPr lvl="1"/>
+            <a:endParaRPr lang="fr-FR" altLang="en-US"/>
+          </a:p>
+          <a:p>
+            <a:pPr lvl="0"/>
+            <a:r>
+              <a:rPr lang="fr-FR" altLang="en-US" sz="2000"/>
+              <a:t>Graphical interface</a:t>
+            </a:r>
+            <a:endParaRPr lang="fr-FR" altLang="en-US" sz="2000"/>
+          </a:p>
+          <a:p>
+            <a:pPr lvl="1"/>
+            <a:r>
+              <a:rPr lang="fr-FR" altLang="en-US" sz="1800"/>
+              <a:t>FFI</a:t>
+            </a:r>
+            <a:endParaRPr lang="fr-FR" altLang="en-US"/>
           </a:p>
         </p:txBody>
       </p:sp>

--- a/documents/Presentation.pptx
+++ b/documents/Presentation.pptx
@@ -2,31 +2,33 @@
 <file path=ppt/presentation.xml><?xml version="1.0" encoding="utf-8"?>
 <p:presentation xmlns:a="http://schemas.openxmlformats.org/drawingml/2006/main" xmlns:r="http://schemas.openxmlformats.org/officeDocument/2006/relationships" xmlns:p="http://schemas.openxmlformats.org/presentationml/2006/main">
   <p:sldMasterIdLst>
-    <p:sldMasterId id="2147483648" r:id="rId1"/>
+    <p:sldMasterId id="2147483660" r:id="rId1"/>
   </p:sldMasterIdLst>
   <p:notesMasterIdLst>
-    <p:notesMasterId r:id="rId4"/>
+    <p:notesMasterId r:id="rId12"/>
   </p:notesMasterIdLst>
   <p:handoutMasterIdLst>
-    <p:handoutMasterId r:id="rId12"/>
+    <p:handoutMasterId r:id="rId13"/>
   </p:handoutMasterIdLst>
   <p:sldIdLst>
-    <p:sldId id="256" r:id="rId3"/>
-    <p:sldId id="257" r:id="rId5"/>
-    <p:sldId id="258" r:id="rId6"/>
-    <p:sldId id="262" r:id="rId7"/>
-    <p:sldId id="259" r:id="rId8"/>
-    <p:sldId id="260" r:id="rId9"/>
-    <p:sldId id="261" r:id="rId10"/>
+    <p:sldId id="256" r:id="rId2"/>
+    <p:sldId id="257" r:id="rId3"/>
+    <p:sldId id="258" r:id="rId4"/>
+    <p:sldId id="262" r:id="rId5"/>
+    <p:sldId id="259" r:id="rId6"/>
+    <p:sldId id="267" r:id="rId7"/>
+    <p:sldId id="260" r:id="rId8"/>
+    <p:sldId id="261" r:id="rId9"/>
+    <p:sldId id="268" r:id="rId10"/>
     <p:sldId id="266" r:id="rId11"/>
   </p:sldIdLst>
   <p:sldSz cx="12192000" cy="6858000"/>
-  <p:notesSz cx="7103745" cy="10234295"/>
+  <p:notesSz cx="7104063" cy="10234613"/>
   <p:defaultTextStyle>
     <a:defPPr>
-      <a:defRPr lang="zh-CN"/>
+      <a:defRPr lang="en-US"/>
     </a:defPPr>
-    <a:lvl1pPr marL="0" algn="l" defTabSz="914400" rtl="0" eaLnBrk="1" latinLnBrk="0" hangingPunct="1">
+    <a:lvl1pPr marL="0" algn="l" defTabSz="457200" rtl="0" eaLnBrk="1" latinLnBrk="0" hangingPunct="1">
       <a:defRPr sz="1800" kern="1200">
         <a:solidFill>
           <a:schemeClr val="tx1"/>
@@ -36,7 +38,7 @@
         <a:cs typeface="+mn-cs"/>
       </a:defRPr>
     </a:lvl1pPr>
-    <a:lvl2pPr marL="457200" algn="l" defTabSz="914400" rtl="0" eaLnBrk="1" latinLnBrk="0" hangingPunct="1">
+    <a:lvl2pPr marL="457200" algn="l" defTabSz="457200" rtl="0" eaLnBrk="1" latinLnBrk="0" hangingPunct="1">
       <a:defRPr sz="1800" kern="1200">
         <a:solidFill>
           <a:schemeClr val="tx1"/>
@@ -46,7 +48,7 @@
         <a:cs typeface="+mn-cs"/>
       </a:defRPr>
     </a:lvl2pPr>
-    <a:lvl3pPr marL="914400" algn="l" defTabSz="914400" rtl="0" eaLnBrk="1" latinLnBrk="0" hangingPunct="1">
+    <a:lvl3pPr marL="914400" algn="l" defTabSz="457200" rtl="0" eaLnBrk="1" latinLnBrk="0" hangingPunct="1">
       <a:defRPr sz="1800" kern="1200">
         <a:solidFill>
           <a:schemeClr val="tx1"/>
@@ -56,7 +58,7 @@
         <a:cs typeface="+mn-cs"/>
       </a:defRPr>
     </a:lvl3pPr>
-    <a:lvl4pPr marL="1371600" algn="l" defTabSz="914400" rtl="0" eaLnBrk="1" latinLnBrk="0" hangingPunct="1">
+    <a:lvl4pPr marL="1371600" algn="l" defTabSz="457200" rtl="0" eaLnBrk="1" latinLnBrk="0" hangingPunct="1">
       <a:defRPr sz="1800" kern="1200">
         <a:solidFill>
           <a:schemeClr val="tx1"/>
@@ -66,7 +68,7 @@
         <a:cs typeface="+mn-cs"/>
       </a:defRPr>
     </a:lvl4pPr>
-    <a:lvl5pPr marL="1828800" algn="l" defTabSz="914400" rtl="0" eaLnBrk="1" latinLnBrk="0" hangingPunct="1">
+    <a:lvl5pPr marL="1828800" algn="l" defTabSz="457200" rtl="0" eaLnBrk="1" latinLnBrk="0" hangingPunct="1">
       <a:defRPr sz="1800" kern="1200">
         <a:solidFill>
           <a:schemeClr val="tx1"/>
@@ -76,7 +78,7 @@
         <a:cs typeface="+mn-cs"/>
       </a:defRPr>
     </a:lvl5pPr>
-    <a:lvl6pPr marL="2286000" algn="l" defTabSz="914400" rtl="0" eaLnBrk="1" latinLnBrk="0" hangingPunct="1">
+    <a:lvl6pPr marL="2286000" algn="l" defTabSz="457200" rtl="0" eaLnBrk="1" latinLnBrk="0" hangingPunct="1">
       <a:defRPr sz="1800" kern="1200">
         <a:solidFill>
           <a:schemeClr val="tx1"/>
@@ -86,7 +88,7 @@
         <a:cs typeface="+mn-cs"/>
       </a:defRPr>
     </a:lvl6pPr>
-    <a:lvl7pPr marL="2743200" algn="l" defTabSz="914400" rtl="0" eaLnBrk="1" latinLnBrk="0" hangingPunct="1">
+    <a:lvl7pPr marL="2743200" algn="l" defTabSz="457200" rtl="0" eaLnBrk="1" latinLnBrk="0" hangingPunct="1">
       <a:defRPr sz="1800" kern="1200">
         <a:solidFill>
           <a:schemeClr val="tx1"/>
@@ -96,7 +98,7 @@
         <a:cs typeface="+mn-cs"/>
       </a:defRPr>
     </a:lvl7pPr>
-    <a:lvl8pPr marL="3200400" algn="l" defTabSz="914400" rtl="0" eaLnBrk="1" latinLnBrk="0" hangingPunct="1">
+    <a:lvl8pPr marL="3200400" algn="l" defTabSz="457200" rtl="0" eaLnBrk="1" latinLnBrk="0" hangingPunct="1">
       <a:defRPr sz="1800" kern="1200">
         <a:solidFill>
           <a:schemeClr val="tx1"/>
@@ -106,7 +108,7 @@
         <a:cs typeface="+mn-cs"/>
       </a:defRPr>
     </a:lvl8pPr>
-    <a:lvl9pPr marL="3657600" algn="l" defTabSz="914400" rtl="0" eaLnBrk="1" latinLnBrk="0" hangingPunct="1">
+    <a:lvl9pPr marL="3657600" algn="l" defTabSz="457200" rtl="0" eaLnBrk="1" latinLnBrk="0" hangingPunct="1">
       <a:defRPr sz="1800" kern="1200">
         <a:solidFill>
           <a:schemeClr val="tx1"/>
@@ -117,6 +119,22 @@
       </a:defRPr>
     </a:lvl9pPr>
   </p:defaultTextStyle>
+  <p:extLst>
+    <p:ext uri="{EFAFB233-063F-42B5-8137-9DF3F51BA10A}">
+      <p15:sldGuideLst xmlns:p15="http://schemas.microsoft.com/office/powerpoint/2012/main">
+        <p15:guide id="1" orient="horz" pos="2128">
+          <p15:clr>
+            <a:srgbClr val="A4A3A4"/>
+          </p15:clr>
+        </p15:guide>
+        <p15:guide id="2" pos="3840">
+          <p15:clr>
+            <a:srgbClr val="A4A3A4"/>
+          </p15:clr>
+        </p15:guide>
+      </p15:sldGuideLst>
+    </p:ext>
+  </p:extLst>
 </p:presentation>
 </file>
 
@@ -202,6 +220,7 @@
           <a:p>
             <a:fld id="{0F9B84EA-7D68-4D60-9CB1-D50884785D1C}" type="datetimeFigureOut">
               <a:rPr lang="zh-CN" altLang="en-US" smtClean="0"/>
+              <a:t>2024/4/17</a:t>
             </a:fld>
             <a:endParaRPr lang="zh-CN" altLang="en-US"/>
           </a:p>
@@ -267,12 +286,18 @@
           <a:p>
             <a:fld id="{8D4E0FC9-F1F8-4FAE-9988-3BA365CFD46F}" type="slidenum">
               <a:rPr lang="zh-CN" altLang="en-US" smtClean="0"/>
+              <a:t>‹#›</a:t>
             </a:fld>
             <a:endParaRPr lang="zh-CN" altLang="en-US"/>
           </a:p>
         </p:txBody>
       </p:sp>
     </p:spTree>
+    <p:extLst>
+      <p:ext uri="{BB962C8B-B14F-4D97-AF65-F5344CB8AC3E}">
+        <p14:creationId xmlns:p14="http://schemas.microsoft.com/office/powerpoint/2010/main" val="1"/>
+      </p:ext>
+    </p:extLst>
   </p:cSld>
   <p:clrMap bg1="lt1" tx1="dk1" bg2="lt2" tx2="dk2" accent1="accent1" accent2="accent2" accent3="accent3" accent4="accent4" accent5="accent5" accent6="accent6" hlink="hlink" folHlink="folHlink"/>
 </p:handoutMaster>
@@ -360,6 +385,7 @@
           <a:p>
             <a:fld id="{D6C8D182-E4C8-4120-9249-FC9774456FFA}" type="datetimeFigureOut">
               <a:rPr lang="zh-CN" altLang="en-US" smtClean="0"/>
+              <a:t>2024/4/17</a:t>
             </a:fld>
             <a:endParaRPr lang="zh-CN" altLang="en-US"/>
           </a:p>
@@ -426,7 +452,6 @@
               <a:rPr lang="zh-CN" altLang="en-US"/>
               <a:t>编辑母版文本样式</a:t>
             </a:r>
-            <a:endParaRPr lang="zh-CN" altLang="en-US"/>
           </a:p>
           <a:p>
             <a:pPr lvl="1"/>
@@ -434,7 +459,6 @@
               <a:rPr lang="zh-CN" altLang="en-US"/>
               <a:t>第二级</a:t>
             </a:r>
-            <a:endParaRPr lang="zh-CN" altLang="en-US"/>
           </a:p>
           <a:p>
             <a:pPr lvl="2"/>
@@ -442,7 +466,6 @@
               <a:rPr lang="zh-CN" altLang="en-US"/>
               <a:t>第三级</a:t>
             </a:r>
-            <a:endParaRPr lang="zh-CN" altLang="en-US"/>
           </a:p>
           <a:p>
             <a:pPr lvl="3"/>
@@ -450,7 +473,6 @@
               <a:rPr lang="zh-CN" altLang="en-US"/>
               <a:t>第四级</a:t>
             </a:r>
-            <a:endParaRPr lang="zh-CN" altLang="en-US"/>
           </a:p>
           <a:p>
             <a:pPr lvl="4"/>
@@ -458,7 +480,6 @@
               <a:rPr lang="zh-CN" altLang="en-US"/>
               <a:t>第五级</a:t>
             </a:r>
-            <a:endParaRPr lang="zh-CN" altLang="en-US"/>
           </a:p>
         </p:txBody>
       </p:sp>
@@ -522,6 +543,7 @@
           <a:p>
             <a:fld id="{85D0DACE-38E0-42D2-9336-2B707D34BC6D}" type="slidenum">
               <a:rPr lang="zh-CN" altLang="en-US" smtClean="0"/>
+              <a:t>‹#›</a:t>
             </a:fld>
             <a:endParaRPr lang="zh-CN" altLang="en-US"/>
           </a:p>
@@ -634,11 +656,20 @@
         <p:cNvGrpSpPr/>
         <p:nvPr/>
       </p:nvGrpSpPr>
-      <p:grpSpPr/>
+      <p:grpSpPr>
+        <a:xfrm>
+          <a:off x="0" y="0"/>
+          <a:ext cx="0" cy="0"/>
+          <a:chOff x="0" y="0"/>
+          <a:chExt cx="0" cy="0"/>
+        </a:xfrm>
+      </p:grpSpPr>
       <p:sp>
         <p:nvSpPr>
           <p:cNvPr id="2" name="Slide Image Placeholder 1"/>
-          <p:cNvSpPr/>
+          <p:cNvSpPr>
+            <a:spLocks noGrp="1" noRot="1" noChangeAspect="1"/>
+          </p:cNvSpPr>
           <p:nvPr>
             <p:ph type="sldImg" idx="2"/>
           </p:nvPr>
@@ -648,7 +679,9 @@
       <p:sp>
         <p:nvSpPr>
           <p:cNvPr id="3" name="Text Placeholder 2"/>
-          <p:cNvSpPr/>
+          <p:cNvSpPr>
+            <a:spLocks noGrp="1"/>
+          </p:cNvSpPr>
           <p:nvPr>
             <p:ph type="body" idx="3"/>
           </p:nvPr>
@@ -656,6 +689,7 @@
         <p:spPr/>
         <p:txBody>
           <a:bodyPr/>
+          <a:lstStyle/>
           <a:p>
             <a:endParaRPr lang="en-US"/>
           </a:p>
@@ -678,11 +712,20 @@
         <p:cNvGrpSpPr/>
         <p:nvPr/>
       </p:nvGrpSpPr>
-      <p:grpSpPr/>
+      <p:grpSpPr>
+        <a:xfrm>
+          <a:off x="0" y="0"/>
+          <a:ext cx="0" cy="0"/>
+          <a:chOff x="0" y="0"/>
+          <a:chExt cx="0" cy="0"/>
+        </a:xfrm>
+      </p:grpSpPr>
       <p:sp>
         <p:nvSpPr>
           <p:cNvPr id="2" name="Slide Image Placeholder 1"/>
-          <p:cNvSpPr/>
+          <p:cNvSpPr>
+            <a:spLocks noGrp="1" noRot="1" noChangeAspect="1"/>
+          </p:cNvSpPr>
           <p:nvPr>
             <p:ph type="sldImg" idx="2"/>
           </p:nvPr>
@@ -692,7 +735,9 @@
       <p:sp>
         <p:nvSpPr>
           <p:cNvPr id="3" name="Text Placeholder 2"/>
-          <p:cNvSpPr/>
+          <p:cNvSpPr>
+            <a:spLocks noGrp="1"/>
+          </p:cNvSpPr>
           <p:nvPr>
             <p:ph type="body" idx="3"/>
           </p:nvPr>
@@ -700,6 +745,7 @@
         <p:spPr/>
         <p:txBody>
           <a:bodyPr/>
+          <a:lstStyle/>
           <a:p>
             <a:endParaRPr lang="en-US"/>
           </a:p>
@@ -722,11 +768,20 @@
         <p:cNvGrpSpPr/>
         <p:nvPr/>
       </p:nvGrpSpPr>
-      <p:grpSpPr/>
+      <p:grpSpPr>
+        <a:xfrm>
+          <a:off x="0" y="0"/>
+          <a:ext cx="0" cy="0"/>
+          <a:chOff x="0" y="0"/>
+          <a:chExt cx="0" cy="0"/>
+        </a:xfrm>
+      </p:grpSpPr>
       <p:sp>
         <p:nvSpPr>
           <p:cNvPr id="2" name="Slide Image Placeholder 1"/>
-          <p:cNvSpPr/>
+          <p:cNvSpPr>
+            <a:spLocks noGrp="1" noRot="1" noChangeAspect="1"/>
+          </p:cNvSpPr>
           <p:nvPr>
             <p:ph type="sldImg" idx="2"/>
           </p:nvPr>
@@ -736,7 +791,9 @@
       <p:sp>
         <p:nvSpPr>
           <p:cNvPr id="3" name="Text Placeholder 2"/>
-          <p:cNvSpPr/>
+          <p:cNvSpPr>
+            <a:spLocks noGrp="1"/>
+          </p:cNvSpPr>
           <p:nvPr>
             <p:ph type="body" idx="3"/>
           </p:nvPr>
@@ -744,6 +801,7 @@
         <p:spPr/>
         <p:txBody>
           <a:bodyPr/>
+          <a:lstStyle/>
           <a:p>
             <a:endParaRPr lang="en-US"/>
           </a:p>
@@ -766,11 +824,20 @@
         <p:cNvGrpSpPr/>
         <p:nvPr/>
       </p:nvGrpSpPr>
-      <p:grpSpPr/>
+      <p:grpSpPr>
+        <a:xfrm>
+          <a:off x="0" y="0"/>
+          <a:ext cx="0" cy="0"/>
+          <a:chOff x="0" y="0"/>
+          <a:chExt cx="0" cy="0"/>
+        </a:xfrm>
+      </p:grpSpPr>
       <p:sp>
         <p:nvSpPr>
           <p:cNvPr id="2" name="Slide Image Placeholder 1"/>
-          <p:cNvSpPr/>
+          <p:cNvSpPr>
+            <a:spLocks noGrp="1" noRot="1" noChangeAspect="1"/>
+          </p:cNvSpPr>
           <p:nvPr>
             <p:ph type="sldImg" idx="2"/>
           </p:nvPr>
@@ -780,7 +847,9 @@
       <p:sp>
         <p:nvSpPr>
           <p:cNvPr id="3" name="Text Placeholder 2"/>
-          <p:cNvSpPr/>
+          <p:cNvSpPr>
+            <a:spLocks noGrp="1"/>
+          </p:cNvSpPr>
           <p:nvPr>
             <p:ph type="body" idx="3"/>
           </p:nvPr>
@@ -788,6 +857,7 @@
         <p:spPr/>
         <p:txBody>
           <a:bodyPr/>
+          <a:lstStyle/>
           <a:p>
             <a:endParaRPr lang="en-US"/>
           </a:p>
@@ -838,15 +908,15 @@
           <a:bodyPr anchor="b"/>
           <a:lstStyle>
             <a:lvl1pPr algn="ctr">
-              <a:defRPr sz="4500"/>
+              <a:defRPr sz="6000"/>
             </a:lvl1pPr>
           </a:lstStyle>
           <a:p>
             <a:r>
-              <a:rPr lang="en-US" smtClean="0"/>
+              <a:rPr lang="en-US"/>
               <a:t>Click to edit Master title style</a:t>
             </a:r>
-            <a:endParaRPr lang="en-US"/>
+            <a:endParaRPr lang="en-US" dirty="0"/>
           </a:p>
         </p:txBody>
       </p:sp>
@@ -871,47 +941,47 @@
           <a:lstStyle>
             <a:lvl1pPr marL="0" indent="0" algn="ctr">
               <a:buNone/>
+              <a:defRPr sz="2400"/>
+            </a:lvl1pPr>
+            <a:lvl2pPr marL="457200" indent="0" algn="ctr">
+              <a:buNone/>
+              <a:defRPr sz="2000"/>
+            </a:lvl2pPr>
+            <a:lvl3pPr marL="914400" indent="0" algn="ctr">
+              <a:buNone/>
               <a:defRPr sz="1800"/>
-            </a:lvl1pPr>
-            <a:lvl2pPr marL="342900" indent="0" algn="ctr">
-              <a:buNone/>
-              <a:defRPr sz="1500"/>
-            </a:lvl2pPr>
-            <a:lvl3pPr marL="685800" indent="0" algn="ctr">
-              <a:buNone/>
-              <a:defRPr sz="1350"/>
             </a:lvl3pPr>
-            <a:lvl4pPr marL="1028700" indent="0" algn="ctr">
-              <a:buNone/>
-              <a:defRPr sz="1200"/>
+            <a:lvl4pPr marL="1371600" indent="0" algn="ctr">
+              <a:buNone/>
+              <a:defRPr sz="1600"/>
             </a:lvl4pPr>
-            <a:lvl5pPr marL="1371600" indent="0" algn="ctr">
-              <a:buNone/>
-              <a:defRPr sz="1200"/>
+            <a:lvl5pPr marL="1828800" indent="0" algn="ctr">
+              <a:buNone/>
+              <a:defRPr sz="1600"/>
             </a:lvl5pPr>
-            <a:lvl6pPr marL="1714500" indent="0" algn="ctr">
-              <a:buNone/>
-              <a:defRPr sz="1200"/>
+            <a:lvl6pPr marL="2286000" indent="0" algn="ctr">
+              <a:buNone/>
+              <a:defRPr sz="1600"/>
             </a:lvl6pPr>
-            <a:lvl7pPr marL="2057400" indent="0" algn="ctr">
-              <a:buNone/>
-              <a:defRPr sz="1200"/>
+            <a:lvl7pPr marL="2743200" indent="0" algn="ctr">
+              <a:buNone/>
+              <a:defRPr sz="1600"/>
             </a:lvl7pPr>
-            <a:lvl8pPr marL="2400300" indent="0" algn="ctr">
-              <a:buNone/>
-              <a:defRPr sz="1200"/>
+            <a:lvl8pPr marL="3200400" indent="0" algn="ctr">
+              <a:buNone/>
+              <a:defRPr sz="1600"/>
             </a:lvl8pPr>
-            <a:lvl9pPr marL="2743200" indent="0" algn="ctr">
-              <a:buNone/>
-              <a:defRPr sz="1200"/>
+            <a:lvl9pPr marL="3657600" indent="0" algn="ctr">
+              <a:buNone/>
+              <a:defRPr sz="1600"/>
             </a:lvl9pPr>
           </a:lstStyle>
           <a:p>
             <a:r>
-              <a:rPr lang="en-US" smtClean="0"/>
+              <a:rPr lang="en-US"/>
               <a:t>Click to edit Master subtitle style</a:t>
             </a:r>
-            <a:endParaRPr lang="en-US"/>
+            <a:endParaRPr lang="en-US" dirty="0"/>
           </a:p>
         </p:txBody>
       </p:sp>
@@ -932,6 +1002,7 @@
           <a:p>
             <a:fld id="{760FBDFE-C587-4B4C-A407-44438C67B59E}" type="datetimeFigureOut">
               <a:rPr lang="zh-CN" altLang="en-US" smtClean="0"/>
+              <a:t>2024/4/17</a:t>
             </a:fld>
             <a:endParaRPr lang="zh-CN" altLang="en-US"/>
           </a:p>
@@ -973,12 +1044,18 @@
           <a:p>
             <a:fld id="{49AE70B2-8BF9-45C0-BB95-33D1B9D3A854}" type="slidenum">
               <a:rPr lang="zh-CN" altLang="en-US" smtClean="0"/>
+              <a:t>‹#›</a:t>
             </a:fld>
             <a:endParaRPr lang="zh-CN" altLang="en-US"/>
           </a:p>
         </p:txBody>
       </p:sp>
     </p:spTree>
+    <p:extLst>
+      <p:ext uri="{BB962C8B-B14F-4D97-AF65-F5344CB8AC3E}">
+        <p14:creationId xmlns:p14="http://schemas.microsoft.com/office/powerpoint/2010/main" val="749463231"/>
+      </p:ext>
+    </p:extLst>
   </p:cSld>
   <p:clrMapOvr>
     <a:masterClrMapping/>
@@ -1020,10 +1097,10 @@
           <a:lstStyle/>
           <a:p>
             <a:r>
-              <a:rPr lang="en-US" smtClean="0"/>
+              <a:rPr lang="en-US"/>
               <a:t>Click to edit Master title style</a:t>
             </a:r>
-            <a:endParaRPr lang="en-US"/>
+            <a:endParaRPr lang="en-US" dirty="0"/>
           </a:p>
         </p:txBody>
       </p:sp>
@@ -1044,42 +1121,38 @@
           <a:p>
             <a:pPr lvl="0"/>
             <a:r>
-              <a:rPr lang="en-US" smtClean="0"/>
+              <a:rPr lang="en-US"/>
               <a:t>Click to edit Master text styles</a:t>
             </a:r>
-            <a:endParaRPr lang="en-US" smtClean="0"/>
           </a:p>
           <a:p>
             <a:pPr lvl="1"/>
             <a:r>
-              <a:rPr lang="en-US" smtClean="0"/>
+              <a:rPr lang="en-US"/>
               <a:t>Second level</a:t>
             </a:r>
-            <a:endParaRPr lang="en-US" smtClean="0"/>
           </a:p>
           <a:p>
             <a:pPr lvl="2"/>
             <a:r>
-              <a:rPr lang="en-US" smtClean="0"/>
+              <a:rPr lang="en-US"/>
               <a:t>Third level</a:t>
             </a:r>
-            <a:endParaRPr lang="en-US" smtClean="0"/>
           </a:p>
           <a:p>
             <a:pPr lvl="3"/>
             <a:r>
-              <a:rPr lang="en-US" smtClean="0"/>
+              <a:rPr lang="en-US"/>
               <a:t>Fourth level</a:t>
             </a:r>
-            <a:endParaRPr lang="en-US" smtClean="0"/>
           </a:p>
           <a:p>
             <a:pPr lvl="4"/>
             <a:r>
-              <a:rPr lang="en-US" smtClean="0"/>
+              <a:rPr lang="en-US"/>
               <a:t>Fifth level</a:t>
             </a:r>
-            <a:endParaRPr lang="en-US"/>
+            <a:endParaRPr lang="en-US" dirty="0"/>
           </a:p>
         </p:txBody>
       </p:sp>
@@ -1114,7 +1187,7 @@
               <a:buNone/>
               <a:defRPr/>
             </a:pPr>
-            <a:endParaRPr kumimoji="0" lang="en-US" altLang="zh-CN" sz="1400" b="0" i="0" u="none" strike="noStrike" kern="1200" cap="none" spc="0" normalizeH="0" baseline="0" noProof="0" smtClean="0">
+            <a:endParaRPr kumimoji="0" lang="en-US" altLang="zh-CN" sz="1400" b="0" i="0" u="none" strike="noStrike" kern="1200" cap="none" spc="0" normalizeH="0" baseline="0" noProof="0">
               <a:ln>
                 <a:noFill/>
               </a:ln>
@@ -1162,7 +1235,7 @@
               <a:buNone/>
               <a:defRPr/>
             </a:pPr>
-            <a:endParaRPr kumimoji="0" lang="en-US" altLang="zh-CN" sz="1400" b="0" i="0" u="none" strike="noStrike" kern="1200" cap="none" spc="0" normalizeH="0" baseline="0" noProof="0" smtClean="0">
+            <a:endParaRPr kumimoji="0" lang="en-US" altLang="zh-CN" sz="1400" b="0" i="0" u="none" strike="noStrike" kern="1200" cap="none" spc="0" normalizeH="0" baseline="0" noProof="0">
               <a:ln>
                 <a:noFill/>
               </a:ln>
@@ -1225,8 +1298,9 @@
                 <a:ea typeface="SimSun" pitchFamily="2" charset="-122"/>
                 <a:cs typeface="+mn-cs"/>
               </a:rPr>
+              <a:t>‹#›</a:t>
             </a:fld>
-            <a:endParaRPr kumimoji="0" lang="en-US" altLang="zh-CN" sz="1400" b="0" i="0" u="none" strike="noStrike" kern="1200" cap="none" spc="0" normalizeH="0" baseline="0" noProof="0" smtClean="0">
+            <a:endParaRPr kumimoji="0" lang="en-US" altLang="zh-CN" sz="1400" b="0" i="0" u="none" strike="noStrike" kern="1200" cap="none" spc="0" normalizeH="0" baseline="0" noProof="0">
               <a:ln>
                 <a:noFill/>
               </a:ln>
@@ -1244,6 +1318,11 @@
         </p:txBody>
       </p:sp>
     </p:spTree>
+    <p:extLst>
+      <p:ext uri="{BB962C8B-B14F-4D97-AF65-F5344CB8AC3E}">
+        <p14:creationId xmlns:p14="http://schemas.microsoft.com/office/powerpoint/2010/main" val="813533386"/>
+      </p:ext>
+    </p:extLst>
   </p:cSld>
   <p:clrMapOvr>
     <a:masterClrMapping/>
@@ -1281,8 +1360,8 @@
         </p:nvSpPr>
         <p:spPr>
           <a:xfrm>
-            <a:off x="8839200" y="274638"/>
-            <a:ext cx="2743200" cy="5851525"/>
+            <a:off x="8724900" y="365125"/>
+            <a:ext cx="2628900" cy="5811838"/>
           </a:xfrm>
         </p:spPr>
         <p:txBody>
@@ -1290,10 +1369,10 @@
           <a:lstStyle/>
           <a:p>
             <a:r>
-              <a:rPr lang="en-US" smtClean="0"/>
+              <a:rPr lang="en-US"/>
               <a:t>Click to edit Master title style</a:t>
             </a:r>
-            <a:endParaRPr lang="en-US"/>
+            <a:endParaRPr lang="en-US" dirty="0"/>
           </a:p>
         </p:txBody>
       </p:sp>
@@ -1309,8 +1388,8 @@
         </p:nvSpPr>
         <p:spPr>
           <a:xfrm>
-            <a:off x="609600" y="274638"/>
-            <a:ext cx="8070573" cy="5851525"/>
+            <a:off x="838200" y="365125"/>
+            <a:ext cx="7734300" cy="5811838"/>
           </a:xfrm>
         </p:spPr>
         <p:txBody>
@@ -1319,42 +1398,38 @@
           <a:p>
             <a:pPr lvl="0"/>
             <a:r>
-              <a:rPr lang="en-US" smtClean="0"/>
+              <a:rPr lang="en-US"/>
               <a:t>Click to edit Master text styles</a:t>
             </a:r>
-            <a:endParaRPr lang="en-US" smtClean="0"/>
           </a:p>
           <a:p>
             <a:pPr lvl="1"/>
             <a:r>
-              <a:rPr lang="en-US" smtClean="0"/>
+              <a:rPr lang="en-US"/>
               <a:t>Second level</a:t>
             </a:r>
-            <a:endParaRPr lang="en-US" smtClean="0"/>
           </a:p>
           <a:p>
             <a:pPr lvl="2"/>
             <a:r>
-              <a:rPr lang="en-US" smtClean="0"/>
+              <a:rPr lang="en-US"/>
               <a:t>Third level</a:t>
             </a:r>
-            <a:endParaRPr lang="en-US" smtClean="0"/>
           </a:p>
           <a:p>
             <a:pPr lvl="3"/>
             <a:r>
-              <a:rPr lang="en-US" smtClean="0"/>
+              <a:rPr lang="en-US"/>
               <a:t>Fourth level</a:t>
             </a:r>
-            <a:endParaRPr lang="en-US" smtClean="0"/>
           </a:p>
           <a:p>
             <a:pPr lvl="4"/>
             <a:r>
-              <a:rPr lang="en-US" smtClean="0"/>
+              <a:rPr lang="en-US"/>
               <a:t>Fifth level</a:t>
             </a:r>
-            <a:endParaRPr lang="en-US"/>
+            <a:endParaRPr lang="en-US" dirty="0"/>
           </a:p>
         </p:txBody>
       </p:sp>
@@ -1375,6 +1450,7 @@
           <a:p>
             <a:fld id="{760FBDFE-C587-4B4C-A407-44438C67B59E}" type="datetimeFigureOut">
               <a:rPr lang="zh-CN" altLang="en-US" smtClean="0"/>
+              <a:t>2024/4/17</a:t>
             </a:fld>
             <a:endParaRPr lang="zh-CN" altLang="en-US"/>
           </a:p>
@@ -1416,12 +1492,18 @@
           <a:p>
             <a:fld id="{49AE70B2-8BF9-45C0-BB95-33D1B9D3A854}" type="slidenum">
               <a:rPr lang="zh-CN" altLang="en-US" smtClean="0"/>
+              <a:t>‹#›</a:t>
             </a:fld>
             <a:endParaRPr lang="zh-CN" altLang="en-US"/>
           </a:p>
         </p:txBody>
       </p:sp>
     </p:spTree>
+    <p:extLst>
+      <p:ext uri="{BB962C8B-B14F-4D97-AF65-F5344CB8AC3E}">
+        <p14:creationId xmlns:p14="http://schemas.microsoft.com/office/powerpoint/2010/main" val="92036158"/>
+      </p:ext>
+    </p:extLst>
   </p:cSld>
   <p:clrMapOvr>
     <a:masterClrMapping/>
@@ -1463,10 +1545,10 @@
           <a:lstStyle/>
           <a:p>
             <a:r>
-              <a:rPr lang="en-US" smtClean="0"/>
+              <a:rPr lang="en-US"/>
               <a:t>Click to edit Master title style</a:t>
             </a:r>
-            <a:endParaRPr lang="en-US"/>
+            <a:endParaRPr lang="en-US" dirty="0"/>
           </a:p>
         </p:txBody>
       </p:sp>
@@ -1487,42 +1569,38 @@
           <a:p>
             <a:pPr lvl="0"/>
             <a:r>
-              <a:rPr lang="en-US" smtClean="0"/>
+              <a:rPr lang="en-US"/>
               <a:t>Click to edit Master text styles</a:t>
             </a:r>
-            <a:endParaRPr lang="en-US" smtClean="0"/>
           </a:p>
           <a:p>
             <a:pPr lvl="1"/>
             <a:r>
-              <a:rPr lang="en-US" smtClean="0"/>
+              <a:rPr lang="en-US"/>
               <a:t>Second level</a:t>
             </a:r>
-            <a:endParaRPr lang="en-US" smtClean="0"/>
           </a:p>
           <a:p>
             <a:pPr lvl="2"/>
             <a:r>
-              <a:rPr lang="en-US" smtClean="0"/>
+              <a:rPr lang="en-US"/>
               <a:t>Third level</a:t>
             </a:r>
-            <a:endParaRPr lang="en-US" smtClean="0"/>
           </a:p>
           <a:p>
             <a:pPr lvl="3"/>
             <a:r>
-              <a:rPr lang="en-US" smtClean="0"/>
+              <a:rPr lang="en-US"/>
               <a:t>Fourth level</a:t>
             </a:r>
-            <a:endParaRPr lang="en-US" smtClean="0"/>
           </a:p>
           <a:p>
             <a:pPr lvl="4"/>
             <a:r>
-              <a:rPr lang="en-US" smtClean="0"/>
+              <a:rPr lang="en-US"/>
               <a:t>Fifth level</a:t>
             </a:r>
-            <a:endParaRPr lang="en-US"/>
+            <a:endParaRPr lang="en-US" dirty="0"/>
           </a:p>
         </p:txBody>
       </p:sp>
@@ -1543,6 +1621,7 @@
           <a:p>
             <a:fld id="{760FBDFE-C587-4B4C-A407-44438C67B59E}" type="datetimeFigureOut">
               <a:rPr lang="zh-CN" altLang="en-US" smtClean="0"/>
+              <a:t>2024/4/17</a:t>
             </a:fld>
             <a:endParaRPr lang="zh-CN" altLang="en-US"/>
           </a:p>
@@ -1584,12 +1663,18 @@
           <a:p>
             <a:fld id="{49AE70B2-8BF9-45C0-BB95-33D1B9D3A854}" type="slidenum">
               <a:rPr lang="zh-CN" altLang="en-US" smtClean="0"/>
+              <a:t>‹#›</a:t>
             </a:fld>
             <a:endParaRPr lang="zh-CN" altLang="en-US"/>
           </a:p>
         </p:txBody>
       </p:sp>
     </p:spTree>
+    <p:extLst>
+      <p:ext uri="{BB962C8B-B14F-4D97-AF65-F5344CB8AC3E}">
+        <p14:creationId xmlns:p14="http://schemas.microsoft.com/office/powerpoint/2010/main" val="2478669682"/>
+      </p:ext>
+    </p:extLst>
   </p:cSld>
   <p:clrMapOvr>
     <a:masterClrMapping/>
@@ -1627,7 +1712,7 @@
         </p:nvSpPr>
         <p:spPr>
           <a:xfrm>
-            <a:off x="831851" y="1709738"/>
+            <a:off x="831850" y="1709738"/>
             <a:ext cx="10515600" cy="2852737"/>
           </a:xfrm>
         </p:spPr>
@@ -1635,15 +1720,15 @@
           <a:bodyPr anchor="b"/>
           <a:lstStyle>
             <a:lvl1pPr>
-              <a:defRPr sz="4500"/>
+              <a:defRPr sz="6000"/>
             </a:lvl1pPr>
           </a:lstStyle>
           <a:p>
             <a:r>
-              <a:rPr lang="en-US" smtClean="0"/>
+              <a:rPr lang="en-US"/>
               <a:t>Click to edit Master title style</a:t>
             </a:r>
-            <a:endParaRPr lang="en-US"/>
+            <a:endParaRPr lang="en-US" dirty="0"/>
           </a:p>
         </p:txBody>
       </p:sp>
@@ -1659,7 +1744,7 @@
         </p:nvSpPr>
         <p:spPr>
           <a:xfrm>
-            <a:off x="831851" y="4589463"/>
+            <a:off x="831850" y="4589463"/>
             <a:ext cx="10515600" cy="1500187"/>
           </a:xfrm>
         </p:spPr>
@@ -1667,6 +1752,26 @@
           <a:bodyPr/>
           <a:lstStyle>
             <a:lvl1pPr marL="0" indent="0">
+              <a:buNone/>
+              <a:defRPr sz="2400">
+                <a:solidFill>
+                  <a:schemeClr val="tx1">
+                    <a:tint val="75000"/>
+                  </a:schemeClr>
+                </a:solidFill>
+              </a:defRPr>
+            </a:lvl1pPr>
+            <a:lvl2pPr marL="457200" indent="0">
+              <a:buNone/>
+              <a:defRPr sz="2000">
+                <a:solidFill>
+                  <a:schemeClr val="tx1">
+                    <a:tint val="75000"/>
+                  </a:schemeClr>
+                </a:solidFill>
+              </a:defRPr>
+            </a:lvl2pPr>
+            <a:lvl3pPr marL="914400" indent="0">
               <a:buNone/>
               <a:defRPr sz="1800">
                 <a:solidFill>
@@ -1675,30 +1780,10 @@
                   </a:schemeClr>
                 </a:solidFill>
               </a:defRPr>
-            </a:lvl1pPr>
-            <a:lvl2pPr marL="342900" indent="0">
-              <a:buNone/>
-              <a:defRPr sz="1500">
-                <a:solidFill>
-                  <a:schemeClr val="tx1">
-                    <a:tint val="75000"/>
-                  </a:schemeClr>
-                </a:solidFill>
-              </a:defRPr>
-            </a:lvl2pPr>
-            <a:lvl3pPr marL="685800" indent="0">
-              <a:buNone/>
-              <a:defRPr sz="1350">
-                <a:solidFill>
-                  <a:schemeClr val="tx1">
-                    <a:tint val="75000"/>
-                  </a:schemeClr>
-                </a:solidFill>
-              </a:defRPr>
             </a:lvl3pPr>
-            <a:lvl4pPr marL="1028700" indent="0">
-              <a:buNone/>
-              <a:defRPr sz="1200">
+            <a:lvl4pPr marL="1371600" indent="0">
+              <a:buNone/>
+              <a:defRPr sz="1600">
                 <a:solidFill>
                   <a:schemeClr val="tx1">
                     <a:tint val="75000"/>
@@ -1706,9 +1791,9 @@
                 </a:solidFill>
               </a:defRPr>
             </a:lvl4pPr>
-            <a:lvl5pPr marL="1371600" indent="0">
-              <a:buNone/>
-              <a:defRPr sz="1200">
+            <a:lvl5pPr marL="1828800" indent="0">
+              <a:buNone/>
+              <a:defRPr sz="1600">
                 <a:solidFill>
                   <a:schemeClr val="tx1">
                     <a:tint val="75000"/>
@@ -1716,9 +1801,9 @@
                 </a:solidFill>
               </a:defRPr>
             </a:lvl5pPr>
-            <a:lvl6pPr marL="1714500" indent="0">
-              <a:buNone/>
-              <a:defRPr sz="1200">
+            <a:lvl6pPr marL="2286000" indent="0">
+              <a:buNone/>
+              <a:defRPr sz="1600">
                 <a:solidFill>
                   <a:schemeClr val="tx1">
                     <a:tint val="75000"/>
@@ -1726,9 +1811,9 @@
                 </a:solidFill>
               </a:defRPr>
             </a:lvl6pPr>
-            <a:lvl7pPr marL="2057400" indent="0">
-              <a:buNone/>
-              <a:defRPr sz="1200">
+            <a:lvl7pPr marL="2743200" indent="0">
+              <a:buNone/>
+              <a:defRPr sz="1600">
                 <a:solidFill>
                   <a:schemeClr val="tx1">
                     <a:tint val="75000"/>
@@ -1736,9 +1821,9 @@
                 </a:solidFill>
               </a:defRPr>
             </a:lvl7pPr>
-            <a:lvl8pPr marL="2400300" indent="0">
-              <a:buNone/>
-              <a:defRPr sz="1200">
+            <a:lvl8pPr marL="3200400" indent="0">
+              <a:buNone/>
+              <a:defRPr sz="1600">
                 <a:solidFill>
                   <a:schemeClr val="tx1">
                     <a:tint val="75000"/>
@@ -1746,9 +1831,9 @@
                 </a:solidFill>
               </a:defRPr>
             </a:lvl8pPr>
-            <a:lvl9pPr marL="2743200" indent="0">
-              <a:buNone/>
-              <a:defRPr sz="1200">
+            <a:lvl9pPr marL="3657600" indent="0">
+              <a:buNone/>
+              <a:defRPr sz="1600">
                 <a:solidFill>
                   <a:schemeClr val="tx1">
                     <a:tint val="75000"/>
@@ -1760,10 +1845,9 @@
           <a:p>
             <a:pPr lvl="0"/>
             <a:r>
-              <a:rPr lang="en-US" smtClean="0"/>
+              <a:rPr lang="en-US"/>
               <a:t>Click to edit Master text styles</a:t>
             </a:r>
-            <a:endParaRPr lang="en-US" smtClean="0"/>
           </a:p>
         </p:txBody>
       </p:sp>
@@ -1784,6 +1868,7 @@
           <a:p>
             <a:fld id="{760FBDFE-C587-4B4C-A407-44438C67B59E}" type="datetimeFigureOut">
               <a:rPr lang="zh-CN" altLang="en-US" smtClean="0"/>
+              <a:t>2024/4/17</a:t>
             </a:fld>
             <a:endParaRPr lang="zh-CN" altLang="en-US"/>
           </a:p>
@@ -1825,12 +1910,18 @@
           <a:p>
             <a:fld id="{49AE70B2-8BF9-45C0-BB95-33D1B9D3A854}" type="slidenum">
               <a:rPr lang="zh-CN" altLang="en-US" smtClean="0"/>
+              <a:t>‹#›</a:t>
             </a:fld>
             <a:endParaRPr lang="zh-CN" altLang="en-US"/>
           </a:p>
         </p:txBody>
       </p:sp>
     </p:spTree>
+    <p:extLst>
+      <p:ext uri="{BB962C8B-B14F-4D97-AF65-F5344CB8AC3E}">
+        <p14:creationId xmlns:p14="http://schemas.microsoft.com/office/powerpoint/2010/main" val="39194861"/>
+      </p:ext>
+    </p:extLst>
   </p:cSld>
   <p:clrMapOvr>
     <a:masterClrMapping/>
@@ -1872,10 +1963,10 @@
           <a:lstStyle/>
           <a:p>
             <a:r>
-              <a:rPr lang="en-US" smtClean="0"/>
+              <a:rPr lang="en-US"/>
               <a:t>Click to edit Master title style</a:t>
             </a:r>
-            <a:endParaRPr lang="en-US"/>
+            <a:endParaRPr lang="en-US" dirty="0"/>
           </a:p>
         </p:txBody>
       </p:sp>
@@ -1891,8 +1982,8 @@
         </p:nvSpPr>
         <p:spPr>
           <a:xfrm>
-            <a:off x="609600" y="1600200"/>
-            <a:ext cx="5376672" cy="4525963"/>
+            <a:off x="838200" y="1825625"/>
+            <a:ext cx="5181600" cy="4351338"/>
           </a:xfrm>
         </p:spPr>
         <p:txBody>
@@ -1901,42 +1992,38 @@
           <a:p>
             <a:pPr lvl="0"/>
             <a:r>
-              <a:rPr lang="en-US" smtClean="0"/>
+              <a:rPr lang="en-US"/>
               <a:t>Click to edit Master text styles</a:t>
             </a:r>
-            <a:endParaRPr lang="en-US" smtClean="0"/>
           </a:p>
           <a:p>
             <a:pPr lvl="1"/>
             <a:r>
-              <a:rPr lang="en-US" smtClean="0"/>
+              <a:rPr lang="en-US"/>
               <a:t>Second level</a:t>
             </a:r>
-            <a:endParaRPr lang="en-US" smtClean="0"/>
           </a:p>
           <a:p>
             <a:pPr lvl="2"/>
             <a:r>
-              <a:rPr lang="en-US" smtClean="0"/>
+              <a:rPr lang="en-US"/>
               <a:t>Third level</a:t>
             </a:r>
-            <a:endParaRPr lang="en-US" smtClean="0"/>
           </a:p>
           <a:p>
             <a:pPr lvl="3"/>
             <a:r>
-              <a:rPr lang="en-US" smtClean="0"/>
+              <a:rPr lang="en-US"/>
               <a:t>Fourth level</a:t>
             </a:r>
-            <a:endParaRPr lang="en-US" smtClean="0"/>
           </a:p>
           <a:p>
             <a:pPr lvl="4"/>
             <a:r>
-              <a:rPr lang="en-US" smtClean="0"/>
+              <a:rPr lang="en-US"/>
               <a:t>Fifth level</a:t>
             </a:r>
-            <a:endParaRPr lang="en-US"/>
+            <a:endParaRPr lang="en-US" dirty="0"/>
           </a:p>
         </p:txBody>
       </p:sp>
@@ -1952,8 +2039,8 @@
         </p:nvSpPr>
         <p:spPr>
           <a:xfrm>
-            <a:off x="6205728" y="1600200"/>
-            <a:ext cx="5376672" cy="4525963"/>
+            <a:off x="6172200" y="1825625"/>
+            <a:ext cx="5181600" cy="4351338"/>
           </a:xfrm>
         </p:spPr>
         <p:txBody>
@@ -1962,42 +2049,38 @@
           <a:p>
             <a:pPr lvl="0"/>
             <a:r>
-              <a:rPr lang="en-US" smtClean="0"/>
+              <a:rPr lang="en-US"/>
               <a:t>Click to edit Master text styles</a:t>
             </a:r>
-            <a:endParaRPr lang="en-US" smtClean="0"/>
           </a:p>
           <a:p>
             <a:pPr lvl="1"/>
             <a:r>
-              <a:rPr lang="en-US" smtClean="0"/>
+              <a:rPr lang="en-US"/>
               <a:t>Second level</a:t>
             </a:r>
-            <a:endParaRPr lang="en-US" smtClean="0"/>
           </a:p>
           <a:p>
             <a:pPr lvl="2"/>
             <a:r>
-              <a:rPr lang="en-US" smtClean="0"/>
+              <a:rPr lang="en-US"/>
               <a:t>Third level</a:t>
             </a:r>
-            <a:endParaRPr lang="en-US" smtClean="0"/>
           </a:p>
           <a:p>
             <a:pPr lvl="3"/>
             <a:r>
-              <a:rPr lang="en-US" smtClean="0"/>
+              <a:rPr lang="en-US"/>
               <a:t>Fourth level</a:t>
             </a:r>
-            <a:endParaRPr lang="en-US" smtClean="0"/>
           </a:p>
           <a:p>
             <a:pPr lvl="4"/>
             <a:r>
-              <a:rPr lang="en-US" smtClean="0"/>
+              <a:rPr lang="en-US"/>
               <a:t>Fifth level</a:t>
             </a:r>
-            <a:endParaRPr lang="en-US"/>
+            <a:endParaRPr lang="en-US" dirty="0"/>
           </a:p>
         </p:txBody>
       </p:sp>
@@ -2018,6 +2101,7 @@
           <a:p>
             <a:fld id="{760FBDFE-C587-4B4C-A407-44438C67B59E}" type="datetimeFigureOut">
               <a:rPr lang="zh-CN" altLang="en-US" smtClean="0"/>
+              <a:t>2024/4/17</a:t>
             </a:fld>
             <a:endParaRPr lang="zh-CN" altLang="en-US"/>
           </a:p>
@@ -2059,12 +2143,18 @@
           <a:p>
             <a:fld id="{49AE70B2-8BF9-45C0-BB95-33D1B9D3A854}" type="slidenum">
               <a:rPr lang="zh-CN" altLang="en-US" smtClean="0"/>
+              <a:t>‹#›</a:t>
             </a:fld>
             <a:endParaRPr lang="zh-CN" altLang="en-US"/>
           </a:p>
         </p:txBody>
       </p:sp>
     </p:spTree>
+    <p:extLst>
+      <p:ext uri="{BB962C8B-B14F-4D97-AF65-F5344CB8AC3E}">
+        <p14:creationId xmlns:p14="http://schemas.microsoft.com/office/powerpoint/2010/main" val="2078840799"/>
+      </p:ext>
+    </p:extLst>
   </p:cSld>
   <p:clrMapOvr>
     <a:masterClrMapping/>
@@ -2111,10 +2201,10 @@
           <a:lstStyle/>
           <a:p>
             <a:r>
-              <a:rPr lang="en-US" smtClean="0"/>
+              <a:rPr lang="en-US"/>
               <a:t>Click to edit Master title style</a:t>
             </a:r>
-            <a:endParaRPr lang="en-US"/>
+            <a:endParaRPr lang="en-US" dirty="0"/>
           </a:p>
         </p:txBody>
       </p:sp>
@@ -2139,48 +2229,47 @@
           <a:lstStyle>
             <a:lvl1pPr marL="0" indent="0">
               <a:buNone/>
+              <a:defRPr sz="2400" b="1"/>
+            </a:lvl1pPr>
+            <a:lvl2pPr marL="457200" indent="0">
+              <a:buNone/>
+              <a:defRPr sz="2000" b="1"/>
+            </a:lvl2pPr>
+            <a:lvl3pPr marL="914400" indent="0">
+              <a:buNone/>
               <a:defRPr sz="1800" b="1"/>
-            </a:lvl1pPr>
-            <a:lvl2pPr marL="342900" indent="0">
-              <a:buNone/>
-              <a:defRPr sz="1500" b="1"/>
-            </a:lvl2pPr>
-            <a:lvl3pPr marL="685800" indent="0">
-              <a:buNone/>
-              <a:defRPr sz="1350" b="1"/>
             </a:lvl3pPr>
-            <a:lvl4pPr marL="1028700" indent="0">
-              <a:buNone/>
-              <a:defRPr sz="1200" b="1"/>
+            <a:lvl4pPr marL="1371600" indent="0">
+              <a:buNone/>
+              <a:defRPr sz="1600" b="1"/>
             </a:lvl4pPr>
-            <a:lvl5pPr marL="1371600" indent="0">
-              <a:buNone/>
-              <a:defRPr sz="1200" b="1"/>
+            <a:lvl5pPr marL="1828800" indent="0">
+              <a:buNone/>
+              <a:defRPr sz="1600" b="1"/>
             </a:lvl5pPr>
-            <a:lvl6pPr marL="1714500" indent="0">
-              <a:buNone/>
-              <a:defRPr sz="1200" b="1"/>
+            <a:lvl6pPr marL="2286000" indent="0">
+              <a:buNone/>
+              <a:defRPr sz="1600" b="1"/>
             </a:lvl6pPr>
-            <a:lvl7pPr marL="2057400" indent="0">
-              <a:buNone/>
-              <a:defRPr sz="1200" b="1"/>
+            <a:lvl7pPr marL="2743200" indent="0">
+              <a:buNone/>
+              <a:defRPr sz="1600" b="1"/>
             </a:lvl7pPr>
-            <a:lvl8pPr marL="2400300" indent="0">
-              <a:buNone/>
-              <a:defRPr sz="1200" b="1"/>
+            <a:lvl8pPr marL="3200400" indent="0">
+              <a:buNone/>
+              <a:defRPr sz="1600" b="1"/>
             </a:lvl8pPr>
-            <a:lvl9pPr marL="2743200" indent="0">
-              <a:buNone/>
-              <a:defRPr sz="1200" b="1"/>
+            <a:lvl9pPr marL="3657600" indent="0">
+              <a:buNone/>
+              <a:defRPr sz="1600" b="1"/>
             </a:lvl9pPr>
           </a:lstStyle>
           <a:p>
             <a:pPr lvl="0"/>
             <a:r>
-              <a:rPr lang="en-US" smtClean="0"/>
+              <a:rPr lang="en-US"/>
               <a:t>Click to edit Master text styles</a:t>
             </a:r>
-            <a:endParaRPr lang="en-US" smtClean="0"/>
           </a:p>
         </p:txBody>
       </p:sp>
@@ -2206,42 +2295,38 @@
           <a:p>
             <a:pPr lvl="0"/>
             <a:r>
-              <a:rPr lang="en-US" smtClean="0"/>
+              <a:rPr lang="en-US"/>
               <a:t>Click to edit Master text styles</a:t>
             </a:r>
-            <a:endParaRPr lang="en-US" smtClean="0"/>
           </a:p>
           <a:p>
             <a:pPr lvl="1"/>
             <a:r>
-              <a:rPr lang="en-US" smtClean="0"/>
+              <a:rPr lang="en-US"/>
               <a:t>Second level</a:t>
             </a:r>
-            <a:endParaRPr lang="en-US" smtClean="0"/>
           </a:p>
           <a:p>
             <a:pPr lvl="2"/>
             <a:r>
-              <a:rPr lang="en-US" smtClean="0"/>
+              <a:rPr lang="en-US"/>
               <a:t>Third level</a:t>
             </a:r>
-            <a:endParaRPr lang="en-US" smtClean="0"/>
           </a:p>
           <a:p>
             <a:pPr lvl="3"/>
             <a:r>
-              <a:rPr lang="en-US" smtClean="0"/>
+              <a:rPr lang="en-US"/>
               <a:t>Fourth level</a:t>
             </a:r>
-            <a:endParaRPr lang="en-US" smtClean="0"/>
           </a:p>
           <a:p>
             <a:pPr lvl="4"/>
             <a:r>
-              <a:rPr lang="en-US" smtClean="0"/>
+              <a:rPr lang="en-US"/>
               <a:t>Fifth level</a:t>
             </a:r>
-            <a:endParaRPr lang="en-US"/>
+            <a:endParaRPr lang="en-US" dirty="0"/>
           </a:p>
         </p:txBody>
       </p:sp>
@@ -2266,48 +2351,47 @@
           <a:lstStyle>
             <a:lvl1pPr marL="0" indent="0">
               <a:buNone/>
+              <a:defRPr sz="2400" b="1"/>
+            </a:lvl1pPr>
+            <a:lvl2pPr marL="457200" indent="0">
+              <a:buNone/>
+              <a:defRPr sz="2000" b="1"/>
+            </a:lvl2pPr>
+            <a:lvl3pPr marL="914400" indent="0">
+              <a:buNone/>
               <a:defRPr sz="1800" b="1"/>
-            </a:lvl1pPr>
-            <a:lvl2pPr marL="342900" indent="0">
-              <a:buNone/>
-              <a:defRPr sz="1500" b="1"/>
-            </a:lvl2pPr>
-            <a:lvl3pPr marL="685800" indent="0">
-              <a:buNone/>
-              <a:defRPr sz="1350" b="1"/>
             </a:lvl3pPr>
-            <a:lvl4pPr marL="1028700" indent="0">
-              <a:buNone/>
-              <a:defRPr sz="1200" b="1"/>
+            <a:lvl4pPr marL="1371600" indent="0">
+              <a:buNone/>
+              <a:defRPr sz="1600" b="1"/>
             </a:lvl4pPr>
-            <a:lvl5pPr marL="1371600" indent="0">
-              <a:buNone/>
-              <a:defRPr sz="1200" b="1"/>
+            <a:lvl5pPr marL="1828800" indent="0">
+              <a:buNone/>
+              <a:defRPr sz="1600" b="1"/>
             </a:lvl5pPr>
-            <a:lvl6pPr marL="1714500" indent="0">
-              <a:buNone/>
-              <a:defRPr sz="1200" b="1"/>
+            <a:lvl6pPr marL="2286000" indent="0">
+              <a:buNone/>
+              <a:defRPr sz="1600" b="1"/>
             </a:lvl6pPr>
-            <a:lvl7pPr marL="2057400" indent="0">
-              <a:buNone/>
-              <a:defRPr sz="1200" b="1"/>
+            <a:lvl7pPr marL="2743200" indent="0">
+              <a:buNone/>
+              <a:defRPr sz="1600" b="1"/>
             </a:lvl7pPr>
-            <a:lvl8pPr marL="2400300" indent="0">
-              <a:buNone/>
-              <a:defRPr sz="1200" b="1"/>
+            <a:lvl8pPr marL="3200400" indent="0">
+              <a:buNone/>
+              <a:defRPr sz="1600" b="1"/>
             </a:lvl8pPr>
-            <a:lvl9pPr marL="2743200" indent="0">
-              <a:buNone/>
-              <a:defRPr sz="1200" b="1"/>
+            <a:lvl9pPr marL="3657600" indent="0">
+              <a:buNone/>
+              <a:defRPr sz="1600" b="1"/>
             </a:lvl9pPr>
           </a:lstStyle>
           <a:p>
             <a:pPr lvl="0"/>
             <a:r>
-              <a:rPr lang="en-US" smtClean="0"/>
+              <a:rPr lang="en-US"/>
               <a:t>Click to edit Master text styles</a:t>
             </a:r>
-            <a:endParaRPr lang="en-US" smtClean="0"/>
           </a:p>
         </p:txBody>
       </p:sp>
@@ -2333,42 +2417,38 @@
           <a:p>
             <a:pPr lvl="0"/>
             <a:r>
-              <a:rPr lang="en-US" smtClean="0"/>
+              <a:rPr lang="en-US"/>
               <a:t>Click to edit Master text styles</a:t>
             </a:r>
-            <a:endParaRPr lang="en-US" smtClean="0"/>
           </a:p>
           <a:p>
             <a:pPr lvl="1"/>
             <a:r>
-              <a:rPr lang="en-US" smtClean="0"/>
+              <a:rPr lang="en-US"/>
               <a:t>Second level</a:t>
             </a:r>
-            <a:endParaRPr lang="en-US" smtClean="0"/>
           </a:p>
           <a:p>
             <a:pPr lvl="2"/>
             <a:r>
-              <a:rPr lang="en-US" smtClean="0"/>
+              <a:rPr lang="en-US"/>
               <a:t>Third level</a:t>
             </a:r>
-            <a:endParaRPr lang="en-US" smtClean="0"/>
           </a:p>
           <a:p>
             <a:pPr lvl="3"/>
             <a:r>
-              <a:rPr lang="en-US" smtClean="0"/>
+              <a:rPr lang="en-US"/>
               <a:t>Fourth level</a:t>
             </a:r>
-            <a:endParaRPr lang="en-US" smtClean="0"/>
           </a:p>
           <a:p>
             <a:pPr lvl="4"/>
             <a:r>
-              <a:rPr lang="en-US" smtClean="0"/>
+              <a:rPr lang="en-US"/>
               <a:t>Fifth level</a:t>
             </a:r>
-            <a:endParaRPr lang="en-US"/>
+            <a:endParaRPr lang="en-US" dirty="0"/>
           </a:p>
         </p:txBody>
       </p:sp>
@@ -2389,6 +2469,7 @@
           <a:p>
             <a:fld id="{760FBDFE-C587-4B4C-A407-44438C67B59E}" type="datetimeFigureOut">
               <a:rPr lang="zh-CN" altLang="en-US" smtClean="0"/>
+              <a:t>2024/4/17</a:t>
             </a:fld>
             <a:endParaRPr lang="zh-CN" altLang="en-US"/>
           </a:p>
@@ -2430,12 +2511,18 @@
           <a:p>
             <a:fld id="{49AE70B2-8BF9-45C0-BB95-33D1B9D3A854}" type="slidenum">
               <a:rPr lang="zh-CN" altLang="en-US" smtClean="0"/>
+              <a:t>‹#›</a:t>
             </a:fld>
             <a:endParaRPr lang="zh-CN" altLang="en-US"/>
           </a:p>
         </p:txBody>
       </p:sp>
     </p:spTree>
+    <p:extLst>
+      <p:ext uri="{BB962C8B-B14F-4D97-AF65-F5344CB8AC3E}">
+        <p14:creationId xmlns:p14="http://schemas.microsoft.com/office/powerpoint/2010/main" val="2959005642"/>
+      </p:ext>
+    </p:extLst>
   </p:cSld>
   <p:clrMapOvr>
     <a:masterClrMapping/>
@@ -2477,10 +2564,10 @@
           <a:lstStyle/>
           <a:p>
             <a:r>
-              <a:rPr lang="en-US" smtClean="0"/>
+              <a:rPr lang="en-US"/>
               <a:t>Click to edit Master title style</a:t>
             </a:r>
-            <a:endParaRPr lang="en-US"/>
+            <a:endParaRPr lang="en-US" dirty="0"/>
           </a:p>
         </p:txBody>
       </p:sp>
@@ -2501,6 +2588,7 @@
           <a:p>
             <a:fld id="{760FBDFE-C587-4B4C-A407-44438C67B59E}" type="datetimeFigureOut">
               <a:rPr lang="zh-CN" altLang="en-US" smtClean="0"/>
+              <a:t>2024/4/17</a:t>
             </a:fld>
             <a:endParaRPr lang="zh-CN" altLang="en-US"/>
           </a:p>
@@ -2542,12 +2630,18 @@
           <a:p>
             <a:fld id="{49AE70B2-8BF9-45C0-BB95-33D1B9D3A854}" type="slidenum">
               <a:rPr lang="zh-CN" altLang="en-US" smtClean="0"/>
+              <a:t>‹#›</a:t>
             </a:fld>
             <a:endParaRPr lang="zh-CN" altLang="en-US"/>
           </a:p>
         </p:txBody>
       </p:sp>
     </p:spTree>
+    <p:extLst>
+      <p:ext uri="{BB962C8B-B14F-4D97-AF65-F5344CB8AC3E}">
+        <p14:creationId xmlns:p14="http://schemas.microsoft.com/office/powerpoint/2010/main" val="2380056240"/>
+      </p:ext>
+    </p:extLst>
   </p:cSld>
   <p:clrMapOvr>
     <a:masterClrMapping/>
@@ -2590,6 +2684,7 @@
           <a:p>
             <a:fld id="{760FBDFE-C587-4B4C-A407-44438C67B59E}" type="datetimeFigureOut">
               <a:rPr lang="zh-CN" altLang="en-US" smtClean="0"/>
+              <a:t>2024/4/17</a:t>
             </a:fld>
             <a:endParaRPr lang="zh-CN" altLang="en-US"/>
           </a:p>
@@ -2631,12 +2726,18 @@
           <a:p>
             <a:fld id="{49AE70B2-8BF9-45C0-BB95-33D1B9D3A854}" type="slidenum">
               <a:rPr lang="zh-CN" altLang="en-US" smtClean="0"/>
+              <a:t>‹#›</a:t>
             </a:fld>
             <a:endParaRPr lang="zh-CN" altLang="en-US"/>
           </a:p>
         </p:txBody>
       </p:sp>
     </p:spTree>
+    <p:extLst>
+      <p:ext uri="{BB962C8B-B14F-4D97-AF65-F5344CB8AC3E}">
+        <p14:creationId xmlns:p14="http://schemas.microsoft.com/office/powerpoint/2010/main" val="440420206"/>
+      </p:ext>
+    </p:extLst>
   </p:cSld>
   <p:clrMapOvr>
     <a:masterClrMapping/>
@@ -2682,15 +2783,15 @@
           <a:bodyPr anchor="b"/>
           <a:lstStyle>
             <a:lvl1pPr>
-              <a:defRPr sz="2400"/>
+              <a:defRPr sz="3200"/>
             </a:lvl1pPr>
           </a:lstStyle>
           <a:p>
             <a:r>
-              <a:rPr lang="en-US" smtClean="0"/>
+              <a:rPr lang="en-US"/>
               <a:t>Click to edit Master title style</a:t>
             </a:r>
-            <a:endParaRPr lang="en-US"/>
+            <a:endParaRPr lang="en-US" dirty="0"/>
           </a:p>
         </p:txBody>
       </p:sp>
@@ -2714,72 +2815,68 @@
           <a:bodyPr/>
           <a:lstStyle>
             <a:lvl1pPr>
-              <a:defRPr sz="2400"/>
+              <a:defRPr sz="3200"/>
             </a:lvl1pPr>
             <a:lvl2pPr>
-              <a:defRPr sz="2100"/>
+              <a:defRPr sz="2800"/>
             </a:lvl2pPr>
             <a:lvl3pPr>
-              <a:defRPr sz="1800"/>
+              <a:defRPr sz="2400"/>
             </a:lvl3pPr>
             <a:lvl4pPr>
-              <a:defRPr sz="1500"/>
+              <a:defRPr sz="2000"/>
             </a:lvl4pPr>
             <a:lvl5pPr>
-              <a:defRPr sz="1500"/>
+              <a:defRPr sz="2000"/>
             </a:lvl5pPr>
             <a:lvl6pPr>
-              <a:defRPr sz="1500"/>
+              <a:defRPr sz="2000"/>
             </a:lvl6pPr>
             <a:lvl7pPr>
-              <a:defRPr sz="1500"/>
+              <a:defRPr sz="2000"/>
             </a:lvl7pPr>
             <a:lvl8pPr>
-              <a:defRPr sz="1500"/>
+              <a:defRPr sz="2000"/>
             </a:lvl8pPr>
             <a:lvl9pPr>
-              <a:defRPr sz="1500"/>
+              <a:defRPr sz="2000"/>
             </a:lvl9pPr>
           </a:lstStyle>
           <a:p>
             <a:pPr lvl="0"/>
             <a:r>
-              <a:rPr lang="en-US" smtClean="0"/>
+              <a:rPr lang="en-US"/>
               <a:t>Click to edit Master text styles</a:t>
             </a:r>
-            <a:endParaRPr lang="en-US" smtClean="0"/>
           </a:p>
           <a:p>
             <a:pPr lvl="1"/>
             <a:r>
-              <a:rPr lang="en-US" smtClean="0"/>
+              <a:rPr lang="en-US"/>
               <a:t>Second level</a:t>
             </a:r>
-            <a:endParaRPr lang="en-US" smtClean="0"/>
           </a:p>
           <a:p>
             <a:pPr lvl="2"/>
             <a:r>
-              <a:rPr lang="en-US" smtClean="0"/>
+              <a:rPr lang="en-US"/>
               <a:t>Third level</a:t>
             </a:r>
-            <a:endParaRPr lang="en-US" smtClean="0"/>
           </a:p>
           <a:p>
             <a:pPr lvl="3"/>
             <a:r>
-              <a:rPr lang="en-US" smtClean="0"/>
+              <a:rPr lang="en-US"/>
               <a:t>Fourth level</a:t>
             </a:r>
-            <a:endParaRPr lang="en-US" smtClean="0"/>
           </a:p>
           <a:p>
             <a:pPr lvl="4"/>
             <a:r>
-              <a:rPr lang="en-US" smtClean="0"/>
+              <a:rPr lang="en-US"/>
               <a:t>Fifth level</a:t>
             </a:r>
-            <a:endParaRPr lang="en-US"/>
+            <a:endParaRPr lang="en-US" dirty="0"/>
           </a:p>
         </p:txBody>
       </p:sp>
@@ -2804,48 +2901,47 @@
           <a:lstStyle>
             <a:lvl1pPr marL="0" indent="0">
               <a:buNone/>
+              <a:defRPr sz="1600"/>
+            </a:lvl1pPr>
+            <a:lvl2pPr marL="457200" indent="0">
+              <a:buNone/>
+              <a:defRPr sz="1400"/>
+            </a:lvl2pPr>
+            <a:lvl3pPr marL="914400" indent="0">
+              <a:buNone/>
               <a:defRPr sz="1200"/>
-            </a:lvl1pPr>
-            <a:lvl2pPr marL="342900" indent="0">
-              <a:buNone/>
-              <a:defRPr sz="1050"/>
-            </a:lvl2pPr>
-            <a:lvl3pPr marL="685800" indent="0">
-              <a:buNone/>
-              <a:defRPr sz="900"/>
             </a:lvl3pPr>
-            <a:lvl4pPr marL="1028700" indent="0">
-              <a:buNone/>
-              <a:defRPr sz="750"/>
+            <a:lvl4pPr marL="1371600" indent="0">
+              <a:buNone/>
+              <a:defRPr sz="1000"/>
             </a:lvl4pPr>
-            <a:lvl5pPr marL="1371600" indent="0">
-              <a:buNone/>
-              <a:defRPr sz="750"/>
+            <a:lvl5pPr marL="1828800" indent="0">
+              <a:buNone/>
+              <a:defRPr sz="1000"/>
             </a:lvl5pPr>
-            <a:lvl6pPr marL="1714500" indent="0">
-              <a:buNone/>
-              <a:defRPr sz="750"/>
+            <a:lvl6pPr marL="2286000" indent="0">
+              <a:buNone/>
+              <a:defRPr sz="1000"/>
             </a:lvl6pPr>
-            <a:lvl7pPr marL="2057400" indent="0">
-              <a:buNone/>
-              <a:defRPr sz="750"/>
+            <a:lvl7pPr marL="2743200" indent="0">
+              <a:buNone/>
+              <a:defRPr sz="1000"/>
             </a:lvl7pPr>
-            <a:lvl8pPr marL="2400300" indent="0">
-              <a:buNone/>
-              <a:defRPr sz="750"/>
+            <a:lvl8pPr marL="3200400" indent="0">
+              <a:buNone/>
+              <a:defRPr sz="1000"/>
             </a:lvl8pPr>
-            <a:lvl9pPr marL="2743200" indent="0">
-              <a:buNone/>
-              <a:defRPr sz="750"/>
+            <a:lvl9pPr marL="3657600" indent="0">
+              <a:buNone/>
+              <a:defRPr sz="1000"/>
             </a:lvl9pPr>
           </a:lstStyle>
           <a:p>
             <a:pPr lvl="0"/>
             <a:r>
-              <a:rPr lang="en-US" smtClean="0"/>
+              <a:rPr lang="en-US"/>
               <a:t>Click to edit Master text styles</a:t>
             </a:r>
-            <a:endParaRPr lang="en-US" smtClean="0"/>
           </a:p>
         </p:txBody>
       </p:sp>
@@ -2880,7 +2976,7 @@
               <a:buNone/>
               <a:defRPr/>
             </a:pPr>
-            <a:endParaRPr kumimoji="0" lang="en-US" altLang="zh-CN" sz="1400" b="0" i="0" u="none" strike="noStrike" kern="1200" cap="none" spc="0" normalizeH="0" baseline="0" noProof="0" smtClean="0">
+            <a:endParaRPr kumimoji="0" lang="en-US" altLang="zh-CN" sz="1400" b="0" i="0" u="none" strike="noStrike" kern="1200" cap="none" spc="0" normalizeH="0" baseline="0" noProof="0">
               <a:ln>
                 <a:noFill/>
               </a:ln>
@@ -2928,7 +3024,7 @@
               <a:buNone/>
               <a:defRPr/>
             </a:pPr>
-            <a:endParaRPr kumimoji="0" lang="en-US" altLang="zh-CN" sz="1400" b="0" i="0" u="none" strike="noStrike" kern="1200" cap="none" spc="0" normalizeH="0" baseline="0" noProof="0" smtClean="0">
+            <a:endParaRPr kumimoji="0" lang="en-US" altLang="zh-CN" sz="1400" b="0" i="0" u="none" strike="noStrike" kern="1200" cap="none" spc="0" normalizeH="0" baseline="0" noProof="0">
               <a:ln>
                 <a:noFill/>
               </a:ln>
@@ -2991,8 +3087,9 @@
                 <a:ea typeface="SimSun" pitchFamily="2" charset="-122"/>
                 <a:cs typeface="+mn-cs"/>
               </a:rPr>
+              <a:t>‹#›</a:t>
             </a:fld>
-            <a:endParaRPr kumimoji="0" lang="en-US" altLang="zh-CN" sz="1400" b="0" i="0" u="none" strike="noStrike" kern="1200" cap="none" spc="0" normalizeH="0" baseline="0" noProof="0" smtClean="0">
+            <a:endParaRPr kumimoji="0" lang="en-US" altLang="zh-CN" sz="1400" b="0" i="0" u="none" strike="noStrike" kern="1200" cap="none" spc="0" normalizeH="0" baseline="0" noProof="0">
               <a:ln>
                 <a:noFill/>
               </a:ln>
@@ -3010,6 +3107,11 @@
         </p:txBody>
       </p:sp>
     </p:spTree>
+    <p:extLst>
+      <p:ext uri="{BB962C8B-B14F-4D97-AF65-F5344CB8AC3E}">
+        <p14:creationId xmlns:p14="http://schemas.microsoft.com/office/powerpoint/2010/main" val="3818023842"/>
+      </p:ext>
+    </p:extLst>
   </p:cSld>
   <p:clrMapOvr>
     <a:masterClrMapping/>
@@ -3055,15 +3157,15 @@
           <a:bodyPr anchor="b"/>
           <a:lstStyle>
             <a:lvl1pPr>
-              <a:defRPr sz="2400"/>
+              <a:defRPr sz="3200"/>
             </a:lvl1pPr>
           </a:lstStyle>
           <a:p>
             <a:r>
-              <a:rPr lang="en-US" smtClean="0"/>
+              <a:rPr lang="en-US"/>
               <a:t>Click to edit Master title style</a:t>
             </a:r>
-            <a:endParaRPr lang="en-US"/>
+            <a:endParaRPr lang="en-US" dirty="0"/>
           </a:p>
         </p:txBody>
       </p:sp>
@@ -3071,7 +3173,7 @@
         <p:nvSpPr>
           <p:cNvPr id="3" name="Picture Placeholder 2"/>
           <p:cNvSpPr>
-            <a:spLocks noGrp="1"/>
+            <a:spLocks noGrp="1" noChangeAspect="1"/>
           </p:cNvSpPr>
           <p:nvPr>
             <p:ph type="pic" idx="1"/>
@@ -3084,47 +3186,51 @@
           </a:xfrm>
         </p:spPr>
         <p:txBody>
-          <a:bodyPr/>
+          <a:bodyPr anchor="t"/>
           <a:lstStyle>
             <a:lvl1pPr marL="0" indent="0">
               <a:buNone/>
+              <a:defRPr sz="3200"/>
+            </a:lvl1pPr>
+            <a:lvl2pPr marL="457200" indent="0">
+              <a:buNone/>
+              <a:defRPr sz="2800"/>
+            </a:lvl2pPr>
+            <a:lvl3pPr marL="914400" indent="0">
+              <a:buNone/>
               <a:defRPr sz="2400"/>
-            </a:lvl1pPr>
-            <a:lvl2pPr marL="342900" indent="0">
-              <a:buNone/>
-              <a:defRPr sz="2100"/>
-            </a:lvl2pPr>
-            <a:lvl3pPr marL="685800" indent="0">
-              <a:buNone/>
-              <a:defRPr sz="1800"/>
             </a:lvl3pPr>
-            <a:lvl4pPr marL="1028700" indent="0">
-              <a:buNone/>
-              <a:defRPr sz="1500"/>
+            <a:lvl4pPr marL="1371600" indent="0">
+              <a:buNone/>
+              <a:defRPr sz="2000"/>
             </a:lvl4pPr>
-            <a:lvl5pPr marL="1371600" indent="0">
-              <a:buNone/>
-              <a:defRPr sz="1500"/>
+            <a:lvl5pPr marL="1828800" indent="0">
+              <a:buNone/>
+              <a:defRPr sz="2000"/>
             </a:lvl5pPr>
-            <a:lvl6pPr marL="1714500" indent="0">
-              <a:buNone/>
-              <a:defRPr sz="1500"/>
+            <a:lvl6pPr marL="2286000" indent="0">
+              <a:buNone/>
+              <a:defRPr sz="2000"/>
             </a:lvl6pPr>
-            <a:lvl7pPr marL="2057400" indent="0">
-              <a:buNone/>
-              <a:defRPr sz="1500"/>
+            <a:lvl7pPr marL="2743200" indent="0">
+              <a:buNone/>
+              <a:defRPr sz="2000"/>
             </a:lvl7pPr>
-            <a:lvl8pPr marL="2400300" indent="0">
-              <a:buNone/>
-              <a:defRPr sz="1500"/>
+            <a:lvl8pPr marL="3200400" indent="0">
+              <a:buNone/>
+              <a:defRPr sz="2000"/>
             </a:lvl8pPr>
-            <a:lvl9pPr marL="2743200" indent="0">
-              <a:buNone/>
-              <a:defRPr sz="1500"/>
+            <a:lvl9pPr marL="3657600" indent="0">
+              <a:buNone/>
+              <a:defRPr sz="2000"/>
             </a:lvl9pPr>
           </a:lstStyle>
           <a:p>
-            <a:endParaRPr lang="en-US"/>
+            <a:r>
+              <a:rPr lang="en-US"/>
+              <a:t>Click icon to add picture</a:t>
+            </a:r>
+            <a:endParaRPr lang="en-US" dirty="0"/>
           </a:p>
         </p:txBody>
       </p:sp>
@@ -3149,48 +3255,47 @@
           <a:lstStyle>
             <a:lvl1pPr marL="0" indent="0">
               <a:buNone/>
+              <a:defRPr sz="1600"/>
+            </a:lvl1pPr>
+            <a:lvl2pPr marL="457200" indent="0">
+              <a:buNone/>
+              <a:defRPr sz="1400"/>
+            </a:lvl2pPr>
+            <a:lvl3pPr marL="914400" indent="0">
+              <a:buNone/>
               <a:defRPr sz="1200"/>
-            </a:lvl1pPr>
-            <a:lvl2pPr marL="342900" indent="0">
-              <a:buNone/>
-              <a:defRPr sz="1050"/>
-            </a:lvl2pPr>
-            <a:lvl3pPr marL="685800" indent="0">
-              <a:buNone/>
-              <a:defRPr sz="900"/>
             </a:lvl3pPr>
-            <a:lvl4pPr marL="1028700" indent="0">
-              <a:buNone/>
-              <a:defRPr sz="750"/>
+            <a:lvl4pPr marL="1371600" indent="0">
+              <a:buNone/>
+              <a:defRPr sz="1000"/>
             </a:lvl4pPr>
-            <a:lvl5pPr marL="1371600" indent="0">
-              <a:buNone/>
-              <a:defRPr sz="750"/>
+            <a:lvl5pPr marL="1828800" indent="0">
+              <a:buNone/>
+              <a:defRPr sz="1000"/>
             </a:lvl5pPr>
-            <a:lvl6pPr marL="1714500" indent="0">
-              <a:buNone/>
-              <a:defRPr sz="750"/>
+            <a:lvl6pPr marL="2286000" indent="0">
+              <a:buNone/>
+              <a:defRPr sz="1000"/>
             </a:lvl6pPr>
-            <a:lvl7pPr marL="2057400" indent="0">
-              <a:buNone/>
-              <a:defRPr sz="750"/>
+            <a:lvl7pPr marL="2743200" indent="0">
+              <a:buNone/>
+              <a:defRPr sz="1000"/>
             </a:lvl7pPr>
-            <a:lvl8pPr marL="2400300" indent="0">
-              <a:buNone/>
-              <a:defRPr sz="750"/>
+            <a:lvl8pPr marL="3200400" indent="0">
+              <a:buNone/>
+              <a:defRPr sz="1000"/>
             </a:lvl8pPr>
-            <a:lvl9pPr marL="2743200" indent="0">
-              <a:buNone/>
-              <a:defRPr sz="750"/>
+            <a:lvl9pPr marL="3657600" indent="0">
+              <a:buNone/>
+              <a:defRPr sz="1000"/>
             </a:lvl9pPr>
           </a:lstStyle>
           <a:p>
             <a:pPr lvl="0"/>
             <a:r>
-              <a:rPr lang="en-US" smtClean="0"/>
+              <a:rPr lang="en-US"/>
               <a:t>Click to edit Master text styles</a:t>
             </a:r>
-            <a:endParaRPr lang="en-US" smtClean="0"/>
           </a:p>
         </p:txBody>
       </p:sp>
@@ -3211,6 +3316,7 @@
           <a:p>
             <a:fld id="{9EFD9D74-47D9-4702-A33C-335B63B48DBF}" type="datetimeFigureOut">
               <a:rPr lang="zh-CN" altLang="en-US" smtClean="0"/>
+              <a:t>2024/4/17</a:t>
             </a:fld>
             <a:endParaRPr lang="zh-CN" altLang="en-US" dirty="0"/>
           </a:p>
@@ -3252,6 +3358,7 @@
           <a:p>
             <a:fld id="{FABC47A4-756D-490B-A52F-7D9E2C9FC05F}" type="slidenum">
               <a:rPr lang="zh-CN" altLang="en-US" smtClean="0"/>
+              <a:t>‹#›</a:t>
             </a:fld>
             <a:endParaRPr lang="zh-CN" altLang="en-US"/>
           </a:p>
@@ -3259,7 +3366,13 @@
       </p:sp>
       <p:cxnSp>
         <p:nvCxnSpPr>
-          <p:cNvPr id="8" name="直接连接符 7" hidden="1"/>
+          <p:cNvPr id="8" name="直接连接符 7" hidden="1">
+            <a:extLst>
+              <a:ext uri="{FF2B5EF4-FFF2-40B4-BE49-F238E27FC236}">
+                <a16:creationId xmlns:a16="http://schemas.microsoft.com/office/drawing/2014/main" id="{E4E3F548-5BC2-7C43-8543-A2592E92270A}"/>
+              </a:ext>
+            </a:extLst>
+          </p:cNvPr>
           <p:cNvCxnSpPr/>
           <p:nvPr userDrawn="1"/>
         </p:nvCxnSpPr>
@@ -3288,17 +3401,15 @@
         </p:style>
       </p:cxnSp>
     </p:spTree>
+    <p:extLst>
+      <p:ext uri="{BB962C8B-B14F-4D97-AF65-F5344CB8AC3E}">
+        <p14:creationId xmlns:p14="http://schemas.microsoft.com/office/powerpoint/2010/main" val="3472753507"/>
+      </p:ext>
+    </p:extLst>
   </p:cSld>
   <p:clrMapOvr>
     <a:masterClrMapping/>
   </p:clrMapOvr>
-  <p:timing>
-    <p:tnLst>
-      <p:par>
-        <p:cTn id="1" dur="indefinite" restart="never" nodeType="tmRoot"/>
-      </p:par>
-    </p:tnLst>
-  </p:timing>
   <p:hf sldNum="0" hdr="0" ftr="0" dt="0"/>
 </p:sldLayout>
 </file>
@@ -3307,633 +3418,10 @@
 <p:sldMaster xmlns:a="http://schemas.openxmlformats.org/drawingml/2006/main" xmlns:r="http://schemas.openxmlformats.org/officeDocument/2006/relationships" xmlns:p="http://schemas.openxmlformats.org/presentationml/2006/main">
   <p:cSld>
     <p:bg>
-      <p:bgPr>
-        <a:solidFill>
-          <a:schemeClr val="bg1">
-            <a:alpha val="100000"/>
-          </a:schemeClr>
-        </a:solidFill>
-        <a:effectLst/>
-      </p:bgPr>
+      <p:bgRef idx="1001">
+        <a:schemeClr val="bg1"/>
+      </p:bgRef>
     </p:bg>
-    <p:spTree>
-      <p:nvGrpSpPr>
-        <p:cNvPr id="1" name=""/>
-        <p:cNvGrpSpPr/>
-        <p:nvPr/>
-      </p:nvGrpSpPr>
-      <p:grpSpPr/>
-      <p:sp>
-        <p:nvSpPr>
-          <p:cNvPr id="1026" name="Title 1025"/>
-          <p:cNvSpPr/>
-          <p:nvPr>
-            <p:ph type="title"/>
-          </p:nvPr>
-        </p:nvSpPr>
-        <p:spPr>
-          <a:xfrm>
-            <a:off x="609600" y="274638"/>
-            <a:ext cx="10972800" cy="1143000"/>
-          </a:xfrm>
-          <a:prstGeom prst="rect">
-            <a:avLst/>
-          </a:prstGeom>
-          <a:noFill/>
-          <a:ln w="9525">
-            <a:noFill/>
-          </a:ln>
-        </p:spPr>
-        <p:txBody>
-          <a:bodyPr anchor="ctr" anchorCtr="0"/>
-          <a:p>
-            <a:pPr lvl="0"/>
-            <a:r>
-              <a:t>Click to edit Master title style</a:t>
-            </a:r>
-          </a:p>
-        </p:txBody>
-      </p:sp>
-      <p:sp>
-        <p:nvSpPr>
-          <p:cNvPr id="1027" name="Text Placeholder 1026"/>
-          <p:cNvSpPr/>
-          <p:nvPr>
-            <p:ph type="body" idx="1"/>
-          </p:nvPr>
-        </p:nvSpPr>
-        <p:spPr>
-          <a:xfrm>
-            <a:off x="609600" y="1600200"/>
-            <a:ext cx="10972800" cy="4525963"/>
-          </a:xfrm>
-          <a:prstGeom prst="rect">
-            <a:avLst/>
-          </a:prstGeom>
-          <a:noFill/>
-          <a:ln w="9525">
-            <a:noFill/>
-          </a:ln>
-        </p:spPr>
-        <p:txBody>
-          <a:bodyPr/>
-          <a:p>
-            <a:pPr lvl="0"/>
-            <a:r>
-              <a:t>Click to edit Master text styles</a:t>
-            </a:r>
-          </a:p>
-          <a:p>
-            <a:pPr lvl="1"/>
-            <a:r>
-              <a:t>Second level</a:t>
-            </a:r>
-          </a:p>
-          <a:p>
-            <a:pPr lvl="2"/>
-            <a:r>
-              <a:t>Third level</a:t>
-            </a:r>
-          </a:p>
-          <a:p>
-            <a:pPr lvl="3"/>
-            <a:r>
-              <a:t>Fourth level</a:t>
-            </a:r>
-          </a:p>
-          <a:p>
-            <a:pPr lvl="4"/>
-            <a:r>
-              <a:t>Fifth level</a:t>
-            </a:r>
-          </a:p>
-        </p:txBody>
-      </p:sp>
-      <p:sp>
-        <p:nvSpPr>
-          <p:cNvPr id="1028" name="Date Placeholder 1027"/>
-          <p:cNvSpPr/>
-          <p:nvPr>
-            <p:ph type="dt" sz="half" idx="2"/>
-          </p:nvPr>
-        </p:nvSpPr>
-        <p:spPr>
-          <a:xfrm>
-            <a:off x="609600" y="6245225"/>
-            <a:ext cx="2844800" cy="476250"/>
-          </a:xfrm>
-          <a:prstGeom prst="rect">
-            <a:avLst/>
-          </a:prstGeom>
-          <a:noFill/>
-          <a:ln w="9525">
-            <a:noFill/>
-          </a:ln>
-        </p:spPr>
-        <p:txBody>
-          <a:bodyPr/>
-          <a:lstStyle>
-            <a:lvl1pPr>
-              <a:defRPr sz="1400"/>
-            </a:lvl1pPr>
-          </a:lstStyle>
-          <a:p>
-            <a:fld id="{760FBDFE-C587-4B4C-A407-44438C67B59E}" type="datetimeFigureOut">
-              <a:rPr lang="zh-CN" altLang="en-US" smtClean="0"/>
-            </a:fld>
-            <a:endParaRPr lang="zh-CN" altLang="en-US"/>
-          </a:p>
-        </p:txBody>
-      </p:sp>
-      <p:sp>
-        <p:nvSpPr>
-          <p:cNvPr id="1029" name="Footer Placeholder 1028"/>
-          <p:cNvSpPr/>
-          <p:nvPr>
-            <p:ph type="ftr" sz="quarter" idx="3"/>
-          </p:nvPr>
-        </p:nvSpPr>
-        <p:spPr>
-          <a:xfrm>
-            <a:off x="4165600" y="6245225"/>
-            <a:ext cx="3860800" cy="476250"/>
-          </a:xfrm>
-          <a:prstGeom prst="rect">
-            <a:avLst/>
-          </a:prstGeom>
-          <a:noFill/>
-          <a:ln w="9525">
-            <a:noFill/>
-          </a:ln>
-        </p:spPr>
-        <p:txBody>
-          <a:bodyPr/>
-          <a:lstStyle>
-            <a:lvl1pPr algn="ctr">
-              <a:defRPr sz="1400"/>
-            </a:lvl1pPr>
-          </a:lstStyle>
-          <a:p>
-            <a:endParaRPr lang="zh-CN" altLang="en-US"/>
-          </a:p>
-        </p:txBody>
-      </p:sp>
-      <p:sp>
-        <p:nvSpPr>
-          <p:cNvPr id="1030" name="Slide Number Placeholder 1029"/>
-          <p:cNvSpPr/>
-          <p:nvPr>
-            <p:ph type="sldNum" sz="quarter" idx="4"/>
-          </p:nvPr>
-        </p:nvSpPr>
-        <p:spPr>
-          <a:xfrm>
-            <a:off x="8737600" y="6245225"/>
-            <a:ext cx="2844800" cy="476250"/>
-          </a:xfrm>
-          <a:prstGeom prst="rect">
-            <a:avLst/>
-          </a:prstGeom>
-          <a:noFill/>
-          <a:ln w="9525">
-            <a:noFill/>
-          </a:ln>
-        </p:spPr>
-        <p:txBody>
-          <a:bodyPr/>
-          <a:lstStyle>
-            <a:lvl1pPr algn="r">
-              <a:defRPr sz="1400"/>
-            </a:lvl1pPr>
-          </a:lstStyle>
-          <a:p>
-            <a:fld id="{49AE70B2-8BF9-45C0-BB95-33D1B9D3A854}" type="slidenum">
-              <a:rPr lang="zh-CN" altLang="en-US" smtClean="0"/>
-            </a:fld>
-            <a:endParaRPr lang="zh-CN" altLang="en-US"/>
-          </a:p>
-        </p:txBody>
-      </p:sp>
-    </p:spTree>
-  </p:cSld>
-  <p:clrMap bg1="lt1" tx1="dk1" bg2="lt2" tx2="dk2" accent1="accent1" accent2="accent2" accent3="accent3" accent4="accent4" accent5="accent5" accent6="accent6" hlink="hlink" folHlink="folHlink"/>
-  <p:sldLayoutIdLst>
-    <p:sldLayoutId id="2147483649" r:id="rId1"/>
-    <p:sldLayoutId id="2147483650" r:id="rId2"/>
-    <p:sldLayoutId id="2147483651" r:id="rId3"/>
-    <p:sldLayoutId id="2147483652" r:id="rId4"/>
-    <p:sldLayoutId id="2147483653" r:id="rId5"/>
-    <p:sldLayoutId id="2147483654" r:id="rId6"/>
-    <p:sldLayoutId id="2147483655" r:id="rId7"/>
-    <p:sldLayoutId id="2147483656" r:id="rId8"/>
-    <p:sldLayoutId id="2147483657" r:id="rId9"/>
-    <p:sldLayoutId id="2147483658" r:id="rId10"/>
-    <p:sldLayoutId id="2147483659" r:id="rId11"/>
-  </p:sldLayoutIdLst>
-  <p:hf sldNum="0" hdr="0" ftr="0" dt="0"/>
-  <p:txStyles>
-    <p:titleStyle>
-      <a:lvl1pPr marL="0" lvl="0" indent="0" algn="ctr" defTabSz="914400" eaLnBrk="1" fontAlgn="base" latinLnBrk="0" hangingPunct="1">
-        <a:lnSpc>
-          <a:spcPct val="100000"/>
-        </a:lnSpc>
-        <a:spcBef>
-          <a:spcPct val="0"/>
-        </a:spcBef>
-        <a:spcAft>
-          <a:spcPct val="0"/>
-        </a:spcAft>
-        <a:buNone/>
-        <a:defRPr sz="4400" b="0" i="0" u="none" kern="1200" baseline="0">
-          <a:solidFill>
-            <a:schemeClr val="tx2"/>
-          </a:solidFill>
-          <a:latin typeface="+mj-lt"/>
-          <a:ea typeface="+mj-ea"/>
-          <a:cs typeface="+mj-cs"/>
-        </a:defRPr>
-      </a:lvl1pPr>
-    </p:titleStyle>
-    <p:bodyStyle>
-      <a:lvl1pPr marL="342900" lvl="0" indent="-342900" algn="l" defTabSz="914400" eaLnBrk="1" fontAlgn="base" latinLnBrk="0" hangingPunct="1">
-        <a:lnSpc>
-          <a:spcPct val="100000"/>
-        </a:lnSpc>
-        <a:spcBef>
-          <a:spcPct val="20000"/>
-        </a:spcBef>
-        <a:spcAft>
-          <a:spcPct val="0"/>
-        </a:spcAft>
-        <a:buChar char="•"/>
-        <a:defRPr sz="2000" b="0" i="0" u="none" kern="1200" baseline="0">
-          <a:solidFill>
-            <a:schemeClr val="tx1"/>
-          </a:solidFill>
-          <a:latin typeface="+mn-lt"/>
-          <a:ea typeface="+mn-ea"/>
-          <a:cs typeface="+mn-cs"/>
-        </a:defRPr>
-      </a:lvl1pPr>
-      <a:lvl2pPr marL="742950" lvl="1" indent="-285750" algn="l" defTabSz="914400" eaLnBrk="1" fontAlgn="base" latinLnBrk="0" hangingPunct="1">
-        <a:lnSpc>
-          <a:spcPct val="100000"/>
-        </a:lnSpc>
-        <a:spcBef>
-          <a:spcPct val="20000"/>
-        </a:spcBef>
-        <a:spcAft>
-          <a:spcPct val="0"/>
-        </a:spcAft>
-        <a:buChar char="–"/>
-        <a:defRPr sz="1800" b="0" i="0" u="none" kern="1200" baseline="0">
-          <a:solidFill>
-            <a:schemeClr val="tx1"/>
-          </a:solidFill>
-          <a:latin typeface="+mn-lt"/>
-          <a:ea typeface="+mn-ea"/>
-          <a:cs typeface="+mn-cs"/>
-        </a:defRPr>
-      </a:lvl2pPr>
-      <a:lvl3pPr marL="1143000" lvl="2" indent="-228600" algn="l" defTabSz="914400" eaLnBrk="1" fontAlgn="base" latinLnBrk="0" hangingPunct="1">
-        <a:lnSpc>
-          <a:spcPct val="100000"/>
-        </a:lnSpc>
-        <a:spcBef>
-          <a:spcPct val="20000"/>
-        </a:spcBef>
-        <a:spcAft>
-          <a:spcPct val="0"/>
-        </a:spcAft>
-        <a:buChar char="•"/>
-        <a:defRPr sz="1800" b="0" i="0" u="none" kern="1200" baseline="0">
-          <a:solidFill>
-            <a:schemeClr val="tx1"/>
-          </a:solidFill>
-          <a:latin typeface="+mn-lt"/>
-          <a:ea typeface="+mn-ea"/>
-          <a:cs typeface="+mn-cs"/>
-        </a:defRPr>
-      </a:lvl3pPr>
-      <a:lvl4pPr marL="1600200" lvl="3" indent="-228600" algn="l" defTabSz="914400" eaLnBrk="1" fontAlgn="base" latinLnBrk="0" hangingPunct="1">
-        <a:lnSpc>
-          <a:spcPct val="100000"/>
-        </a:lnSpc>
-        <a:spcBef>
-          <a:spcPct val="20000"/>
-        </a:spcBef>
-        <a:spcAft>
-          <a:spcPct val="0"/>
-        </a:spcAft>
-        <a:buChar char="–"/>
-        <a:defRPr sz="1800" b="0" i="0" u="none" kern="1200" baseline="0">
-          <a:solidFill>
-            <a:schemeClr val="tx1"/>
-          </a:solidFill>
-          <a:latin typeface="+mn-lt"/>
-          <a:ea typeface="+mn-ea"/>
-          <a:cs typeface="+mn-cs"/>
-        </a:defRPr>
-      </a:lvl4pPr>
-      <a:lvl5pPr marL="2057400" lvl="4" indent="-228600" algn="l" defTabSz="914400" eaLnBrk="1" fontAlgn="base" latinLnBrk="0" hangingPunct="1">
-        <a:lnSpc>
-          <a:spcPct val="100000"/>
-        </a:lnSpc>
-        <a:spcBef>
-          <a:spcPct val="20000"/>
-        </a:spcBef>
-        <a:spcAft>
-          <a:spcPct val="0"/>
-        </a:spcAft>
-        <a:buChar char="»"/>
-        <a:defRPr sz="1800" b="0" i="0" u="none" kern="1200" baseline="0">
-          <a:solidFill>
-            <a:schemeClr val="tx1"/>
-          </a:solidFill>
-          <a:latin typeface="+mn-lt"/>
-          <a:ea typeface="+mn-ea"/>
-          <a:cs typeface="+mn-cs"/>
-        </a:defRPr>
-      </a:lvl5pPr>
-      <a:lvl6pPr marL="2514600" lvl="5" indent="-228600" algn="l" defTabSz="914400" eaLnBrk="1" fontAlgn="base" latinLnBrk="0" hangingPunct="1">
-        <a:lnSpc>
-          <a:spcPct val="100000"/>
-        </a:lnSpc>
-        <a:spcBef>
-          <a:spcPct val="20000"/>
-        </a:spcBef>
-        <a:spcAft>
-          <a:spcPct val="0"/>
-        </a:spcAft>
-        <a:buChar char="»"/>
-        <a:defRPr sz="2000" b="0" i="0" u="none" kern="1200" baseline="0">
-          <a:solidFill>
-            <a:schemeClr val="tx1"/>
-          </a:solidFill>
-          <a:latin typeface="+mn-lt"/>
-          <a:ea typeface="+mn-ea"/>
-          <a:cs typeface="+mn-cs"/>
-        </a:defRPr>
-      </a:lvl6pPr>
-      <a:lvl7pPr marL="2971800" lvl="6" indent="-228600" algn="l" defTabSz="914400" eaLnBrk="1" fontAlgn="base" latinLnBrk="0" hangingPunct="1">
-        <a:lnSpc>
-          <a:spcPct val="100000"/>
-        </a:lnSpc>
-        <a:spcBef>
-          <a:spcPct val="20000"/>
-        </a:spcBef>
-        <a:spcAft>
-          <a:spcPct val="0"/>
-        </a:spcAft>
-        <a:buChar char="»"/>
-        <a:defRPr sz="2000" b="0" i="0" u="none" kern="1200" baseline="0">
-          <a:solidFill>
-            <a:schemeClr val="tx1"/>
-          </a:solidFill>
-          <a:latin typeface="+mn-lt"/>
-          <a:ea typeface="+mn-ea"/>
-          <a:cs typeface="+mn-cs"/>
-        </a:defRPr>
-      </a:lvl7pPr>
-      <a:lvl8pPr marL="3429000" lvl="7" indent="-228600" algn="l" defTabSz="914400" eaLnBrk="1" fontAlgn="base" latinLnBrk="0" hangingPunct="1">
-        <a:lnSpc>
-          <a:spcPct val="100000"/>
-        </a:lnSpc>
-        <a:spcBef>
-          <a:spcPct val="20000"/>
-        </a:spcBef>
-        <a:spcAft>
-          <a:spcPct val="0"/>
-        </a:spcAft>
-        <a:buChar char="»"/>
-        <a:defRPr sz="2000" b="0" i="0" u="none" kern="1200" baseline="0">
-          <a:solidFill>
-            <a:schemeClr val="tx1"/>
-          </a:solidFill>
-          <a:latin typeface="+mn-lt"/>
-          <a:ea typeface="+mn-ea"/>
-          <a:cs typeface="+mn-cs"/>
-        </a:defRPr>
-      </a:lvl8pPr>
-      <a:lvl9pPr marL="3886200" lvl="8" indent="-228600" algn="l" defTabSz="914400" eaLnBrk="1" fontAlgn="base" latinLnBrk="0" hangingPunct="1">
-        <a:lnSpc>
-          <a:spcPct val="100000"/>
-        </a:lnSpc>
-        <a:spcBef>
-          <a:spcPct val="20000"/>
-        </a:spcBef>
-        <a:spcAft>
-          <a:spcPct val="0"/>
-        </a:spcAft>
-        <a:buChar char="»"/>
-        <a:defRPr sz="2000" b="0" i="0" u="none" kern="1200" baseline="0">
-          <a:solidFill>
-            <a:schemeClr val="tx1"/>
-          </a:solidFill>
-          <a:latin typeface="+mn-lt"/>
-          <a:ea typeface="+mn-ea"/>
-          <a:cs typeface="+mn-cs"/>
-        </a:defRPr>
-      </a:lvl9pPr>
-    </p:bodyStyle>
-    <p:otherStyle>
-      <a:lvl1pPr marL="0" lvl="0" indent="0" algn="l" defTabSz="914400" eaLnBrk="1" fontAlgn="base" latinLnBrk="0" hangingPunct="1">
-        <a:lnSpc>
-          <a:spcPct val="100000"/>
-        </a:lnSpc>
-        <a:spcBef>
-          <a:spcPct val="0"/>
-        </a:spcBef>
-        <a:spcAft>
-          <a:spcPct val="0"/>
-        </a:spcAft>
-        <a:buFont typeface="Arial" panose="020B0604020202020204" pitchFamily="34" charset="0"/>
-        <a:buNone/>
-        <a:defRPr sz="1800" b="0" i="0" u="none" kern="1200" baseline="0">
-          <a:solidFill>
-            <a:schemeClr val="tx1"/>
-          </a:solidFill>
-          <a:latin typeface="+mn-lt"/>
-          <a:ea typeface="+mn-ea"/>
-          <a:cs typeface="+mn-cs"/>
-        </a:defRPr>
-      </a:lvl1pPr>
-      <a:lvl2pPr marL="457200" lvl="1" indent="0" algn="l" defTabSz="914400" eaLnBrk="1" fontAlgn="base" latinLnBrk="0" hangingPunct="1">
-        <a:lnSpc>
-          <a:spcPct val="100000"/>
-        </a:lnSpc>
-        <a:spcBef>
-          <a:spcPct val="0"/>
-        </a:spcBef>
-        <a:spcAft>
-          <a:spcPct val="0"/>
-        </a:spcAft>
-        <a:buFont typeface="Arial" panose="020B0604020202020204" pitchFamily="34" charset="0"/>
-        <a:buNone/>
-        <a:defRPr b="0" i="0" u="none" kern="1200" baseline="0">
-          <a:solidFill>
-            <a:schemeClr val="tx1"/>
-          </a:solidFill>
-          <a:latin typeface="Arial" panose="020B0604020202020204" pitchFamily="34" charset="0"/>
-          <a:ea typeface="+mn-ea"/>
-          <a:cs typeface="+mn-cs"/>
-        </a:defRPr>
-      </a:lvl2pPr>
-      <a:lvl3pPr marL="914400" lvl="2" indent="0" algn="l" defTabSz="914400" eaLnBrk="1" fontAlgn="base" latinLnBrk="0" hangingPunct="1">
-        <a:lnSpc>
-          <a:spcPct val="100000"/>
-        </a:lnSpc>
-        <a:spcBef>
-          <a:spcPct val="0"/>
-        </a:spcBef>
-        <a:spcAft>
-          <a:spcPct val="0"/>
-        </a:spcAft>
-        <a:buFont typeface="Arial" panose="020B0604020202020204" pitchFamily="34" charset="0"/>
-        <a:buNone/>
-        <a:defRPr b="0" i="0" u="none" kern="1200" baseline="0">
-          <a:solidFill>
-            <a:schemeClr val="tx1"/>
-          </a:solidFill>
-          <a:latin typeface="Arial" panose="020B0604020202020204" pitchFamily="34" charset="0"/>
-          <a:ea typeface="+mn-ea"/>
-          <a:cs typeface="+mn-cs"/>
-        </a:defRPr>
-      </a:lvl3pPr>
-      <a:lvl4pPr marL="1371600" lvl="3" indent="0" algn="l" defTabSz="914400" eaLnBrk="1" fontAlgn="base" latinLnBrk="0" hangingPunct="1">
-        <a:lnSpc>
-          <a:spcPct val="100000"/>
-        </a:lnSpc>
-        <a:spcBef>
-          <a:spcPct val="0"/>
-        </a:spcBef>
-        <a:spcAft>
-          <a:spcPct val="0"/>
-        </a:spcAft>
-        <a:buFont typeface="Arial" panose="020B0604020202020204" pitchFamily="34" charset="0"/>
-        <a:buNone/>
-        <a:defRPr b="0" i="0" u="none" kern="1200" baseline="0">
-          <a:solidFill>
-            <a:schemeClr val="tx1"/>
-          </a:solidFill>
-          <a:latin typeface="Arial" panose="020B0604020202020204" pitchFamily="34" charset="0"/>
-          <a:ea typeface="+mn-ea"/>
-          <a:cs typeface="+mn-cs"/>
-        </a:defRPr>
-      </a:lvl4pPr>
-      <a:lvl5pPr marL="1828800" lvl="4" indent="0" algn="l" defTabSz="914400" eaLnBrk="1" fontAlgn="base" latinLnBrk="0" hangingPunct="1">
-        <a:lnSpc>
-          <a:spcPct val="100000"/>
-        </a:lnSpc>
-        <a:spcBef>
-          <a:spcPct val="0"/>
-        </a:spcBef>
-        <a:spcAft>
-          <a:spcPct val="0"/>
-        </a:spcAft>
-        <a:buFont typeface="Arial" panose="020B0604020202020204" pitchFamily="34" charset="0"/>
-        <a:buNone/>
-        <a:defRPr b="0" i="0" u="none" kern="1200" baseline="0">
-          <a:solidFill>
-            <a:schemeClr val="tx1"/>
-          </a:solidFill>
-          <a:latin typeface="Arial" panose="020B0604020202020204" pitchFamily="34" charset="0"/>
-          <a:ea typeface="+mn-ea"/>
-          <a:cs typeface="+mn-cs"/>
-        </a:defRPr>
-      </a:lvl5pPr>
-      <a:lvl6pPr marL="2286000" lvl="5" indent="0" algn="l" defTabSz="914400" eaLnBrk="1" fontAlgn="base" latinLnBrk="0" hangingPunct="1">
-        <a:lnSpc>
-          <a:spcPct val="100000"/>
-        </a:lnSpc>
-        <a:spcBef>
-          <a:spcPct val="0"/>
-        </a:spcBef>
-        <a:spcAft>
-          <a:spcPct val="0"/>
-        </a:spcAft>
-        <a:buFont typeface="Arial" panose="020B0604020202020204" pitchFamily="34" charset="0"/>
-        <a:buNone/>
-        <a:defRPr b="0" i="0" u="none" kern="1200" baseline="0">
-          <a:solidFill>
-            <a:schemeClr val="tx1"/>
-          </a:solidFill>
-          <a:latin typeface="Arial" panose="020B0604020202020204" pitchFamily="34" charset="0"/>
-          <a:ea typeface="+mn-ea"/>
-          <a:cs typeface="+mn-cs"/>
-        </a:defRPr>
-      </a:lvl6pPr>
-      <a:lvl7pPr marL="2743200" lvl="6" indent="0" algn="l" defTabSz="914400" eaLnBrk="1" fontAlgn="base" latinLnBrk="0" hangingPunct="1">
-        <a:lnSpc>
-          <a:spcPct val="100000"/>
-        </a:lnSpc>
-        <a:spcBef>
-          <a:spcPct val="0"/>
-        </a:spcBef>
-        <a:spcAft>
-          <a:spcPct val="0"/>
-        </a:spcAft>
-        <a:buFont typeface="Arial" panose="020B0604020202020204" pitchFamily="34" charset="0"/>
-        <a:buNone/>
-        <a:defRPr b="0" i="0" u="none" kern="1200" baseline="0">
-          <a:solidFill>
-            <a:schemeClr val="tx1"/>
-          </a:solidFill>
-          <a:latin typeface="Arial" panose="020B0604020202020204" pitchFamily="34" charset="0"/>
-          <a:ea typeface="+mn-ea"/>
-          <a:cs typeface="+mn-cs"/>
-        </a:defRPr>
-      </a:lvl7pPr>
-      <a:lvl8pPr marL="3200400" lvl="7" indent="0" algn="l" defTabSz="914400" eaLnBrk="1" fontAlgn="base" latinLnBrk="0" hangingPunct="1">
-        <a:lnSpc>
-          <a:spcPct val="100000"/>
-        </a:lnSpc>
-        <a:spcBef>
-          <a:spcPct val="0"/>
-        </a:spcBef>
-        <a:spcAft>
-          <a:spcPct val="0"/>
-        </a:spcAft>
-        <a:buFont typeface="Arial" panose="020B0604020202020204" pitchFamily="34" charset="0"/>
-        <a:buNone/>
-        <a:defRPr b="0" i="0" u="none" kern="1200" baseline="0">
-          <a:solidFill>
-            <a:schemeClr val="tx1"/>
-          </a:solidFill>
-          <a:latin typeface="Arial" panose="020B0604020202020204" pitchFamily="34" charset="0"/>
-          <a:ea typeface="+mn-ea"/>
-          <a:cs typeface="+mn-cs"/>
-        </a:defRPr>
-      </a:lvl8pPr>
-      <a:lvl9pPr marL="3657600" lvl="8" indent="0" algn="l" defTabSz="914400" eaLnBrk="1" fontAlgn="base" latinLnBrk="0" hangingPunct="1">
-        <a:lnSpc>
-          <a:spcPct val="100000"/>
-        </a:lnSpc>
-        <a:spcBef>
-          <a:spcPct val="0"/>
-        </a:spcBef>
-        <a:spcAft>
-          <a:spcPct val="0"/>
-        </a:spcAft>
-        <a:buFont typeface="Arial" panose="020B0604020202020204" pitchFamily="34" charset="0"/>
-        <a:buNone/>
-        <a:defRPr b="0" i="0" u="none" kern="1200" baseline="0">
-          <a:solidFill>
-            <a:schemeClr val="tx1"/>
-          </a:solidFill>
-          <a:latin typeface="Arial" panose="020B0604020202020204" pitchFamily="34" charset="0"/>
-          <a:ea typeface="+mn-ea"/>
-          <a:cs typeface="+mn-cs"/>
-        </a:defRPr>
-      </a:lvl9pPr>
-    </p:otherStyle>
-  </p:txStyles>
-</p:sldMaster>
-</file>
-
-<file path=ppt/slides/slide1.xml><?xml version="1.0" encoding="utf-8"?>
-<p:sld xmlns:a="http://schemas.openxmlformats.org/drawingml/2006/main" xmlns:r="http://schemas.openxmlformats.org/officeDocument/2006/relationships" xmlns:p="http://schemas.openxmlformats.org/presentationml/2006/main">
-  <p:cSld>
     <p:spTree>
       <p:nvGrpSpPr>
         <p:cNvPr id="1" name=""/>
@@ -3950,6 +3438,550 @@
       </p:grpSpPr>
       <p:sp>
         <p:nvSpPr>
+          <p:cNvPr id="2" name="Title Placeholder 1"/>
+          <p:cNvSpPr>
+            <a:spLocks noGrp="1"/>
+          </p:cNvSpPr>
+          <p:nvPr>
+            <p:ph type="title"/>
+          </p:nvPr>
+        </p:nvSpPr>
+        <p:spPr>
+          <a:xfrm>
+            <a:off x="838200" y="365125"/>
+            <a:ext cx="10515600" cy="1325563"/>
+          </a:xfrm>
+          <a:prstGeom prst="rect">
+            <a:avLst/>
+          </a:prstGeom>
+        </p:spPr>
+        <p:txBody>
+          <a:bodyPr vert="horz" lIns="91440" tIns="45720" rIns="91440" bIns="45720" rtlCol="0" anchor="ctr">
+            <a:normAutofit/>
+          </a:bodyPr>
+          <a:lstStyle/>
+          <a:p>
+            <a:r>
+              <a:rPr lang="en-US"/>
+              <a:t>Click to edit Master title style</a:t>
+            </a:r>
+            <a:endParaRPr lang="en-US" dirty="0"/>
+          </a:p>
+        </p:txBody>
+      </p:sp>
+      <p:sp>
+        <p:nvSpPr>
+          <p:cNvPr id="3" name="Text Placeholder 2"/>
+          <p:cNvSpPr>
+            <a:spLocks noGrp="1"/>
+          </p:cNvSpPr>
+          <p:nvPr>
+            <p:ph type="body" idx="1"/>
+          </p:nvPr>
+        </p:nvSpPr>
+        <p:spPr>
+          <a:xfrm>
+            <a:off x="838200" y="1825625"/>
+            <a:ext cx="10515600" cy="4351338"/>
+          </a:xfrm>
+          <a:prstGeom prst="rect">
+            <a:avLst/>
+          </a:prstGeom>
+        </p:spPr>
+        <p:txBody>
+          <a:bodyPr vert="horz" lIns="91440" tIns="45720" rIns="91440" bIns="45720" rtlCol="0">
+            <a:normAutofit/>
+          </a:bodyPr>
+          <a:lstStyle/>
+          <a:p>
+            <a:pPr lvl="0"/>
+            <a:r>
+              <a:rPr lang="en-US"/>
+              <a:t>Click to edit Master text styles</a:t>
+            </a:r>
+          </a:p>
+          <a:p>
+            <a:pPr lvl="1"/>
+            <a:r>
+              <a:rPr lang="en-US"/>
+              <a:t>Second level</a:t>
+            </a:r>
+          </a:p>
+          <a:p>
+            <a:pPr lvl="2"/>
+            <a:r>
+              <a:rPr lang="en-US"/>
+              <a:t>Third level</a:t>
+            </a:r>
+          </a:p>
+          <a:p>
+            <a:pPr lvl="3"/>
+            <a:r>
+              <a:rPr lang="en-US"/>
+              <a:t>Fourth level</a:t>
+            </a:r>
+          </a:p>
+          <a:p>
+            <a:pPr lvl="4"/>
+            <a:r>
+              <a:rPr lang="en-US"/>
+              <a:t>Fifth level</a:t>
+            </a:r>
+            <a:endParaRPr lang="en-US" dirty="0"/>
+          </a:p>
+        </p:txBody>
+      </p:sp>
+      <p:sp>
+        <p:nvSpPr>
+          <p:cNvPr id="4" name="Date Placeholder 3"/>
+          <p:cNvSpPr>
+            <a:spLocks noGrp="1"/>
+          </p:cNvSpPr>
+          <p:nvPr>
+            <p:ph type="dt" sz="half" idx="2"/>
+          </p:nvPr>
+        </p:nvSpPr>
+        <p:spPr>
+          <a:xfrm>
+            <a:off x="838200" y="6356350"/>
+            <a:ext cx="2743200" cy="365125"/>
+          </a:xfrm>
+          <a:prstGeom prst="rect">
+            <a:avLst/>
+          </a:prstGeom>
+        </p:spPr>
+        <p:txBody>
+          <a:bodyPr vert="horz" lIns="91440" tIns="45720" rIns="91440" bIns="45720" rtlCol="0" anchor="ctr"/>
+          <a:lstStyle>
+            <a:lvl1pPr algn="l">
+              <a:defRPr sz="1200">
+                <a:solidFill>
+                  <a:schemeClr val="tx1">
+                    <a:tint val="75000"/>
+                  </a:schemeClr>
+                </a:solidFill>
+              </a:defRPr>
+            </a:lvl1pPr>
+          </a:lstStyle>
+          <a:p>
+            <a:fld id="{760FBDFE-C587-4B4C-A407-44438C67B59E}" type="datetimeFigureOut">
+              <a:rPr lang="zh-CN" altLang="en-US" smtClean="0"/>
+              <a:t>2024/4/17</a:t>
+            </a:fld>
+            <a:endParaRPr lang="zh-CN" altLang="en-US"/>
+          </a:p>
+        </p:txBody>
+      </p:sp>
+      <p:sp>
+        <p:nvSpPr>
+          <p:cNvPr id="5" name="Footer Placeholder 4"/>
+          <p:cNvSpPr>
+            <a:spLocks noGrp="1"/>
+          </p:cNvSpPr>
+          <p:nvPr>
+            <p:ph type="ftr" sz="quarter" idx="3"/>
+          </p:nvPr>
+        </p:nvSpPr>
+        <p:spPr>
+          <a:xfrm>
+            <a:off x="4038600" y="6356350"/>
+            <a:ext cx="4114800" cy="365125"/>
+          </a:xfrm>
+          <a:prstGeom prst="rect">
+            <a:avLst/>
+          </a:prstGeom>
+        </p:spPr>
+        <p:txBody>
+          <a:bodyPr vert="horz" lIns="91440" tIns="45720" rIns="91440" bIns="45720" rtlCol="0" anchor="ctr"/>
+          <a:lstStyle>
+            <a:lvl1pPr algn="ctr">
+              <a:defRPr sz="1200">
+                <a:solidFill>
+                  <a:schemeClr val="tx1">
+                    <a:tint val="75000"/>
+                  </a:schemeClr>
+                </a:solidFill>
+              </a:defRPr>
+            </a:lvl1pPr>
+          </a:lstStyle>
+          <a:p>
+            <a:endParaRPr lang="zh-CN" altLang="en-US"/>
+          </a:p>
+        </p:txBody>
+      </p:sp>
+      <p:sp>
+        <p:nvSpPr>
+          <p:cNvPr id="6" name="Slide Number Placeholder 5"/>
+          <p:cNvSpPr>
+            <a:spLocks noGrp="1"/>
+          </p:cNvSpPr>
+          <p:nvPr>
+            <p:ph type="sldNum" sz="quarter" idx="4"/>
+          </p:nvPr>
+        </p:nvSpPr>
+        <p:spPr>
+          <a:xfrm>
+            <a:off x="8610600" y="6356350"/>
+            <a:ext cx="2743200" cy="365125"/>
+          </a:xfrm>
+          <a:prstGeom prst="rect">
+            <a:avLst/>
+          </a:prstGeom>
+        </p:spPr>
+        <p:txBody>
+          <a:bodyPr vert="horz" lIns="91440" tIns="45720" rIns="91440" bIns="45720" rtlCol="0" anchor="ctr"/>
+          <a:lstStyle>
+            <a:lvl1pPr algn="r">
+              <a:defRPr sz="1200">
+                <a:solidFill>
+                  <a:schemeClr val="tx1">
+                    <a:tint val="75000"/>
+                  </a:schemeClr>
+                </a:solidFill>
+              </a:defRPr>
+            </a:lvl1pPr>
+          </a:lstStyle>
+          <a:p>
+            <a:fld id="{49AE70B2-8BF9-45C0-BB95-33D1B9D3A854}" type="slidenum">
+              <a:rPr lang="zh-CN" altLang="en-US" smtClean="0"/>
+              <a:t>‹#›</a:t>
+            </a:fld>
+            <a:endParaRPr lang="zh-CN" altLang="en-US"/>
+          </a:p>
+        </p:txBody>
+      </p:sp>
+    </p:spTree>
+    <p:extLst>
+      <p:ext uri="{BB962C8B-B14F-4D97-AF65-F5344CB8AC3E}">
+        <p14:creationId xmlns:p14="http://schemas.microsoft.com/office/powerpoint/2010/main" val="3756650789"/>
+      </p:ext>
+    </p:extLst>
+  </p:cSld>
+  <p:clrMap bg1="dk1" tx1="lt1" bg2="dk2" tx2="lt2" accent1="accent1" accent2="accent2" accent3="accent3" accent4="accent4" accent5="accent5" accent6="accent6" hlink="hlink" folHlink="folHlink"/>
+  <p:sldLayoutIdLst>
+    <p:sldLayoutId id="2147483661" r:id="rId1"/>
+    <p:sldLayoutId id="2147483662" r:id="rId2"/>
+    <p:sldLayoutId id="2147483663" r:id="rId3"/>
+    <p:sldLayoutId id="2147483664" r:id="rId4"/>
+    <p:sldLayoutId id="2147483665" r:id="rId5"/>
+    <p:sldLayoutId id="2147483666" r:id="rId6"/>
+    <p:sldLayoutId id="2147483667" r:id="rId7"/>
+    <p:sldLayoutId id="2147483668" r:id="rId8"/>
+    <p:sldLayoutId id="2147483669" r:id="rId9"/>
+    <p:sldLayoutId id="2147483670" r:id="rId10"/>
+    <p:sldLayoutId id="2147483671" r:id="rId11"/>
+  </p:sldLayoutIdLst>
+  <p:hf sldNum="0" hdr="0" ftr="0" dt="0"/>
+  <p:txStyles>
+    <p:titleStyle>
+      <a:lvl1pPr algn="l" defTabSz="914400" rtl="0" eaLnBrk="1" latinLnBrk="0" hangingPunct="1">
+        <a:lnSpc>
+          <a:spcPct val="90000"/>
+        </a:lnSpc>
+        <a:spcBef>
+          <a:spcPct val="0"/>
+        </a:spcBef>
+        <a:buNone/>
+        <a:defRPr sz="4400" kern="1200">
+          <a:solidFill>
+            <a:schemeClr val="tx1"/>
+          </a:solidFill>
+          <a:latin typeface="+mj-lt"/>
+          <a:ea typeface="+mj-ea"/>
+          <a:cs typeface="+mj-cs"/>
+        </a:defRPr>
+      </a:lvl1pPr>
+    </p:titleStyle>
+    <p:bodyStyle>
+      <a:lvl1pPr marL="228600" indent="-228600" algn="l" defTabSz="914400" rtl="0" eaLnBrk="1" latinLnBrk="0" hangingPunct="1">
+        <a:lnSpc>
+          <a:spcPct val="90000"/>
+        </a:lnSpc>
+        <a:spcBef>
+          <a:spcPts val="1000"/>
+        </a:spcBef>
+        <a:buFont typeface="Arial" panose="020B0604020202020204" pitchFamily="34" charset="0"/>
+        <a:buChar char="•"/>
+        <a:defRPr sz="2800" kern="1200">
+          <a:solidFill>
+            <a:schemeClr val="tx1"/>
+          </a:solidFill>
+          <a:latin typeface="+mn-lt"/>
+          <a:ea typeface="+mn-ea"/>
+          <a:cs typeface="+mn-cs"/>
+        </a:defRPr>
+      </a:lvl1pPr>
+      <a:lvl2pPr marL="685800" indent="-228600" algn="l" defTabSz="914400" rtl="0" eaLnBrk="1" latinLnBrk="0" hangingPunct="1">
+        <a:lnSpc>
+          <a:spcPct val="90000"/>
+        </a:lnSpc>
+        <a:spcBef>
+          <a:spcPts val="500"/>
+        </a:spcBef>
+        <a:buFont typeface="Arial" panose="020B0604020202020204" pitchFamily="34" charset="0"/>
+        <a:buChar char="•"/>
+        <a:defRPr sz="2400" kern="1200">
+          <a:solidFill>
+            <a:schemeClr val="tx1"/>
+          </a:solidFill>
+          <a:latin typeface="+mn-lt"/>
+          <a:ea typeface="+mn-ea"/>
+          <a:cs typeface="+mn-cs"/>
+        </a:defRPr>
+      </a:lvl2pPr>
+      <a:lvl3pPr marL="1143000" indent="-228600" algn="l" defTabSz="914400" rtl="0" eaLnBrk="1" latinLnBrk="0" hangingPunct="1">
+        <a:lnSpc>
+          <a:spcPct val="90000"/>
+        </a:lnSpc>
+        <a:spcBef>
+          <a:spcPts val="500"/>
+        </a:spcBef>
+        <a:buFont typeface="Arial" panose="020B0604020202020204" pitchFamily="34" charset="0"/>
+        <a:buChar char="•"/>
+        <a:defRPr sz="2000" kern="1200">
+          <a:solidFill>
+            <a:schemeClr val="tx1"/>
+          </a:solidFill>
+          <a:latin typeface="+mn-lt"/>
+          <a:ea typeface="+mn-ea"/>
+          <a:cs typeface="+mn-cs"/>
+        </a:defRPr>
+      </a:lvl3pPr>
+      <a:lvl4pPr marL="1600200" indent="-228600" algn="l" defTabSz="914400" rtl="0" eaLnBrk="1" latinLnBrk="0" hangingPunct="1">
+        <a:lnSpc>
+          <a:spcPct val="90000"/>
+        </a:lnSpc>
+        <a:spcBef>
+          <a:spcPts val="500"/>
+        </a:spcBef>
+        <a:buFont typeface="Arial" panose="020B0604020202020204" pitchFamily="34" charset="0"/>
+        <a:buChar char="•"/>
+        <a:defRPr sz="1800" kern="1200">
+          <a:solidFill>
+            <a:schemeClr val="tx1"/>
+          </a:solidFill>
+          <a:latin typeface="+mn-lt"/>
+          <a:ea typeface="+mn-ea"/>
+          <a:cs typeface="+mn-cs"/>
+        </a:defRPr>
+      </a:lvl4pPr>
+      <a:lvl5pPr marL="2057400" indent="-228600" algn="l" defTabSz="914400" rtl="0" eaLnBrk="1" latinLnBrk="0" hangingPunct="1">
+        <a:lnSpc>
+          <a:spcPct val="90000"/>
+        </a:lnSpc>
+        <a:spcBef>
+          <a:spcPts val="500"/>
+        </a:spcBef>
+        <a:buFont typeface="Arial" panose="020B0604020202020204" pitchFamily="34" charset="0"/>
+        <a:buChar char="•"/>
+        <a:defRPr sz="1800" kern="1200">
+          <a:solidFill>
+            <a:schemeClr val="tx1"/>
+          </a:solidFill>
+          <a:latin typeface="+mn-lt"/>
+          <a:ea typeface="+mn-ea"/>
+          <a:cs typeface="+mn-cs"/>
+        </a:defRPr>
+      </a:lvl5pPr>
+      <a:lvl6pPr marL="2514600" indent="-228600" algn="l" defTabSz="914400" rtl="0" eaLnBrk="1" latinLnBrk="0" hangingPunct="1">
+        <a:lnSpc>
+          <a:spcPct val="90000"/>
+        </a:lnSpc>
+        <a:spcBef>
+          <a:spcPts val="500"/>
+        </a:spcBef>
+        <a:buFont typeface="Arial" panose="020B0604020202020204" pitchFamily="34" charset="0"/>
+        <a:buChar char="•"/>
+        <a:defRPr sz="1800" kern="1200">
+          <a:solidFill>
+            <a:schemeClr val="tx1"/>
+          </a:solidFill>
+          <a:latin typeface="+mn-lt"/>
+          <a:ea typeface="+mn-ea"/>
+          <a:cs typeface="+mn-cs"/>
+        </a:defRPr>
+      </a:lvl6pPr>
+      <a:lvl7pPr marL="2971800" indent="-228600" algn="l" defTabSz="914400" rtl="0" eaLnBrk="1" latinLnBrk="0" hangingPunct="1">
+        <a:lnSpc>
+          <a:spcPct val="90000"/>
+        </a:lnSpc>
+        <a:spcBef>
+          <a:spcPts val="500"/>
+        </a:spcBef>
+        <a:buFont typeface="Arial" panose="020B0604020202020204" pitchFamily="34" charset="0"/>
+        <a:buChar char="•"/>
+        <a:defRPr sz="1800" kern="1200">
+          <a:solidFill>
+            <a:schemeClr val="tx1"/>
+          </a:solidFill>
+          <a:latin typeface="+mn-lt"/>
+          <a:ea typeface="+mn-ea"/>
+          <a:cs typeface="+mn-cs"/>
+        </a:defRPr>
+      </a:lvl7pPr>
+      <a:lvl8pPr marL="3429000" indent="-228600" algn="l" defTabSz="914400" rtl="0" eaLnBrk="1" latinLnBrk="0" hangingPunct="1">
+        <a:lnSpc>
+          <a:spcPct val="90000"/>
+        </a:lnSpc>
+        <a:spcBef>
+          <a:spcPts val="500"/>
+        </a:spcBef>
+        <a:buFont typeface="Arial" panose="020B0604020202020204" pitchFamily="34" charset="0"/>
+        <a:buChar char="•"/>
+        <a:defRPr sz="1800" kern="1200">
+          <a:solidFill>
+            <a:schemeClr val="tx1"/>
+          </a:solidFill>
+          <a:latin typeface="+mn-lt"/>
+          <a:ea typeface="+mn-ea"/>
+          <a:cs typeface="+mn-cs"/>
+        </a:defRPr>
+      </a:lvl8pPr>
+      <a:lvl9pPr marL="3886200" indent="-228600" algn="l" defTabSz="914400" rtl="0" eaLnBrk="1" latinLnBrk="0" hangingPunct="1">
+        <a:lnSpc>
+          <a:spcPct val="90000"/>
+        </a:lnSpc>
+        <a:spcBef>
+          <a:spcPts val="500"/>
+        </a:spcBef>
+        <a:buFont typeface="Arial" panose="020B0604020202020204" pitchFamily="34" charset="0"/>
+        <a:buChar char="•"/>
+        <a:defRPr sz="1800" kern="1200">
+          <a:solidFill>
+            <a:schemeClr val="tx1"/>
+          </a:solidFill>
+          <a:latin typeface="+mn-lt"/>
+          <a:ea typeface="+mn-ea"/>
+          <a:cs typeface="+mn-cs"/>
+        </a:defRPr>
+      </a:lvl9pPr>
+    </p:bodyStyle>
+    <p:otherStyle>
+      <a:defPPr>
+        <a:defRPr lang="en-US"/>
+      </a:defPPr>
+      <a:lvl1pPr marL="0" algn="l" defTabSz="914400" rtl="0" eaLnBrk="1" latinLnBrk="0" hangingPunct="1">
+        <a:defRPr sz="1800" kern="1200">
+          <a:solidFill>
+            <a:schemeClr val="tx1"/>
+          </a:solidFill>
+          <a:latin typeface="+mn-lt"/>
+          <a:ea typeface="+mn-ea"/>
+          <a:cs typeface="+mn-cs"/>
+        </a:defRPr>
+      </a:lvl1pPr>
+      <a:lvl2pPr marL="457200" algn="l" defTabSz="914400" rtl="0" eaLnBrk="1" latinLnBrk="0" hangingPunct="1">
+        <a:defRPr sz="1800" kern="1200">
+          <a:solidFill>
+            <a:schemeClr val="tx1"/>
+          </a:solidFill>
+          <a:latin typeface="+mn-lt"/>
+          <a:ea typeface="+mn-ea"/>
+          <a:cs typeface="+mn-cs"/>
+        </a:defRPr>
+      </a:lvl2pPr>
+      <a:lvl3pPr marL="914400" algn="l" defTabSz="914400" rtl="0" eaLnBrk="1" latinLnBrk="0" hangingPunct="1">
+        <a:defRPr sz="1800" kern="1200">
+          <a:solidFill>
+            <a:schemeClr val="tx1"/>
+          </a:solidFill>
+          <a:latin typeface="+mn-lt"/>
+          <a:ea typeface="+mn-ea"/>
+          <a:cs typeface="+mn-cs"/>
+        </a:defRPr>
+      </a:lvl3pPr>
+      <a:lvl4pPr marL="1371600" algn="l" defTabSz="914400" rtl="0" eaLnBrk="1" latinLnBrk="0" hangingPunct="1">
+        <a:defRPr sz="1800" kern="1200">
+          <a:solidFill>
+            <a:schemeClr val="tx1"/>
+          </a:solidFill>
+          <a:latin typeface="+mn-lt"/>
+          <a:ea typeface="+mn-ea"/>
+          <a:cs typeface="+mn-cs"/>
+        </a:defRPr>
+      </a:lvl4pPr>
+      <a:lvl5pPr marL="1828800" algn="l" defTabSz="914400" rtl="0" eaLnBrk="1" latinLnBrk="0" hangingPunct="1">
+        <a:defRPr sz="1800" kern="1200">
+          <a:solidFill>
+            <a:schemeClr val="tx1"/>
+          </a:solidFill>
+          <a:latin typeface="+mn-lt"/>
+          <a:ea typeface="+mn-ea"/>
+          <a:cs typeface="+mn-cs"/>
+        </a:defRPr>
+      </a:lvl5pPr>
+      <a:lvl6pPr marL="2286000" algn="l" defTabSz="914400" rtl="0" eaLnBrk="1" latinLnBrk="0" hangingPunct="1">
+        <a:defRPr sz="1800" kern="1200">
+          <a:solidFill>
+            <a:schemeClr val="tx1"/>
+          </a:solidFill>
+          <a:latin typeface="+mn-lt"/>
+          <a:ea typeface="+mn-ea"/>
+          <a:cs typeface="+mn-cs"/>
+        </a:defRPr>
+      </a:lvl6pPr>
+      <a:lvl7pPr marL="2743200" algn="l" defTabSz="914400" rtl="0" eaLnBrk="1" latinLnBrk="0" hangingPunct="1">
+        <a:defRPr sz="1800" kern="1200">
+          <a:solidFill>
+            <a:schemeClr val="tx1"/>
+          </a:solidFill>
+          <a:latin typeface="+mn-lt"/>
+          <a:ea typeface="+mn-ea"/>
+          <a:cs typeface="+mn-cs"/>
+        </a:defRPr>
+      </a:lvl7pPr>
+      <a:lvl8pPr marL="3200400" algn="l" defTabSz="914400" rtl="0" eaLnBrk="1" latinLnBrk="0" hangingPunct="1">
+        <a:defRPr sz="1800" kern="1200">
+          <a:solidFill>
+            <a:schemeClr val="tx1"/>
+          </a:solidFill>
+          <a:latin typeface="+mn-lt"/>
+          <a:ea typeface="+mn-ea"/>
+          <a:cs typeface="+mn-cs"/>
+        </a:defRPr>
+      </a:lvl8pPr>
+      <a:lvl9pPr marL="3657600" algn="l" defTabSz="914400" rtl="0" eaLnBrk="1" latinLnBrk="0" hangingPunct="1">
+        <a:defRPr sz="1800" kern="1200">
+          <a:solidFill>
+            <a:schemeClr val="tx1"/>
+          </a:solidFill>
+          <a:latin typeface="+mn-lt"/>
+          <a:ea typeface="+mn-ea"/>
+          <a:cs typeface="+mn-cs"/>
+        </a:defRPr>
+      </a:lvl9pPr>
+    </p:otherStyle>
+  </p:txStyles>
+</p:sldMaster>
+</file>
+
+<file path=ppt/slides/slide1.xml><?xml version="1.0" encoding="utf-8"?>
+<p:sld xmlns:a="http://schemas.openxmlformats.org/drawingml/2006/main" xmlns:r="http://schemas.openxmlformats.org/officeDocument/2006/relationships" xmlns:p="http://schemas.openxmlformats.org/presentationml/2006/main">
+  <p:cSld>
+    <p:bg>
+      <p:bgPr>
+        <a:solidFill>
+          <a:srgbClr val="1D2C3A"/>
+        </a:solidFill>
+        <a:effectLst/>
+      </p:bgPr>
+    </p:bg>
+    <p:spTree>
+      <p:nvGrpSpPr>
+        <p:cNvPr id="1" name=""/>
+        <p:cNvGrpSpPr/>
+        <p:nvPr/>
+      </p:nvGrpSpPr>
+      <p:grpSpPr>
+        <a:xfrm>
+          <a:off x="0" y="0"/>
+          <a:ext cx="0" cy="0"/>
+          <a:chOff x="0" y="0"/>
+          <a:chExt cx="0" cy="0"/>
+        </a:xfrm>
+      </p:grpSpPr>
+      <p:sp>
+        <p:nvSpPr>
           <p:cNvPr id="2" name="标题 1"/>
           <p:cNvSpPr>
             <a:spLocks noGrp="1"/>
@@ -3973,26 +4005,6 @@
               <a:rPr lang="fr-FR" altLang="zh-CN" sz="6600"/>
               <a:t>Uiua</a:t>
             </a:r>
-            <a:endParaRPr lang="fr-FR" altLang="zh-CN" sz="6600"/>
-          </a:p>
-        </p:txBody>
-      </p:sp>
-      <p:sp>
-        <p:nvSpPr>
-          <p:cNvPr id="5" name="副标题 4"/>
-          <p:cNvSpPr>
-            <a:spLocks noGrp="1"/>
-          </p:cNvSpPr>
-          <p:nvPr>
-            <p:ph type="subTitle" idx="1"/>
-          </p:nvPr>
-        </p:nvSpPr>
-        <p:spPr/>
-        <p:txBody>
-          <a:bodyPr/>
-          <a:lstStyle/>
-          <a:p>
-            <a:endParaRPr lang="zh-CN" altLang="en-US"/>
           </a:p>
         </p:txBody>
       </p:sp>
@@ -4005,7 +4017,7 @@
           <p:nvPr/>
         </p:nvPicPr>
         <p:blipFill>
-          <a:blip r:embed="rId1"/>
+          <a:blip r:embed="rId3"/>
           <a:stretch>
             <a:fillRect/>
           </a:stretch>
@@ -4028,16 +4040,31 @@
 </p:sld>
 </file>
 
-<file path=ppt/slides/slide2.xml><?xml version="1.0" encoding="utf-8"?>
+<file path=ppt/slides/slide10.xml><?xml version="1.0" encoding="utf-8"?>
 <p:sld xmlns:a="http://schemas.openxmlformats.org/drawingml/2006/main" xmlns:r="http://schemas.openxmlformats.org/officeDocument/2006/relationships" xmlns:p="http://schemas.openxmlformats.org/presentationml/2006/main">
   <p:cSld>
+    <p:bg>
+      <p:bgPr>
+        <a:solidFill>
+          <a:srgbClr val="1D2C3A"/>
+        </a:solidFill>
+        <a:effectLst/>
+      </p:bgPr>
+    </p:bg>
     <p:spTree>
       <p:nvGrpSpPr>
         <p:cNvPr id="1" name=""/>
         <p:cNvGrpSpPr/>
         <p:nvPr/>
       </p:nvGrpSpPr>
-      <p:grpSpPr/>
+      <p:grpSpPr>
+        <a:xfrm>
+          <a:off x="0" y="0"/>
+          <a:ext cx="0" cy="0"/>
+          <a:chOff x="0" y="0"/>
+          <a:chExt cx="0" cy="0"/>
+        </a:xfrm>
+      </p:grpSpPr>
       <p:sp>
         <p:nvSpPr>
           <p:cNvPr id="2" name="Title 1"/>
@@ -4051,12 +4078,149 @@
         <p:spPr/>
         <p:txBody>
           <a:bodyPr/>
+          <a:lstStyle/>
+          <a:p>
+            <a:r>
+              <a:rPr lang="fr-FR" altLang="en-US"/>
+              <a:t>Project</a:t>
+            </a:r>
+          </a:p>
+        </p:txBody>
+      </p:sp>
+      <p:sp>
+        <p:nvSpPr>
+          <p:cNvPr id="3" name="Content Placeholder 2"/>
+          <p:cNvSpPr>
+            <a:spLocks noGrp="1"/>
+          </p:cNvSpPr>
+          <p:nvPr>
+            <p:ph idx="1"/>
+          </p:nvPr>
+        </p:nvSpPr>
+        <p:spPr/>
+        <p:txBody>
+          <a:bodyPr anchor="ctr" anchorCtr="0">
+            <a:normAutofit lnSpcReduction="10000"/>
+          </a:bodyPr>
+          <a:lstStyle/>
+          <a:p>
+            <a:r>
+              <a:rPr lang="fr-FR" altLang="en-US"/>
+              <a:t>Image creation app</a:t>
+            </a:r>
+          </a:p>
+          <a:p>
+            <a:endParaRPr lang="fr-FR" altLang="en-US"/>
+          </a:p>
+          <a:p>
+            <a:r>
+              <a:rPr lang="fr-FR" altLang="en-US"/>
+              <a:t>Array manipulation</a:t>
+            </a:r>
+          </a:p>
+          <a:p>
+            <a:pPr lvl="1"/>
+            <a:r>
+              <a:rPr lang="fr-FR" altLang="en-US"/>
+              <a:t>Predefined shapes</a:t>
+            </a:r>
+          </a:p>
+          <a:p>
+            <a:pPr lvl="1"/>
+            <a:r>
+              <a:rPr lang="fr-FR" altLang="en-US"/>
+              <a:t>Curves</a:t>
+            </a:r>
+          </a:p>
+          <a:p>
+            <a:endParaRPr lang="fr-FR" altLang="en-US"/>
+          </a:p>
+          <a:p>
+            <a:r>
+              <a:rPr lang="fr-FR" altLang="en-US"/>
+              <a:t>Saving in different formats</a:t>
+            </a:r>
+          </a:p>
+          <a:p>
+            <a:pPr lvl="1"/>
+            <a:r>
+              <a:rPr lang="fr-FR" altLang="en-US" sz="1800"/>
+              <a:t>System functions</a:t>
+            </a:r>
+          </a:p>
+          <a:p>
+            <a:pPr lvl="1"/>
+            <a:endParaRPr lang="fr-FR" altLang="en-US"/>
+          </a:p>
+          <a:p>
+            <a:pPr lvl="0"/>
+            <a:r>
+              <a:rPr lang="fr-FR" altLang="en-US" sz="2000"/>
+              <a:t>Graphical interface</a:t>
+            </a:r>
+          </a:p>
+          <a:p>
+            <a:pPr lvl="1"/>
+            <a:r>
+              <a:rPr lang="fr-FR" altLang="en-US" sz="1800"/>
+              <a:t>FFI</a:t>
+            </a:r>
+            <a:endParaRPr lang="fr-FR" altLang="en-US"/>
+          </a:p>
+        </p:txBody>
+      </p:sp>
+    </p:spTree>
+  </p:cSld>
+  <p:clrMapOvr>
+    <a:masterClrMapping/>
+  </p:clrMapOvr>
+</p:sld>
+</file>
+
+<file path=ppt/slides/slide2.xml><?xml version="1.0" encoding="utf-8"?>
+<p:sld xmlns:a="http://schemas.openxmlformats.org/drawingml/2006/main" xmlns:r="http://schemas.openxmlformats.org/officeDocument/2006/relationships" xmlns:p="http://schemas.openxmlformats.org/presentationml/2006/main">
+  <p:cSld>
+    <p:bg>
+      <p:bgPr>
+        <a:solidFill>
+          <a:srgbClr val="1D2C3A"/>
+        </a:solidFill>
+        <a:effectLst/>
+      </p:bgPr>
+    </p:bg>
+    <p:spTree>
+      <p:nvGrpSpPr>
+        <p:cNvPr id="1" name=""/>
+        <p:cNvGrpSpPr/>
+        <p:nvPr/>
+      </p:nvGrpSpPr>
+      <p:grpSpPr>
+        <a:xfrm>
+          <a:off x="0" y="0"/>
+          <a:ext cx="0" cy="0"/>
+          <a:chOff x="0" y="0"/>
+          <a:chExt cx="0" cy="0"/>
+        </a:xfrm>
+      </p:grpSpPr>
+      <p:sp>
+        <p:nvSpPr>
+          <p:cNvPr id="2" name="Title 1"/>
+          <p:cNvSpPr>
+            <a:spLocks noGrp="1"/>
+          </p:cNvSpPr>
+          <p:nvPr>
+            <p:ph type="title"/>
+          </p:nvPr>
+        </p:nvSpPr>
+        <p:spPr/>
+        <p:txBody>
+          <a:bodyPr/>
+          <a:lstStyle/>
           <a:p>
             <a:r>
               <a:rPr lang="fr-FR" altLang="en-US"/>
               <a:t>Description</a:t>
             </a:r>
-            <a:endParaRPr lang="fr-FR" altLang="en-US"/>
           </a:p>
         </p:txBody>
       </p:sp>
@@ -4073,19 +4237,18 @@
         <p:spPr/>
         <p:txBody>
           <a:bodyPr anchor="ctr" anchorCtr="0"/>
+          <a:lstStyle/>
           <a:p>
             <a:r>
               <a:rPr lang="fr-FR" altLang="en-US" sz="3200"/>
               <a:t>Array oriented</a:t>
             </a:r>
-            <a:endParaRPr lang="fr-FR" altLang="en-US" sz="3200"/>
           </a:p>
           <a:p>
             <a:r>
               <a:rPr lang="fr-FR" altLang="en-US" sz="3200"/>
               <a:t>Stack based</a:t>
             </a:r>
-            <a:endParaRPr lang="fr-FR" altLang="en-US" sz="3200"/>
           </a:p>
           <a:p>
             <a:endParaRPr lang="fr-FR" altLang="en-US" sz="3200"/>
@@ -4095,14 +4258,12 @@
               <a:rPr lang="fr-FR" altLang="en-US" sz="3200"/>
               <a:t>Interpreted / Compiled</a:t>
             </a:r>
-            <a:endParaRPr lang="fr-FR" altLang="en-US" sz="3200"/>
           </a:p>
           <a:p>
             <a:r>
               <a:rPr lang="fr-FR" altLang="en-US" sz="3200"/>
               <a:t>Concise and tacit</a:t>
             </a:r>
-            <a:endParaRPr lang="fr-FR" altLang="en-US" sz="3200"/>
           </a:p>
         </p:txBody>
       </p:sp>
@@ -4117,13 +4278,28 @@
 <file path=ppt/slides/slide3.xml><?xml version="1.0" encoding="utf-8"?>
 <p:sld xmlns:a="http://schemas.openxmlformats.org/drawingml/2006/main" xmlns:r="http://schemas.openxmlformats.org/officeDocument/2006/relationships" xmlns:p="http://schemas.openxmlformats.org/presentationml/2006/main">
   <p:cSld>
+    <p:bg>
+      <p:bgPr>
+        <a:solidFill>
+          <a:srgbClr val="1D2C3A"/>
+        </a:solidFill>
+        <a:effectLst/>
+      </p:bgPr>
+    </p:bg>
     <p:spTree>
       <p:nvGrpSpPr>
         <p:cNvPr id="1" name=""/>
         <p:cNvGrpSpPr/>
         <p:nvPr/>
       </p:nvGrpSpPr>
-      <p:grpSpPr/>
+      <p:grpSpPr>
+        <a:xfrm>
+          <a:off x="0" y="0"/>
+          <a:ext cx="0" cy="0"/>
+          <a:chOff x="0" y="0"/>
+          <a:chExt cx="0" cy="0"/>
+        </a:xfrm>
+      </p:grpSpPr>
       <p:sp>
         <p:nvSpPr>
           <p:cNvPr id="8" name="Title 7"/>
@@ -4137,12 +4313,12 @@
         <p:spPr/>
         <p:txBody>
           <a:bodyPr/>
+          <a:lstStyle/>
           <a:p>
             <a:r>
               <a:rPr lang="fr-FR" altLang="en-US"/>
               <a:t>Examples</a:t>
             </a:r>
-            <a:endParaRPr lang="fr-FR" altLang="en-US"/>
           </a:p>
         </p:txBody>
       </p:sp>
@@ -4150,22 +4326,22 @@
         <p:nvPicPr>
           <p:cNvPr id="11" name="Content Placeholder 10" descr="logo-code"/>
           <p:cNvPicPr>
-            <a:picLocks noChangeAspect="1"/>
+            <a:picLocks noGrp="1" noChangeAspect="1"/>
           </p:cNvPicPr>
           <p:nvPr>
             <p:ph sz="half" idx="1"/>
           </p:nvPr>
         </p:nvPicPr>
         <p:blipFill>
-          <a:blip r:embed="rId1"/>
+          <a:blip r:embed="rId3"/>
           <a:stretch>
             <a:fillRect/>
           </a:stretch>
         </p:blipFill>
         <p:spPr>
           <a:xfrm>
-            <a:off x="407670" y="2558415"/>
-            <a:ext cx="6544945" cy="2609850"/>
+            <a:off x="838200" y="2968129"/>
+            <a:ext cx="5181600" cy="2066330"/>
           </a:xfrm>
           <a:prstGeom prst="rect">
             <a:avLst/>
@@ -4176,22 +4352,22 @@
         <p:nvPicPr>
           <p:cNvPr id="13" name="Content Placeholder 12" descr="uiua-logo"/>
           <p:cNvPicPr>
-            <a:picLocks noChangeAspect="1"/>
+            <a:picLocks noGrp="1" noChangeAspect="1"/>
           </p:cNvPicPr>
           <p:nvPr>
             <p:ph sz="half" idx="2"/>
           </p:nvPr>
         </p:nvPicPr>
         <p:blipFill>
-          <a:blip r:embed="rId2"/>
+          <a:blip r:embed="rId4"/>
           <a:stretch>
             <a:fillRect/>
           </a:stretch>
         </p:blipFill>
         <p:spPr>
           <a:xfrm>
-            <a:off x="7840345" y="1992630"/>
-            <a:ext cx="3741420" cy="3741420"/>
+            <a:off x="7202421" y="2440715"/>
+            <a:ext cx="3121158" cy="3121158"/>
           </a:xfrm>
           <a:prstGeom prst="rect">
             <a:avLst/>
@@ -4209,13 +4385,28 @@
 <file path=ppt/slides/slide4.xml><?xml version="1.0" encoding="utf-8"?>
 <p:sld xmlns:a="http://schemas.openxmlformats.org/drawingml/2006/main" xmlns:r="http://schemas.openxmlformats.org/officeDocument/2006/relationships" xmlns:p="http://schemas.openxmlformats.org/presentationml/2006/main">
   <p:cSld>
+    <p:bg>
+      <p:bgPr>
+        <a:solidFill>
+          <a:srgbClr val="1D2C3A"/>
+        </a:solidFill>
+        <a:effectLst/>
+      </p:bgPr>
+    </p:bg>
     <p:spTree>
       <p:nvGrpSpPr>
         <p:cNvPr id="1" name=""/>
         <p:cNvGrpSpPr/>
         <p:nvPr/>
       </p:nvGrpSpPr>
-      <p:grpSpPr/>
+      <p:grpSpPr>
+        <a:xfrm>
+          <a:off x="0" y="0"/>
+          <a:ext cx="0" cy="0"/>
+          <a:chOff x="0" y="0"/>
+          <a:chExt cx="0" cy="0"/>
+        </a:xfrm>
+      </p:grpSpPr>
       <p:sp>
         <p:nvSpPr>
           <p:cNvPr id="2" name="Title 1"/>
@@ -4229,12 +4420,12 @@
         <p:spPr/>
         <p:txBody>
           <a:bodyPr/>
+          <a:lstStyle/>
           <a:p>
             <a:r>
               <a:rPr lang="fr-FR" altLang="en-US"/>
               <a:t>Example</a:t>
             </a:r>
-            <a:endParaRPr lang="fr-FR" altLang="en-US"/>
           </a:p>
         </p:txBody>
       </p:sp>
@@ -4242,22 +4433,22 @@
         <p:nvPicPr>
           <p:cNvPr id="6" name="Content Placeholder 5" descr="quadratic"/>
           <p:cNvPicPr>
-            <a:picLocks noChangeAspect="1"/>
+            <a:picLocks noGrp="1" noChangeAspect="1"/>
           </p:cNvPicPr>
           <p:nvPr>
             <p:ph idx="1"/>
           </p:nvPr>
         </p:nvPicPr>
         <p:blipFill>
-          <a:blip r:embed="rId1"/>
+          <a:blip r:embed="rId2"/>
           <a:stretch>
             <a:fillRect/>
           </a:stretch>
         </p:blipFill>
         <p:spPr>
           <a:xfrm>
-            <a:off x="2604135" y="1282700"/>
-            <a:ext cx="6983095" cy="5232400"/>
+            <a:off x="3192184" y="1825625"/>
+            <a:ext cx="5807632" cy="4351338"/>
           </a:xfrm>
           <a:prstGeom prst="rect">
             <a:avLst/>
@@ -4275,13 +4466,28 @@
 <file path=ppt/slides/slide5.xml><?xml version="1.0" encoding="utf-8"?>
 <p:sld xmlns:a="http://schemas.openxmlformats.org/drawingml/2006/main" xmlns:r="http://schemas.openxmlformats.org/officeDocument/2006/relationships" xmlns:p="http://schemas.openxmlformats.org/presentationml/2006/main">
   <p:cSld>
+    <p:bg>
+      <p:bgPr>
+        <a:solidFill>
+          <a:srgbClr val="1D2C3A"/>
+        </a:solidFill>
+        <a:effectLst/>
+      </p:bgPr>
+    </p:bg>
     <p:spTree>
       <p:nvGrpSpPr>
         <p:cNvPr id="1" name=""/>
         <p:cNvGrpSpPr/>
         <p:nvPr/>
       </p:nvGrpSpPr>
-      <p:grpSpPr/>
+      <p:grpSpPr>
+        <a:xfrm>
+          <a:off x="0" y="0"/>
+          <a:ext cx="0" cy="0"/>
+          <a:chOff x="0" y="0"/>
+          <a:chExt cx="0" cy="0"/>
+        </a:xfrm>
+      </p:grpSpPr>
       <p:sp>
         <p:nvSpPr>
           <p:cNvPr id="2" name="Title 1"/>
@@ -4295,12 +4501,13 @@
         <p:spPr/>
         <p:txBody>
           <a:bodyPr/>
-          <a:p>
-            <a:r>
-              <a:rPr lang="fr-FR" altLang="en-US"/>
+          <a:lstStyle/>
+          <a:p>
+            <a:r>
+              <a:rPr lang="fr-FR" altLang="en-US" dirty="0" err="1"/>
               <a:t>Symbols</a:t>
             </a:r>
-            <a:endParaRPr lang="fr-FR" altLang="en-US"/>
+            <a:endParaRPr lang="fr-FR" altLang="en-US" dirty="0"/>
           </a:p>
         </p:txBody>
       </p:sp>
@@ -4317,33 +4524,85 @@
         <p:spPr/>
         <p:txBody>
           <a:bodyPr anchor="ctr" anchorCtr="0"/>
-          <a:p>
-            <a:r>
-              <a:rPr lang="fr-FR" altLang="en-US" sz="2800"/>
-              <a:t>Single unicode character</a:t>
-            </a:r>
-            <a:endParaRPr lang="fr-FR" altLang="en-US" sz="2800"/>
-          </a:p>
-          <a:p>
-            <a:r>
-              <a:rPr lang="fr-FR" altLang="en-US" sz="2800"/>
-              <a:t>Hard to read but less space</a:t>
-            </a:r>
-            <a:endParaRPr lang="fr-FR" altLang="en-US" sz="2800"/>
-          </a:p>
-          <a:p>
-            <a:r>
-              <a:rPr lang="fr-FR" altLang="en-US" sz="2800"/>
-              <a:t>Full name available</a:t>
-            </a:r>
-            <a:endParaRPr lang="fr-FR" altLang="en-US" sz="2800"/>
-          </a:p>
-          <a:p>
-            <a:r>
-              <a:rPr lang="fr-FR" altLang="en-US" sz="2800"/>
-              <a:t>IDE integration (LSP)</a:t>
-            </a:r>
-            <a:endParaRPr lang="fr-FR" altLang="en-US" sz="2800"/>
+          <a:lstStyle/>
+          <a:p>
+            <a:r>
+              <a:rPr lang="fr-FR" altLang="en-US" sz="2800" dirty="0"/>
+              <a:t>Single </a:t>
+            </a:r>
+            <a:r>
+              <a:rPr lang="fr-FR" altLang="en-US" sz="2800" dirty="0" err="1"/>
+              <a:t>unicode</a:t>
+            </a:r>
+            <a:r>
+              <a:rPr lang="fr-FR" altLang="en-US" sz="2800" dirty="0"/>
+              <a:t> </a:t>
+            </a:r>
+            <a:r>
+              <a:rPr lang="fr-FR" altLang="en-US" sz="2800" dirty="0" err="1"/>
+              <a:t>character</a:t>
+            </a:r>
+            <a:endParaRPr lang="fr-FR" altLang="en-US" sz="2800" dirty="0"/>
+          </a:p>
+          <a:p>
+            <a:r>
+              <a:rPr lang="fr-FR" altLang="en-US" sz="2800" dirty="0"/>
+              <a:t>Hard to </a:t>
+            </a:r>
+            <a:r>
+              <a:rPr lang="fr-FR" altLang="en-US" sz="2800" dirty="0" err="1"/>
+              <a:t>read</a:t>
+            </a:r>
+            <a:r>
+              <a:rPr lang="fr-FR" altLang="en-US" sz="2800" dirty="0"/>
+              <a:t> but </a:t>
+            </a:r>
+            <a:r>
+              <a:rPr lang="fr-FR" altLang="en-US" sz="2800" dirty="0" err="1"/>
+              <a:t>less</a:t>
+            </a:r>
+            <a:r>
+              <a:rPr lang="fr-FR" altLang="en-US" sz="2800" dirty="0"/>
+              <a:t> </a:t>
+            </a:r>
+            <a:r>
+              <a:rPr lang="fr-FR" altLang="en-US" sz="2800" dirty="0" err="1"/>
+              <a:t>space</a:t>
+            </a:r>
+            <a:endParaRPr lang="fr-FR" altLang="en-US" sz="2800" dirty="0"/>
+          </a:p>
+          <a:p>
+            <a:r>
+              <a:rPr lang="fr-FR" altLang="en-US" sz="2800" dirty="0"/>
+              <a:t>Full </a:t>
+            </a:r>
+            <a:r>
+              <a:rPr lang="fr-FR" altLang="en-US" sz="2800" dirty="0" err="1"/>
+              <a:t>name</a:t>
+            </a:r>
+            <a:r>
+              <a:rPr lang="fr-FR" altLang="en-US" sz="2800" dirty="0"/>
+              <a:t> </a:t>
+            </a:r>
+            <a:r>
+              <a:rPr lang="fr-FR" altLang="en-US" sz="2800" dirty="0" err="1"/>
+              <a:t>available</a:t>
+            </a:r>
+            <a:endParaRPr lang="fr-FR" altLang="en-US" sz="2800" dirty="0"/>
+          </a:p>
+          <a:p>
+            <a:r>
+              <a:rPr lang="fr-FR" altLang="en-US" sz="2800" dirty="0"/>
+              <a:t>IDE </a:t>
+            </a:r>
+            <a:r>
+              <a:rPr lang="fr-FR" altLang="en-US" sz="2800" dirty="0" err="1"/>
+              <a:t>integration</a:t>
+            </a:r>
+            <a:r>
+              <a:rPr lang="fr-FR" altLang="en-US" sz="2800" dirty="0"/>
+              <a:t> (LSP)</a:t>
+            </a:r>
           </a:p>
         </p:txBody>
       </p:sp>
@@ -4351,14 +4610,14 @@
         <p:nvPicPr>
           <p:cNvPr id="5" name="Content Placeholder 4" descr="symbols"/>
           <p:cNvPicPr>
-            <a:picLocks noChangeAspect="1"/>
+            <a:picLocks noGrp="1" noChangeAspect="1"/>
           </p:cNvPicPr>
           <p:nvPr>
             <p:ph sz="half" idx="2"/>
           </p:nvPr>
         </p:nvPicPr>
         <p:blipFill>
-          <a:blip r:embed="rId1"/>
+          <a:blip r:embed="rId3"/>
           <a:stretch>
             <a:fillRect/>
           </a:stretch>
@@ -4382,7 +4641,7 @@
           <p:nvPr/>
         </p:nvPicPr>
         <p:blipFill>
-          <a:blip r:embed="rId2"/>
+          <a:blip r:embed="rId4"/>
           <a:stretch>
             <a:fillRect/>
           </a:stretch>
@@ -4408,13 +4667,257 @@
 <file path=ppt/slides/slide6.xml><?xml version="1.0" encoding="utf-8"?>
 <p:sld xmlns:a="http://schemas.openxmlformats.org/drawingml/2006/main" xmlns:r="http://schemas.openxmlformats.org/officeDocument/2006/relationships" xmlns:p="http://schemas.openxmlformats.org/presentationml/2006/main">
   <p:cSld>
+    <p:bg>
+      <p:bgPr>
+        <a:solidFill>
+          <a:srgbClr val="1D2C3A"/>
+        </a:solidFill>
+        <a:effectLst/>
+      </p:bgPr>
+    </p:bg>
     <p:spTree>
       <p:nvGrpSpPr>
         <p:cNvPr id="1" name=""/>
         <p:cNvGrpSpPr/>
         <p:nvPr/>
       </p:nvGrpSpPr>
-      <p:grpSpPr/>
+      <p:grpSpPr>
+        <a:xfrm>
+          <a:off x="0" y="0"/>
+          <a:ext cx="0" cy="0"/>
+          <a:chOff x="0" y="0"/>
+          <a:chExt cx="0" cy="0"/>
+        </a:xfrm>
+      </p:grpSpPr>
+      <p:pic>
+        <p:nvPicPr>
+          <p:cNvPr id="6" name="Picture 5">
+            <a:extLst>
+              <a:ext uri="{FF2B5EF4-FFF2-40B4-BE49-F238E27FC236}">
+                <a16:creationId xmlns:a16="http://schemas.microsoft.com/office/drawing/2014/main" id="{B4EDB033-45E1-BAC8-C559-023C0D6C72E9}"/>
+              </a:ext>
+            </a:extLst>
+          </p:cNvPr>
+          <p:cNvPicPr>
+            <a:picLocks noChangeAspect="1"/>
+          </p:cNvPicPr>
+          <p:nvPr/>
+        </p:nvPicPr>
+        <p:blipFill>
+          <a:blip r:embed="rId2"/>
+          <a:stretch>
+            <a:fillRect/>
+          </a:stretch>
+        </p:blipFill>
+        <p:spPr>
+          <a:xfrm>
+            <a:off x="7351822" y="463248"/>
+            <a:ext cx="3530825" cy="5931504"/>
+          </a:xfrm>
+          <a:prstGeom prst="rect">
+            <a:avLst/>
+          </a:prstGeom>
+        </p:spPr>
+      </p:pic>
+      <p:sp>
+        <p:nvSpPr>
+          <p:cNvPr id="7" name="Title 1">
+            <a:extLst>
+              <a:ext uri="{FF2B5EF4-FFF2-40B4-BE49-F238E27FC236}">
+                <a16:creationId xmlns:a16="http://schemas.microsoft.com/office/drawing/2014/main" id="{BA883929-A075-59F8-7408-8E566281FF29}"/>
+              </a:ext>
+            </a:extLst>
+          </p:cNvPr>
+          <p:cNvSpPr>
+            <a:spLocks noGrp="1"/>
+          </p:cNvSpPr>
+          <p:nvPr>
+            <p:ph type="title"/>
+          </p:nvPr>
+        </p:nvSpPr>
+        <p:spPr>
+          <a:xfrm>
+            <a:off x="838200" y="365125"/>
+            <a:ext cx="6108700" cy="1325563"/>
+          </a:xfrm>
+        </p:spPr>
+        <p:txBody>
+          <a:bodyPr/>
+          <a:lstStyle/>
+          <a:p>
+            <a:r>
+              <a:rPr lang="fr-FR" altLang="en-US" dirty="0" err="1"/>
+              <a:t>Uiua</a:t>
+            </a:r>
+            <a:r>
+              <a:rPr lang="fr-FR" altLang="en-US" dirty="0"/>
+              <a:t> keyboard</a:t>
+            </a:r>
+          </a:p>
+        </p:txBody>
+      </p:sp>
+      <p:sp>
+        <p:nvSpPr>
+          <p:cNvPr id="8" name="Content Placeholder 2">
+            <a:extLst>
+              <a:ext uri="{FF2B5EF4-FFF2-40B4-BE49-F238E27FC236}">
+                <a16:creationId xmlns:a16="http://schemas.microsoft.com/office/drawing/2014/main" id="{D625BABA-0BFC-5F23-CA83-EC6CF9345C91}"/>
+              </a:ext>
+            </a:extLst>
+          </p:cNvPr>
+          <p:cNvSpPr>
+            <a:spLocks noGrp="1"/>
+          </p:cNvSpPr>
+          <p:nvPr>
+            <p:ph sz="half" idx="1"/>
+          </p:nvPr>
+        </p:nvSpPr>
+        <p:spPr>
+          <a:xfrm>
+            <a:off x="838200" y="1825625"/>
+            <a:ext cx="5803900" cy="4351338"/>
+          </a:xfrm>
+        </p:spPr>
+        <p:txBody>
+          <a:bodyPr anchor="ctr" anchorCtr="0"/>
+          <a:lstStyle/>
+          <a:p>
+            <a:pPr marL="0" indent="0">
+              <a:buNone/>
+            </a:pPr>
+            <a:r>
+              <a:rPr lang="fr-FR" altLang="en-US" dirty="0" err="1"/>
+              <a:t>Lists</a:t>
+            </a:r>
+            <a:r>
+              <a:rPr lang="fr-FR" altLang="en-US" dirty="0"/>
+              <a:t> </a:t>
+            </a:r>
+            <a:r>
+              <a:rPr lang="fr-FR" altLang="en-US" dirty="0" err="1"/>
+              <a:t>sortcuts</a:t>
+            </a:r>
+            <a:r>
+              <a:rPr lang="fr-FR" altLang="en-US" dirty="0"/>
+              <a:t> to all </a:t>
+            </a:r>
+            <a:r>
+              <a:rPr lang="fr-FR" altLang="en-US" dirty="0" err="1"/>
+              <a:t>Uiua</a:t>
+            </a:r>
+            <a:r>
+              <a:rPr lang="fr-FR" altLang="en-US" dirty="0"/>
+              <a:t> </a:t>
+            </a:r>
+            <a:r>
+              <a:rPr lang="fr-FR" altLang="en-US" dirty="0" err="1"/>
+              <a:t>functions</a:t>
+            </a:r>
+            <a:r>
+              <a:rPr lang="fr-FR" altLang="en-US" dirty="0"/>
+              <a:t>.</a:t>
+            </a:r>
+          </a:p>
+          <a:p>
+            <a:pPr marL="0" indent="0">
+              <a:buNone/>
+            </a:pPr>
+            <a:endParaRPr lang="fr-FR" altLang="en-US" sz="2800" dirty="0"/>
+          </a:p>
+          <a:p>
+            <a:pPr marL="0" indent="0">
+              <a:buNone/>
+            </a:pPr>
+            <a:r>
+              <a:rPr lang="fr-FR" altLang="en-US" dirty="0" err="1"/>
+              <a:t>Also</a:t>
+            </a:r>
+            <a:r>
+              <a:rPr lang="fr-FR" altLang="en-US" dirty="0"/>
+              <a:t> display a short </a:t>
+            </a:r>
+            <a:r>
+              <a:rPr lang="fr-FR" altLang="en-US" dirty="0" err="1"/>
+              <a:t>explanation</a:t>
+            </a:r>
+            <a:r>
+              <a:rPr lang="fr-FR" altLang="en-US" dirty="0"/>
+              <a:t> of a </a:t>
+            </a:r>
+            <a:r>
+              <a:rPr lang="fr-FR" altLang="en-US" dirty="0" err="1"/>
+              <a:t>symbol</a:t>
+            </a:r>
+            <a:r>
+              <a:rPr lang="fr-FR" altLang="en-US" dirty="0"/>
+              <a:t> </a:t>
+            </a:r>
+            <a:r>
+              <a:rPr lang="fr-FR" altLang="en-US" dirty="0" err="1"/>
+              <a:t>when</a:t>
+            </a:r>
+            <a:r>
+              <a:rPr lang="fr-FR" altLang="en-US" dirty="0"/>
+              <a:t> </a:t>
+            </a:r>
+            <a:r>
+              <a:rPr lang="fr-FR" altLang="en-US" dirty="0" err="1"/>
+              <a:t>hovering</a:t>
+            </a:r>
+            <a:r>
+              <a:rPr lang="fr-FR" altLang="en-US" dirty="0"/>
+              <a:t> </a:t>
+            </a:r>
+            <a:r>
+              <a:rPr lang="fr-FR" altLang="en-US" dirty="0" err="1"/>
+              <a:t>it</a:t>
+            </a:r>
+            <a:r>
+              <a:rPr lang="fr-FR" altLang="en-US" dirty="0"/>
+              <a:t>.</a:t>
+            </a:r>
+            <a:endParaRPr lang="fr-FR" altLang="en-US" sz="2800" dirty="0"/>
+          </a:p>
+        </p:txBody>
+      </p:sp>
+    </p:spTree>
+    <p:extLst>
+      <p:ext uri="{BB962C8B-B14F-4D97-AF65-F5344CB8AC3E}">
+        <p14:creationId xmlns:p14="http://schemas.microsoft.com/office/powerpoint/2010/main" val="3605462102"/>
+      </p:ext>
+    </p:extLst>
+  </p:cSld>
+  <p:clrMapOvr>
+    <a:masterClrMapping/>
+  </p:clrMapOvr>
+</p:sld>
+</file>
+
+<file path=ppt/slides/slide7.xml><?xml version="1.0" encoding="utf-8"?>
+<p:sld xmlns:a="http://schemas.openxmlformats.org/drawingml/2006/main" xmlns:r="http://schemas.openxmlformats.org/officeDocument/2006/relationships" xmlns:p="http://schemas.openxmlformats.org/presentationml/2006/main">
+  <p:cSld>
+    <p:bg>
+      <p:bgPr>
+        <a:solidFill>
+          <a:srgbClr val="1D2C3A"/>
+        </a:solidFill>
+        <a:effectLst/>
+      </p:bgPr>
+    </p:bg>
+    <p:spTree>
+      <p:nvGrpSpPr>
+        <p:cNvPr id="1" name=""/>
+        <p:cNvGrpSpPr/>
+        <p:nvPr/>
+      </p:nvGrpSpPr>
+      <p:grpSpPr>
+        <a:xfrm>
+          <a:off x="0" y="0"/>
+          <a:ext cx="0" cy="0"/>
+          <a:chOff x="0" y="0"/>
+          <a:chExt cx="0" cy="0"/>
+        </a:xfrm>
+      </p:grpSpPr>
       <p:sp>
         <p:nvSpPr>
           <p:cNvPr id="5" name="Title 4"/>
@@ -4428,12 +4931,12 @@
         <p:spPr/>
         <p:txBody>
           <a:bodyPr/>
+          <a:lstStyle/>
           <a:p>
             <a:r>
               <a:rPr lang="fr-FR" altLang="en-US"/>
               <a:t>Types</a:t>
             </a:r>
-            <a:endParaRPr lang="fr-FR" altLang="en-US"/>
           </a:p>
         </p:txBody>
       </p:sp>
@@ -4450,6 +4953,7 @@
         <p:spPr/>
         <p:txBody>
           <a:bodyPr anchor="ctr" anchorCtr="0"/>
+          <a:lstStyle/>
           <a:p>
             <a:r>
               <a:rPr lang="fr-FR" altLang="en-US"/>
@@ -4463,7 +4967,6 @@
               <a:rPr lang="fr-FR" altLang="en-US" sz="1800"/>
               <a:t>Int, float, complex</a:t>
             </a:r>
-            <a:endParaRPr lang="fr-FR" altLang="en-US" sz="1800"/>
           </a:p>
           <a:p>
             <a:pPr lvl="0"/>
@@ -4485,9 +4988,6 @@
               </a:rPr>
               <a:t>Multi-dimensional</a:t>
             </a:r>
-            <a:endParaRPr lang="fr-FR" altLang="en-US" sz="1800">
-              <a:sym typeface="+mn-ea"/>
-            </a:endParaRPr>
           </a:p>
           <a:p>
             <a:pPr lvl="1"/>
@@ -4519,7 +5019,6 @@
               <a:rPr lang="fr-FR" altLang="en-US" sz="1800"/>
               <a:t>Only 1 type per array</a:t>
             </a:r>
-            <a:endParaRPr lang="fr-FR" altLang="en-US" sz="1800"/>
           </a:p>
           <a:p>
             <a:pPr lvl="0"/>
@@ -4535,7 +5034,6 @@
               <a:rPr lang="fr-FR" altLang="en-US" sz="1800"/>
               <a:t>Strings as arrays of chars</a:t>
             </a:r>
-            <a:endParaRPr lang="fr-FR" altLang="en-US" sz="1800"/>
           </a:p>
           <a:p>
             <a:pPr lvl="0"/>
@@ -4559,14 +5057,14 @@
         <p:nvPicPr>
           <p:cNvPr id="11" name="Content Placeholder 10" descr="tmp"/>
           <p:cNvPicPr>
-            <a:picLocks noChangeAspect="1"/>
+            <a:picLocks noGrp="1" noChangeAspect="1"/>
           </p:cNvPicPr>
           <p:nvPr>
             <p:ph sz="half" idx="2"/>
           </p:nvPr>
         </p:nvPicPr>
         <p:blipFill>
-          <a:blip r:embed="rId1"/>
+          <a:blip r:embed="rId2"/>
           <a:stretch>
             <a:fillRect/>
           </a:stretch>
@@ -4590,7 +5088,7 @@
           <p:nvPr/>
         </p:nvPicPr>
         <p:blipFill>
-          <a:blip r:embed="rId2"/>
+          <a:blip r:embed="rId3"/>
           <a:stretch>
             <a:fillRect/>
           </a:stretch>
@@ -4613,16 +5111,31 @@
 </p:sld>
 </file>
 
-<file path=ppt/slides/slide7.xml><?xml version="1.0" encoding="utf-8"?>
+<file path=ppt/slides/slide8.xml><?xml version="1.0" encoding="utf-8"?>
 <p:sld xmlns:a="http://schemas.openxmlformats.org/drawingml/2006/main" xmlns:r="http://schemas.openxmlformats.org/officeDocument/2006/relationships" xmlns:p="http://schemas.openxmlformats.org/presentationml/2006/main">
   <p:cSld>
+    <p:bg>
+      <p:bgPr>
+        <a:solidFill>
+          <a:srgbClr val="1D2C3A"/>
+        </a:solidFill>
+        <a:effectLst/>
+      </p:bgPr>
+    </p:bg>
     <p:spTree>
       <p:nvGrpSpPr>
         <p:cNvPr id="1" name=""/>
         <p:cNvGrpSpPr/>
         <p:nvPr/>
       </p:nvGrpSpPr>
-      <p:grpSpPr/>
+      <p:grpSpPr>
+        <a:xfrm>
+          <a:off x="0" y="0"/>
+          <a:ext cx="0" cy="0"/>
+          <a:chOff x="0" y="0"/>
+          <a:chExt cx="0" cy="0"/>
+        </a:xfrm>
+      </p:grpSpPr>
       <p:sp>
         <p:nvSpPr>
           <p:cNvPr id="5" name="Title 4"/>
@@ -4636,12 +5149,12 @@
         <p:spPr/>
         <p:txBody>
           <a:bodyPr/>
+          <a:lstStyle/>
           <a:p>
             <a:r>
               <a:rPr lang="fr-FR" altLang="en-US"/>
               <a:t>Functions</a:t>
             </a:r>
-            <a:endParaRPr lang="fr-FR" altLang="en-US"/>
           </a:p>
         </p:txBody>
       </p:sp>
@@ -4658,26 +5171,24 @@
         <p:spPr/>
         <p:txBody>
           <a:bodyPr anchor="ctr" anchorCtr="0"/>
+          <a:lstStyle/>
           <a:p>
             <a:r>
               <a:rPr lang="fr-FR" altLang="en-US" sz="2400"/>
               <a:t>Not a type</a:t>
             </a:r>
-            <a:endParaRPr lang="fr-FR" altLang="en-US" sz="2400"/>
           </a:p>
           <a:p>
             <a:r>
               <a:rPr lang="fr-FR" altLang="en-US" sz="2400"/>
               <a:t>Inferable signature</a:t>
             </a:r>
-            <a:endParaRPr lang="fr-FR" altLang="en-US" sz="2400"/>
           </a:p>
           <a:p>
             <a:r>
               <a:rPr lang="fr-FR" altLang="en-US" sz="2400"/>
               <a:t>No named params (stack)</a:t>
             </a:r>
-            <a:endParaRPr lang="fr-FR" altLang="en-US" sz="2400"/>
           </a:p>
           <a:p>
             <a:endParaRPr lang="fr-FR" altLang="en-US" sz="2400"/>
@@ -4687,7 +5198,6 @@
               <a:rPr lang="fr-FR" altLang="en-US" sz="2400"/>
               <a:t>Pervasives operations</a:t>
             </a:r>
-            <a:endParaRPr lang="fr-FR" altLang="en-US" sz="2400"/>
           </a:p>
           <a:p>
             <a:endParaRPr lang="fr-FR" altLang="en-US" sz="2400"/>
@@ -4697,7 +5207,6 @@
               <a:rPr lang="fr-FR" altLang="en-US" sz="2400"/>
               <a:t>System functions</a:t>
             </a:r>
-            <a:endParaRPr lang="fr-FR" altLang="en-US" sz="2400"/>
           </a:p>
           <a:p>
             <a:pPr lvl="1"/>
@@ -4705,14 +5214,12 @@
               <a:rPr lang="fr-FR" altLang="en-US" sz="2160"/>
               <a:t>Media types</a:t>
             </a:r>
-            <a:endParaRPr lang="fr-FR" altLang="en-US" sz="2160"/>
           </a:p>
           <a:p>
             <a:r>
               <a:rPr lang="fr-FR" altLang="en-US" sz="2400"/>
               <a:t>FFI</a:t>
             </a:r>
-            <a:endParaRPr lang="fr-FR" altLang="en-US" sz="2400"/>
           </a:p>
         </p:txBody>
       </p:sp>
@@ -4724,19 +5231,34 @@
 </p:sld>
 </file>
 
-<file path=ppt/slides/slide8.xml><?xml version="1.0" encoding="utf-8"?>
+<file path=ppt/slides/slide9.xml><?xml version="1.0" encoding="utf-8"?>
 <p:sld xmlns:a="http://schemas.openxmlformats.org/drawingml/2006/main" xmlns:r="http://schemas.openxmlformats.org/officeDocument/2006/relationships" xmlns:p="http://schemas.openxmlformats.org/presentationml/2006/main">
   <p:cSld>
+    <p:bg>
+      <p:bgPr>
+        <a:solidFill>
+          <a:srgbClr val="1D2C3A"/>
+        </a:solidFill>
+        <a:effectLst/>
+      </p:bgPr>
+    </p:bg>
     <p:spTree>
       <p:nvGrpSpPr>
         <p:cNvPr id="1" name=""/>
         <p:cNvGrpSpPr/>
         <p:nvPr/>
       </p:nvGrpSpPr>
-      <p:grpSpPr/>
-      <p:sp>
-        <p:nvSpPr>
-          <p:cNvPr id="2" name="Title 1"/>
+      <p:grpSpPr>
+        <a:xfrm>
+          <a:off x="0" y="0"/>
+          <a:ext cx="0" cy="0"/>
+          <a:chOff x="0" y="0"/>
+          <a:chExt cx="0" cy="0"/>
+        </a:xfrm>
+      </p:grpSpPr>
+      <p:sp>
+        <p:nvSpPr>
+          <p:cNvPr id="5" name="Title 4"/>
           <p:cNvSpPr>
             <a:spLocks noGrp="1"/>
           </p:cNvSpPr>
@@ -4747,102 +5269,528 @@
         <p:spPr/>
         <p:txBody>
           <a:bodyPr/>
-          <a:p>
-            <a:r>
-              <a:rPr lang="fr-FR" altLang="en-US"/>
-              <a:t>Project</a:t>
-            </a:r>
-            <a:endParaRPr lang="fr-FR" altLang="en-US"/>
-          </a:p>
-        </p:txBody>
-      </p:sp>
-      <p:sp>
-        <p:nvSpPr>
-          <p:cNvPr id="3" name="Content Placeholder 2"/>
-          <p:cNvSpPr>
-            <a:spLocks noGrp="1"/>
-          </p:cNvSpPr>
-          <p:nvPr>
-            <p:ph idx="1"/>
-          </p:nvPr>
-        </p:nvSpPr>
-        <p:spPr/>
-        <p:txBody>
-          <a:bodyPr anchor="ctr" anchorCtr="0"/>
-          <a:p>
-            <a:r>
-              <a:rPr lang="fr-FR" altLang="en-US"/>
-              <a:t>Image creation app</a:t>
-            </a:r>
-            <a:endParaRPr lang="fr-FR" altLang="en-US"/>
-          </a:p>
-          <a:p>
-            <a:endParaRPr lang="fr-FR" altLang="en-US"/>
-          </a:p>
-          <a:p>
-            <a:r>
-              <a:rPr lang="fr-FR" altLang="en-US"/>
-              <a:t>Array manipulation</a:t>
-            </a:r>
-            <a:endParaRPr lang="fr-FR" altLang="en-US"/>
-          </a:p>
-          <a:p>
-            <a:pPr lvl="1"/>
-            <a:r>
-              <a:rPr lang="fr-FR" altLang="en-US"/>
-              <a:t>Predefined shapes</a:t>
-            </a:r>
-            <a:endParaRPr lang="fr-FR" altLang="en-US"/>
-          </a:p>
-          <a:p>
-            <a:pPr lvl="1"/>
-            <a:r>
-              <a:rPr lang="fr-FR" altLang="en-US"/>
-              <a:t>Curves</a:t>
-            </a:r>
-            <a:endParaRPr lang="fr-FR" altLang="en-US"/>
-          </a:p>
-          <a:p>
-            <a:endParaRPr lang="fr-FR" altLang="en-US"/>
-          </a:p>
-          <a:p>
-            <a:r>
-              <a:rPr lang="fr-FR" altLang="en-US"/>
-              <a:t>Saving in different formats</a:t>
-            </a:r>
-            <a:endParaRPr lang="fr-FR" altLang="en-US"/>
-          </a:p>
-          <a:p>
-            <a:pPr lvl="1"/>
-            <a:r>
-              <a:rPr lang="fr-FR" altLang="en-US" sz="1800"/>
-              <a:t>System functions</a:t>
-            </a:r>
-            <a:endParaRPr lang="fr-FR" altLang="en-US" sz="1800"/>
-          </a:p>
-          <a:p>
-            <a:pPr lvl="1"/>
-            <a:endParaRPr lang="fr-FR" altLang="en-US"/>
-          </a:p>
-          <a:p>
-            <a:pPr lvl="0"/>
-            <a:r>
-              <a:rPr lang="fr-FR" altLang="en-US" sz="2000"/>
-              <a:t>Graphical interface</a:t>
-            </a:r>
-            <a:endParaRPr lang="fr-FR" altLang="en-US" sz="2000"/>
-          </a:p>
-          <a:p>
-            <a:pPr lvl="1"/>
-            <a:r>
-              <a:rPr lang="fr-FR" altLang="en-US" sz="1800"/>
-              <a:t>FFI</a:t>
-            </a:r>
-            <a:endParaRPr lang="fr-FR" altLang="en-US"/>
+          <a:lstStyle/>
+          <a:p>
+            <a:r>
+              <a:rPr lang="fr-FR" altLang="en-US" dirty="0" err="1"/>
+              <a:t>Function</a:t>
+            </a:r>
+            <a:r>
+              <a:rPr lang="fr-FR" altLang="en-US" dirty="0"/>
+              <a:t> </a:t>
+            </a:r>
+            <a:r>
+              <a:rPr lang="fr-FR" altLang="en-US" dirty="0" err="1"/>
+              <a:t>Examples</a:t>
+            </a:r>
+            <a:endParaRPr lang="fr-FR" altLang="en-US" dirty="0"/>
+          </a:p>
+        </p:txBody>
+      </p:sp>
+      <p:sp>
+        <p:nvSpPr>
+          <p:cNvPr id="2" name="Title 4">
+            <a:extLst>
+              <a:ext uri="{FF2B5EF4-FFF2-40B4-BE49-F238E27FC236}">
+                <a16:creationId xmlns:a16="http://schemas.microsoft.com/office/drawing/2014/main" id="{978D2E46-B0C5-0788-40DE-61AFD1AC867D}"/>
+              </a:ext>
+            </a:extLst>
+          </p:cNvPr>
+          <p:cNvSpPr txBox="1">
+            <a:spLocks/>
+          </p:cNvSpPr>
+          <p:nvPr/>
+        </p:nvSpPr>
+        <p:spPr>
+          <a:xfrm>
+            <a:off x="838200" y="1127125"/>
+            <a:ext cx="10515600" cy="1325563"/>
+          </a:xfrm>
+          <a:prstGeom prst="rect">
+            <a:avLst/>
+          </a:prstGeom>
+        </p:spPr>
+        <p:txBody>
+          <a:bodyPr vert="horz" lIns="91440" tIns="45720" rIns="91440" bIns="45720" rtlCol="0" anchor="ctr">
+            <a:normAutofit/>
+          </a:bodyPr>
+          <a:lstStyle>
+            <a:lvl1pPr algn="l" defTabSz="914400" rtl="0" eaLnBrk="1" latinLnBrk="0" hangingPunct="1">
+              <a:lnSpc>
+                <a:spcPct val="90000"/>
+              </a:lnSpc>
+              <a:spcBef>
+                <a:spcPct val="0"/>
+              </a:spcBef>
+              <a:buNone/>
+              <a:defRPr sz="4400" kern="1200">
+                <a:solidFill>
+                  <a:schemeClr val="tx1"/>
+                </a:solidFill>
+                <a:latin typeface="+mj-lt"/>
+                <a:ea typeface="+mj-ea"/>
+                <a:cs typeface="+mj-cs"/>
+              </a:defRPr>
+            </a:lvl1pPr>
+          </a:lstStyle>
+          <a:p>
+            <a:r>
+              <a:rPr lang="fr-FR" altLang="en-US" sz="3200" dirty="0" err="1">
+                <a:latin typeface="+mn-lt"/>
+              </a:rPr>
+              <a:t>Uiuisms</a:t>
+            </a:r>
+            <a:r>
+              <a:rPr lang="fr-FR" altLang="en-US" sz="3200" dirty="0">
+                <a:latin typeface="+mn-lt"/>
+              </a:rPr>
+              <a:t>:</a:t>
+            </a:r>
+          </a:p>
+        </p:txBody>
+      </p:sp>
+      <p:pic>
+        <p:nvPicPr>
+          <p:cNvPr id="8" name="Picture 7">
+            <a:extLst>
+              <a:ext uri="{FF2B5EF4-FFF2-40B4-BE49-F238E27FC236}">
+                <a16:creationId xmlns:a16="http://schemas.microsoft.com/office/drawing/2014/main" id="{18884A82-FC8A-DEEA-EAD3-4D84BE9035BD}"/>
+              </a:ext>
+            </a:extLst>
+          </p:cNvPr>
+          <p:cNvPicPr>
+            <a:picLocks noChangeAspect="1"/>
+          </p:cNvPicPr>
+          <p:nvPr/>
+        </p:nvPicPr>
+        <p:blipFill>
+          <a:blip r:embed="rId2"/>
+          <a:stretch>
+            <a:fillRect/>
+          </a:stretch>
+        </p:blipFill>
+        <p:spPr>
+          <a:xfrm>
+            <a:off x="5508508" y="2058914"/>
+            <a:ext cx="3286584" cy="533474"/>
+          </a:xfrm>
+          <a:prstGeom prst="rect">
+            <a:avLst/>
+          </a:prstGeom>
+        </p:spPr>
+      </p:pic>
+      <p:sp>
+        <p:nvSpPr>
+          <p:cNvPr id="9" name="Title 4">
+            <a:extLst>
+              <a:ext uri="{FF2B5EF4-FFF2-40B4-BE49-F238E27FC236}">
+                <a16:creationId xmlns:a16="http://schemas.microsoft.com/office/drawing/2014/main" id="{E66DB485-29B0-699F-052E-8EE93867E499}"/>
+              </a:ext>
+            </a:extLst>
+          </p:cNvPr>
+          <p:cNvSpPr txBox="1">
+            <a:spLocks/>
+          </p:cNvSpPr>
+          <p:nvPr/>
+        </p:nvSpPr>
+        <p:spPr>
+          <a:xfrm>
+            <a:off x="838200" y="2058914"/>
+            <a:ext cx="4521558" cy="533474"/>
+          </a:xfrm>
+          <a:prstGeom prst="rect">
+            <a:avLst/>
+          </a:prstGeom>
+        </p:spPr>
+        <p:txBody>
+          <a:bodyPr vert="horz" lIns="91440" tIns="45720" rIns="91440" bIns="45720" rtlCol="0" anchor="ctr">
+            <a:normAutofit/>
+          </a:bodyPr>
+          <a:lstStyle>
+            <a:lvl1pPr algn="l" defTabSz="914400" rtl="0" eaLnBrk="1" latinLnBrk="0" hangingPunct="1">
+              <a:lnSpc>
+                <a:spcPct val="90000"/>
+              </a:lnSpc>
+              <a:spcBef>
+                <a:spcPct val="0"/>
+              </a:spcBef>
+              <a:buNone/>
+              <a:defRPr sz="4400" kern="1200">
+                <a:solidFill>
+                  <a:schemeClr val="tx1"/>
+                </a:solidFill>
+                <a:latin typeface="+mj-lt"/>
+                <a:ea typeface="+mj-ea"/>
+                <a:cs typeface="+mj-cs"/>
+              </a:defRPr>
+            </a:lvl1pPr>
+          </a:lstStyle>
+          <a:p>
+            <a:r>
+              <a:rPr lang="en-GB" altLang="en-US" sz="2400" dirty="0">
+                <a:latin typeface="+mn-lt"/>
+              </a:rPr>
+              <a:t>Find the nth </a:t>
+            </a:r>
+            <a:r>
+              <a:rPr lang="en-GB" altLang="en-US" sz="2400" dirty="0" err="1">
+                <a:latin typeface="+mn-lt"/>
+              </a:rPr>
+              <a:t>fibonacci</a:t>
+            </a:r>
+            <a:r>
+              <a:rPr lang="en-GB" altLang="en-US" sz="2400" dirty="0">
+                <a:latin typeface="+mn-lt"/>
+              </a:rPr>
+              <a:t> number</a:t>
+            </a:r>
+            <a:endParaRPr lang="fr-FR" altLang="en-US" sz="2400" dirty="0">
+              <a:latin typeface="+mn-lt"/>
+            </a:endParaRPr>
+          </a:p>
+        </p:txBody>
+      </p:sp>
+      <p:pic>
+        <p:nvPicPr>
+          <p:cNvPr id="11" name="Picture 10">
+            <a:extLst>
+              <a:ext uri="{FF2B5EF4-FFF2-40B4-BE49-F238E27FC236}">
+                <a16:creationId xmlns:a16="http://schemas.microsoft.com/office/drawing/2014/main" id="{A040FD24-CF71-A188-F8D6-F7C6A57493DB}"/>
+              </a:ext>
+            </a:extLst>
+          </p:cNvPr>
+          <p:cNvPicPr>
+            <a:picLocks noChangeAspect="1"/>
+          </p:cNvPicPr>
+          <p:nvPr/>
+        </p:nvPicPr>
+        <p:blipFill>
+          <a:blip r:embed="rId3"/>
+          <a:stretch>
+            <a:fillRect/>
+          </a:stretch>
+        </p:blipFill>
+        <p:spPr>
+          <a:xfrm>
+            <a:off x="5508508" y="3067018"/>
+            <a:ext cx="4534533" cy="457264"/>
+          </a:xfrm>
+          <a:prstGeom prst="rect">
+            <a:avLst/>
+          </a:prstGeom>
+        </p:spPr>
+      </p:pic>
+      <p:sp>
+        <p:nvSpPr>
+          <p:cNvPr id="12" name="Title 4">
+            <a:extLst>
+              <a:ext uri="{FF2B5EF4-FFF2-40B4-BE49-F238E27FC236}">
+                <a16:creationId xmlns:a16="http://schemas.microsoft.com/office/drawing/2014/main" id="{30248D0F-3396-9E87-5938-AD978F6AD76B}"/>
+              </a:ext>
+            </a:extLst>
+          </p:cNvPr>
+          <p:cNvSpPr txBox="1">
+            <a:spLocks/>
+          </p:cNvSpPr>
+          <p:nvPr/>
+        </p:nvSpPr>
+        <p:spPr>
+          <a:xfrm>
+            <a:off x="838200" y="3028913"/>
+            <a:ext cx="4521558" cy="533474"/>
+          </a:xfrm>
+          <a:prstGeom prst="rect">
+            <a:avLst/>
+          </a:prstGeom>
+        </p:spPr>
+        <p:txBody>
+          <a:bodyPr vert="horz" lIns="91440" tIns="45720" rIns="91440" bIns="45720" rtlCol="0" anchor="ctr">
+            <a:normAutofit/>
+          </a:bodyPr>
+          <a:lstStyle>
+            <a:lvl1pPr algn="l" defTabSz="914400" rtl="0" eaLnBrk="1" latinLnBrk="0" hangingPunct="1">
+              <a:lnSpc>
+                <a:spcPct val="90000"/>
+              </a:lnSpc>
+              <a:spcBef>
+                <a:spcPct val="0"/>
+              </a:spcBef>
+              <a:buNone/>
+              <a:defRPr sz="4400" kern="1200">
+                <a:solidFill>
+                  <a:schemeClr val="tx1"/>
+                </a:solidFill>
+                <a:latin typeface="+mj-lt"/>
+                <a:ea typeface="+mj-ea"/>
+                <a:cs typeface="+mj-cs"/>
+              </a:defRPr>
+            </a:lvl1pPr>
+          </a:lstStyle>
+          <a:p>
+            <a:r>
+              <a:rPr lang="en-GB" altLang="en-US" sz="2400" dirty="0">
+                <a:latin typeface="+mn-lt"/>
+              </a:rPr>
+              <a:t>Dot product</a:t>
+            </a:r>
+            <a:endParaRPr lang="fr-FR" altLang="en-US" sz="2400" dirty="0">
+              <a:latin typeface="+mn-lt"/>
+            </a:endParaRPr>
+          </a:p>
+        </p:txBody>
+      </p:sp>
+      <p:sp>
+        <p:nvSpPr>
+          <p:cNvPr id="13" name="Title 4">
+            <a:extLst>
+              <a:ext uri="{FF2B5EF4-FFF2-40B4-BE49-F238E27FC236}">
+                <a16:creationId xmlns:a16="http://schemas.microsoft.com/office/drawing/2014/main" id="{115509B3-F663-B784-B37B-36097158B1BD}"/>
+              </a:ext>
+            </a:extLst>
+          </p:cNvPr>
+          <p:cNvSpPr txBox="1">
+            <a:spLocks/>
+          </p:cNvSpPr>
+          <p:nvPr/>
+        </p:nvSpPr>
+        <p:spPr>
+          <a:xfrm>
+            <a:off x="838200" y="3562387"/>
+            <a:ext cx="10515600" cy="1325563"/>
+          </a:xfrm>
+          <a:prstGeom prst="rect">
+            <a:avLst/>
+          </a:prstGeom>
+        </p:spPr>
+        <p:txBody>
+          <a:bodyPr vert="horz" lIns="91440" tIns="45720" rIns="91440" bIns="45720" rtlCol="0" anchor="ctr">
+            <a:normAutofit/>
+          </a:bodyPr>
+          <a:lstStyle>
+            <a:lvl1pPr algn="l" defTabSz="914400" rtl="0" eaLnBrk="1" latinLnBrk="0" hangingPunct="1">
+              <a:lnSpc>
+                <a:spcPct val="90000"/>
+              </a:lnSpc>
+              <a:spcBef>
+                <a:spcPct val="0"/>
+              </a:spcBef>
+              <a:buNone/>
+              <a:defRPr sz="4400" kern="1200">
+                <a:solidFill>
+                  <a:schemeClr val="tx1"/>
+                </a:solidFill>
+                <a:latin typeface="+mj-lt"/>
+                <a:ea typeface="+mj-ea"/>
+                <a:cs typeface="+mj-cs"/>
+              </a:defRPr>
+            </a:lvl1pPr>
+          </a:lstStyle>
+          <a:p>
+            <a:r>
+              <a:rPr lang="fr-FR" altLang="en-US" sz="3200" dirty="0">
+                <a:latin typeface="+mn-lt"/>
+              </a:rPr>
+              <a:t>Stack-</a:t>
+            </a:r>
+            <a:r>
+              <a:rPr lang="fr-FR" altLang="en-US" sz="3200" dirty="0" err="1">
+                <a:latin typeface="+mn-lt"/>
+              </a:rPr>
+              <a:t>idioms</a:t>
+            </a:r>
+            <a:r>
+              <a:rPr lang="fr-FR" altLang="en-US" sz="3200" dirty="0">
+                <a:latin typeface="+mn-lt"/>
+              </a:rPr>
+              <a:t>:</a:t>
+            </a:r>
+          </a:p>
+        </p:txBody>
+      </p:sp>
+      <p:pic>
+        <p:nvPicPr>
+          <p:cNvPr id="15" name="Picture 14">
+            <a:extLst>
+              <a:ext uri="{FF2B5EF4-FFF2-40B4-BE49-F238E27FC236}">
+                <a16:creationId xmlns:a16="http://schemas.microsoft.com/office/drawing/2014/main" id="{05765B68-5F6D-2454-EF9E-DFD45A34B307}"/>
+              </a:ext>
+            </a:extLst>
+          </p:cNvPr>
+          <p:cNvPicPr>
+            <a:picLocks noChangeAspect="1"/>
+          </p:cNvPicPr>
+          <p:nvPr/>
+        </p:nvPicPr>
+        <p:blipFill>
+          <a:blip r:embed="rId4"/>
+          <a:stretch>
+            <a:fillRect/>
+          </a:stretch>
+        </p:blipFill>
+        <p:spPr>
+          <a:xfrm>
+            <a:off x="774546" y="4557671"/>
+            <a:ext cx="2210108" cy="533474"/>
+          </a:xfrm>
+          <a:prstGeom prst="rect">
+            <a:avLst/>
+          </a:prstGeom>
+        </p:spPr>
+      </p:pic>
+      <p:sp>
+        <p:nvSpPr>
+          <p:cNvPr id="16" name="Title 4">
+            <a:extLst>
+              <a:ext uri="{FF2B5EF4-FFF2-40B4-BE49-F238E27FC236}">
+                <a16:creationId xmlns:a16="http://schemas.microsoft.com/office/drawing/2014/main" id="{A435AED9-3AFD-0F99-EC45-7AD7967A0B17}"/>
+              </a:ext>
+            </a:extLst>
+          </p:cNvPr>
+          <p:cNvSpPr txBox="1">
+            <a:spLocks/>
+          </p:cNvSpPr>
+          <p:nvPr/>
+        </p:nvSpPr>
+        <p:spPr>
+          <a:xfrm>
+            <a:off x="5359758" y="4557671"/>
+            <a:ext cx="4521558" cy="533474"/>
+          </a:xfrm>
+          <a:prstGeom prst="rect">
+            <a:avLst/>
+          </a:prstGeom>
+        </p:spPr>
+        <p:txBody>
+          <a:bodyPr vert="horz" lIns="91440" tIns="45720" rIns="91440" bIns="45720" rtlCol="0" anchor="ctr">
+            <a:normAutofit/>
+          </a:bodyPr>
+          <a:lstStyle>
+            <a:lvl1pPr algn="l" defTabSz="914400" rtl="0" eaLnBrk="1" latinLnBrk="0" hangingPunct="1">
+              <a:lnSpc>
+                <a:spcPct val="90000"/>
+              </a:lnSpc>
+              <a:spcBef>
+                <a:spcPct val="0"/>
+              </a:spcBef>
+              <a:buNone/>
+              <a:defRPr sz="4400" kern="1200">
+                <a:solidFill>
+                  <a:schemeClr val="tx1"/>
+                </a:solidFill>
+                <a:latin typeface="+mj-lt"/>
+                <a:ea typeface="+mj-ea"/>
+                <a:cs typeface="+mj-cs"/>
+              </a:defRPr>
+            </a:lvl1pPr>
+          </a:lstStyle>
+          <a:p>
+            <a:r>
+              <a:rPr lang="en-GB" altLang="en-US" sz="2400" dirty="0">
+                <a:latin typeface="+mn-lt"/>
+              </a:rPr>
+              <a:t>“ABAB”</a:t>
+            </a:r>
+            <a:endParaRPr lang="fr-FR" altLang="en-US" sz="2400" dirty="0">
+              <a:latin typeface="+mn-lt"/>
+            </a:endParaRPr>
+          </a:p>
+        </p:txBody>
+      </p:sp>
+      <p:pic>
+        <p:nvPicPr>
+          <p:cNvPr id="18" name="Picture 17">
+            <a:extLst>
+              <a:ext uri="{FF2B5EF4-FFF2-40B4-BE49-F238E27FC236}">
+                <a16:creationId xmlns:a16="http://schemas.microsoft.com/office/drawing/2014/main" id="{F3AAF025-F6D4-1F97-3ADE-90FF39211C0B}"/>
+              </a:ext>
+            </a:extLst>
+          </p:cNvPr>
+          <p:cNvPicPr>
+            <a:picLocks noChangeAspect="1"/>
+          </p:cNvPicPr>
+          <p:nvPr/>
+        </p:nvPicPr>
+        <p:blipFill>
+          <a:blip r:embed="rId5"/>
+          <a:stretch>
+            <a:fillRect/>
+          </a:stretch>
+        </p:blipFill>
+        <p:spPr>
+          <a:xfrm>
+            <a:off x="888840" y="5443501"/>
+            <a:ext cx="2286319" cy="447737"/>
+          </a:xfrm>
+          <a:prstGeom prst="rect">
+            <a:avLst/>
+          </a:prstGeom>
+        </p:spPr>
+      </p:pic>
+      <p:sp>
+        <p:nvSpPr>
+          <p:cNvPr id="19" name="Title 4">
+            <a:extLst>
+              <a:ext uri="{FF2B5EF4-FFF2-40B4-BE49-F238E27FC236}">
+                <a16:creationId xmlns:a16="http://schemas.microsoft.com/office/drawing/2014/main" id="{E30E8047-6284-1757-7B56-A494071E72C7}"/>
+              </a:ext>
+            </a:extLst>
+          </p:cNvPr>
+          <p:cNvSpPr txBox="1">
+            <a:spLocks/>
+          </p:cNvSpPr>
+          <p:nvPr/>
+        </p:nvSpPr>
+        <p:spPr>
+          <a:xfrm>
+            <a:off x="5359758" y="5400632"/>
+            <a:ext cx="4521558" cy="533474"/>
+          </a:xfrm>
+          <a:prstGeom prst="rect">
+            <a:avLst/>
+          </a:prstGeom>
+        </p:spPr>
+        <p:txBody>
+          <a:bodyPr vert="horz" lIns="91440" tIns="45720" rIns="91440" bIns="45720" rtlCol="0" anchor="ctr">
+            <a:normAutofit/>
+          </a:bodyPr>
+          <a:lstStyle>
+            <a:lvl1pPr algn="l" defTabSz="914400" rtl="0" eaLnBrk="1" latinLnBrk="0" hangingPunct="1">
+              <a:lnSpc>
+                <a:spcPct val="90000"/>
+              </a:lnSpc>
+              <a:spcBef>
+                <a:spcPct val="0"/>
+              </a:spcBef>
+              <a:buNone/>
+              <a:defRPr sz="4400" kern="1200">
+                <a:solidFill>
+                  <a:schemeClr val="tx1"/>
+                </a:solidFill>
+                <a:latin typeface="+mj-lt"/>
+                <a:ea typeface="+mj-ea"/>
+                <a:cs typeface="+mj-cs"/>
+              </a:defRPr>
+            </a:lvl1pPr>
+          </a:lstStyle>
+          <a:p>
+            <a:r>
+              <a:rPr lang="en-GB" altLang="en-US" sz="2400" dirty="0">
+                <a:latin typeface="+mn-lt"/>
+              </a:rPr>
+              <a:t>“BAA”</a:t>
+            </a:r>
+            <a:endParaRPr lang="fr-FR" altLang="en-US" sz="2400" dirty="0">
+              <a:latin typeface="+mn-lt"/>
+            </a:endParaRPr>
           </a:p>
         </p:txBody>
       </p:sp>
     </p:spTree>
+    <p:extLst>
+      <p:ext uri="{BB962C8B-B14F-4D97-AF65-F5344CB8AC3E}">
+        <p14:creationId xmlns:p14="http://schemas.microsoft.com/office/powerpoint/2010/main" val="917094372"/>
+      </p:ext>
+    </p:extLst>
   </p:cSld>
   <p:clrMapOvr>
     <a:masterClrMapping/>
@@ -4851,59 +5799,119 @@
 </file>
 
 <file path=ppt/theme/theme1.xml><?xml version="1.0" encoding="utf-8"?>
-<a:theme xmlns:a="http://schemas.openxmlformats.org/drawingml/2006/main" name="Default Design">
+<a:theme xmlns:a="http://schemas.openxmlformats.org/drawingml/2006/main" name="Office 2013 - 2022 Theme">
   <a:themeElements>
-    <a:clrScheme name="">
+    <a:clrScheme name="Custom 1">
       <a:dk1>
-        <a:srgbClr val="000000"/>
+        <a:srgbClr val="1D2C3A"/>
       </a:dk1>
       <a:lt1>
-        <a:srgbClr val="FFFFFF"/>
+        <a:sysClr val="window" lastClr="FFFFFF"/>
       </a:lt1>
       <a:dk2>
-        <a:srgbClr val="000000"/>
+        <a:srgbClr val="44546A"/>
       </a:dk2>
       <a:lt2>
-        <a:srgbClr val="808080"/>
+        <a:srgbClr val="E7E6E6"/>
       </a:lt2>
       <a:accent1>
-        <a:srgbClr val="7DB6EF"/>
+        <a:srgbClr val="4472C4"/>
       </a:accent1>
       <a:accent2>
-        <a:srgbClr val="C0504D"/>
+        <a:srgbClr val="ED7D31"/>
       </a:accent2>
       <a:accent3>
-        <a:srgbClr val="FFFFFF"/>
+        <a:srgbClr val="A5A5A5"/>
       </a:accent3>
       <a:accent4>
-        <a:srgbClr val="000000"/>
+        <a:srgbClr val="FFC000"/>
       </a:accent4>
       <a:accent5>
-        <a:srgbClr val="C0D7F5"/>
+        <a:srgbClr val="5B9BD5"/>
       </a:accent5>
       <a:accent6>
-        <a:srgbClr val="AC4744"/>
+        <a:srgbClr val="70AD47"/>
       </a:accent6>
       <a:hlink>
-        <a:srgbClr val="0066CC"/>
+        <a:srgbClr val="0563C1"/>
       </a:hlink>
       <a:folHlink>
-        <a:srgbClr val="800080"/>
+        <a:srgbClr val="954F72"/>
       </a:folHlink>
     </a:clrScheme>
-    <a:fontScheme name="">
+    <a:fontScheme name="Arial">
       <a:majorFont>
-        <a:latin typeface="Arial"/>
-        <a:ea typeface="Arial"/>
+        <a:latin typeface="Arial" panose="020B0604020202020204"/>
+        <a:ea typeface=""/>
         <a:cs typeface=""/>
+        <a:font script="Jpan" typeface="ＭＳ Ｐゴシック"/>
+        <a:font script="Hang" typeface="굴림"/>
+        <a:font script="Hans" typeface="黑体"/>
+        <a:font script="Hant" typeface="微軟正黑體"/>
+        <a:font script="Arab" typeface="Arial"/>
+        <a:font script="Hebr" typeface="Arial"/>
+        <a:font script="Thai" typeface="Cordia New"/>
+        <a:font script="Ethi" typeface="Nyala"/>
+        <a:font script="Beng" typeface="Vrinda"/>
+        <a:font script="Gujr" typeface="Shruti"/>
+        <a:font script="Khmr" typeface="DaunPenh"/>
+        <a:font script="Knda" typeface="Tunga"/>
+        <a:font script="Guru" typeface="Raavi"/>
+        <a:font script="Cans" typeface="Euphemia"/>
+        <a:font script="Cher" typeface="Plantagenet Cherokee"/>
+        <a:font script="Yiii" typeface="Microsoft Yi Baiti"/>
+        <a:font script="Tibt" typeface="Microsoft Himalaya"/>
+        <a:font script="Thaa" typeface="MV Boli"/>
+        <a:font script="Deva" typeface="Mangal"/>
+        <a:font script="Telu" typeface="Gautami"/>
+        <a:font script="Taml" typeface="Latha"/>
+        <a:font script="Syrc" typeface="Estrangelo Edessa"/>
+        <a:font script="Orya" typeface="Kalinga"/>
+        <a:font script="Mlym" typeface="Kartika"/>
+        <a:font script="Laoo" typeface="DokChampa"/>
+        <a:font script="Sinh" typeface="Iskoola Pota"/>
+        <a:font script="Mong" typeface="Mongolian Baiti"/>
+        <a:font script="Viet" typeface="Arial"/>
+        <a:font script="Uigh" typeface="Microsoft Uighur"/>
+        <a:font script="Geor" typeface="Sylfaen"/>
       </a:majorFont>
       <a:minorFont>
-        <a:latin typeface="Arial"/>
-        <a:ea typeface="Arial"/>
+        <a:latin typeface="Arial" panose="020B0604020202020204"/>
+        <a:ea typeface=""/>
         <a:cs typeface=""/>
+        <a:font script="Jpan" typeface="ＭＳ Ｐゴシック"/>
+        <a:font script="Hang" typeface="굴림"/>
+        <a:font script="Hans" typeface="黑体"/>
+        <a:font script="Hant" typeface="微軟正黑體"/>
+        <a:font script="Arab" typeface="Arial"/>
+        <a:font script="Hebr" typeface="Arial"/>
+        <a:font script="Thai" typeface="Cordia New"/>
+        <a:font script="Ethi" typeface="Nyala"/>
+        <a:font script="Beng" typeface="Vrinda"/>
+        <a:font script="Gujr" typeface="Shruti"/>
+        <a:font script="Khmr" typeface="DaunPenh"/>
+        <a:font script="Knda" typeface="Tunga"/>
+        <a:font script="Guru" typeface="Raavi"/>
+        <a:font script="Cans" typeface="Euphemia"/>
+        <a:font script="Cher" typeface="Plantagenet Cherokee"/>
+        <a:font script="Yiii" typeface="Microsoft Yi Baiti"/>
+        <a:font script="Tibt" typeface="Microsoft Himalaya"/>
+        <a:font script="Thaa" typeface="MV Boli"/>
+        <a:font script="Deva" typeface="Mangal"/>
+        <a:font script="Telu" typeface="Gautami"/>
+        <a:font script="Taml" typeface="Latha"/>
+        <a:font script="Syrc" typeface="Estrangelo Edessa"/>
+        <a:font script="Orya" typeface="Kalinga"/>
+        <a:font script="Mlym" typeface="Kartika"/>
+        <a:font script="Laoo" typeface="DokChampa"/>
+        <a:font script="Sinh" typeface="Iskoola Pota"/>
+        <a:font script="Mong" typeface="Mongolian Baiti"/>
+        <a:font script="Viet" typeface="Arial"/>
+        <a:font script="Uigh" typeface="Microsoft Uighur"/>
+        <a:font script="Geor" typeface="Sylfaen"/>
       </a:minorFont>
     </a:fontScheme>
-    <a:fmtScheme name="Office">
+    <a:fmtScheme name="Office 2013 - 2022 Theme">
       <a:fillStyleLst>
         <a:solidFill>
           <a:schemeClr val="phClr"/>
@@ -5041,503 +6049,11 @@
       </a:bgFillStyleLst>
     </a:fmtScheme>
   </a:themeElements>
-  <a:extraClrSchemeLst>
-    <a:extraClrScheme>
-      <a:clrScheme name="">
-        <a:dk1>
-          <a:srgbClr val="000000"/>
-        </a:dk1>
-        <a:lt1>
-          <a:srgbClr val="FFFFFF"/>
-        </a:lt1>
-        <a:dk2>
-          <a:srgbClr val="000000"/>
-        </a:dk2>
-        <a:lt2>
-          <a:srgbClr val="969696"/>
-        </a:lt2>
-        <a:accent1>
-          <a:srgbClr val="FBDF53"/>
-        </a:accent1>
-        <a:accent2>
-          <a:srgbClr val="FF9966"/>
-        </a:accent2>
-        <a:accent3>
-          <a:srgbClr val="FFFFFF"/>
-        </a:accent3>
-        <a:accent4>
-          <a:srgbClr val="000000"/>
-        </a:accent4>
-        <a:accent5>
-          <a:srgbClr val="FDECB4"/>
-        </a:accent5>
-        <a:accent6>
-          <a:srgbClr val="E5895B"/>
-        </a:accent6>
-        <a:hlink>
-          <a:srgbClr val="CC3300"/>
-        </a:hlink>
-        <a:folHlink>
-          <a:srgbClr val="996600"/>
-        </a:folHlink>
-      </a:clrScheme>
-      <a:clrMap bg1="lt1" tx1="dk1" bg2="lt2" tx2="dk2" accent1="accent1" accent2="accent2" accent3="accent3" accent4="accent4" accent5="accent5" accent6="accent6" hlink="hlink" folHlink="folHlink"/>
-    </a:extraClrScheme>
-    <a:extraClrScheme>
-      <a:clrScheme name="">
-        <a:dk1>
-          <a:srgbClr val="000000"/>
-        </a:dk1>
-        <a:lt1>
-          <a:srgbClr val="FFFFFF"/>
-        </a:lt1>
-        <a:dk2>
-          <a:srgbClr val="000000"/>
-        </a:dk2>
-        <a:lt2>
-          <a:srgbClr val="808080"/>
-        </a:lt2>
-        <a:accent1>
-          <a:srgbClr val="99CCFF"/>
-        </a:accent1>
-        <a:accent2>
-          <a:srgbClr val="CCCCFF"/>
-        </a:accent2>
-        <a:accent3>
-          <a:srgbClr val="FFFFFF"/>
-        </a:accent3>
-        <a:accent4>
-          <a:srgbClr val="000000"/>
-        </a:accent4>
-        <a:accent5>
-          <a:srgbClr val="CAE2FF"/>
-        </a:accent5>
-        <a:accent6>
-          <a:srgbClr val="B7B7E5"/>
-        </a:accent6>
-        <a:hlink>
-          <a:srgbClr val="3333CC"/>
-        </a:hlink>
-        <a:folHlink>
-          <a:srgbClr val="AF67FF"/>
-        </a:folHlink>
-      </a:clrScheme>
-      <a:clrMap bg1="lt1" tx1="dk1" bg2="lt2" tx2="dk2" accent1="accent1" accent2="accent2" accent3="accent3" accent4="accent4" accent5="accent5" accent6="accent6" hlink="hlink" folHlink="folHlink"/>
-    </a:extraClrScheme>
-    <a:extraClrScheme>
-      <a:clrScheme name="">
-        <a:dk1>
-          <a:srgbClr val="000000"/>
-        </a:dk1>
-        <a:lt1>
-          <a:srgbClr val="DEF6F1"/>
-        </a:lt1>
-        <a:dk2>
-          <a:srgbClr val="000000"/>
-        </a:dk2>
-        <a:lt2>
-          <a:srgbClr val="969696"/>
-        </a:lt2>
-        <a:accent1>
-          <a:srgbClr val="FFFFFF"/>
-        </a:accent1>
-        <a:accent2>
-          <a:srgbClr val="8DC6FF"/>
-        </a:accent2>
-        <a:accent3>
-          <a:srgbClr val="EBFAF7"/>
-        </a:accent3>
-        <a:accent4>
-          <a:srgbClr val="000000"/>
-        </a:accent4>
-        <a:accent5>
-          <a:srgbClr val="FFFFFF"/>
-        </a:accent5>
-        <a:accent6>
-          <a:srgbClr val="7EB1E5"/>
-        </a:accent6>
-        <a:hlink>
-          <a:srgbClr val="0066CC"/>
-        </a:hlink>
-        <a:folHlink>
-          <a:srgbClr val="00A800"/>
-        </a:folHlink>
-      </a:clrScheme>
-      <a:clrMap bg1="lt1" tx1="dk1" bg2="lt2" tx2="dk2" accent1="accent1" accent2="accent2" accent3="accent3" accent4="accent4" accent5="accent5" accent6="accent6" hlink="hlink" folHlink="folHlink"/>
-    </a:extraClrScheme>
-    <a:extraClrScheme>
-      <a:clrScheme name="">
-        <a:dk1>
-          <a:srgbClr val="000000"/>
-        </a:dk1>
-        <a:lt1>
-          <a:srgbClr val="FFFFD9"/>
-        </a:lt1>
-        <a:dk2>
-          <a:srgbClr val="000000"/>
-        </a:dk2>
-        <a:lt2>
-          <a:srgbClr val="777777"/>
-        </a:lt2>
-        <a:accent1>
-          <a:srgbClr val="FFFFF7"/>
-        </a:accent1>
-        <a:accent2>
-          <a:srgbClr val="33CCCC"/>
-        </a:accent2>
-        <a:accent3>
-          <a:srgbClr val="FFFFE9"/>
-        </a:accent3>
-        <a:accent4>
-          <a:srgbClr val="000000"/>
-        </a:accent4>
-        <a:accent5>
-          <a:srgbClr val="FFFFFA"/>
-        </a:accent5>
-        <a:accent6>
-          <a:srgbClr val="2DB7B7"/>
-        </a:accent6>
-        <a:hlink>
-          <a:srgbClr val="FF5050"/>
-        </a:hlink>
-        <a:folHlink>
-          <a:srgbClr val="FF9900"/>
-        </a:folHlink>
-      </a:clrScheme>
-      <a:clrMap bg1="lt1" tx1="dk1" bg2="lt2" tx2="dk2" accent1="accent1" accent2="accent2" accent3="accent3" accent4="accent4" accent5="accent5" accent6="accent6" hlink="hlink" folHlink="folHlink"/>
-    </a:extraClrScheme>
-    <a:extraClrScheme>
-      <a:clrScheme name="">
-        <a:dk1>
-          <a:srgbClr val="FFFFFF"/>
-        </a:dk1>
-        <a:lt1>
-          <a:srgbClr val="008080"/>
-        </a:lt1>
-        <a:dk2>
-          <a:srgbClr val="FFFF99"/>
-        </a:dk2>
-        <a:lt2>
-          <a:srgbClr val="005A58"/>
-        </a:lt2>
-        <a:accent1>
-          <a:srgbClr val="006462"/>
-        </a:accent1>
-        <a:accent2>
-          <a:srgbClr val="6D6FC7"/>
-        </a:accent2>
-        <a:accent3>
-          <a:srgbClr val="AAC1C1"/>
-        </a:accent3>
-        <a:accent4>
-          <a:srgbClr val="DCDCDC"/>
-        </a:accent4>
-        <a:accent5>
-          <a:srgbClr val="AAB8B8"/>
-        </a:accent5>
-        <a:accent6>
-          <a:srgbClr val="6163B2"/>
-        </a:accent6>
-        <a:hlink>
-          <a:srgbClr val="00FFFF"/>
-        </a:hlink>
-        <a:folHlink>
-          <a:srgbClr val="00FF00"/>
-        </a:folHlink>
-      </a:clrScheme>
-      <a:clrMap bg1="lt1" tx1="dk1" bg2="lt2" tx2="dk2" accent1="accent1" accent2="accent2" accent3="accent3" accent4="accent4" accent5="accent5" accent6="accent6" hlink="hlink" folHlink="folHlink"/>
-    </a:extraClrScheme>
-    <a:extraClrScheme>
-      <a:clrScheme name="">
-        <a:dk1>
-          <a:srgbClr val="FFFFFF"/>
-        </a:dk1>
-        <a:lt1>
-          <a:srgbClr val="800000"/>
-        </a:lt1>
-        <a:dk2>
-          <a:srgbClr val="DFD293"/>
-        </a:dk2>
-        <a:lt2>
-          <a:srgbClr val="5C1F00"/>
-        </a:lt2>
-        <a:accent1>
-          <a:srgbClr val="CC3300"/>
-        </a:accent1>
-        <a:accent2>
-          <a:srgbClr val="BE7960"/>
-        </a:accent2>
-        <a:accent3>
-          <a:srgbClr val="C1AAAA"/>
-        </a:accent3>
-        <a:accent4>
-          <a:srgbClr val="DCDCDC"/>
-        </a:accent4>
-        <a:accent5>
-          <a:srgbClr val="E2ADAA"/>
-        </a:accent5>
-        <a:accent6>
-          <a:srgbClr val="AA6C55"/>
-        </a:accent6>
-        <a:hlink>
-          <a:srgbClr val="FFFF99"/>
-        </a:hlink>
-        <a:folHlink>
-          <a:srgbClr val="D3A219"/>
-        </a:folHlink>
-      </a:clrScheme>
-      <a:clrMap bg1="lt1" tx1="dk1" bg2="lt2" tx2="dk2" accent1="accent1" accent2="accent2" accent3="accent3" accent4="accent4" accent5="accent5" accent6="accent6" hlink="hlink" folHlink="folHlink"/>
-    </a:extraClrScheme>
-    <a:extraClrScheme>
-      <a:clrScheme name="">
-        <a:dk1>
-          <a:srgbClr val="FFFFFF"/>
-        </a:dk1>
-        <a:lt1>
-          <a:srgbClr val="000099"/>
-        </a:lt1>
-        <a:dk2>
-          <a:srgbClr val="CCFFFF"/>
-        </a:dk2>
-        <a:lt2>
-          <a:srgbClr val="003366"/>
-        </a:lt2>
-        <a:accent1>
-          <a:srgbClr val="3366CC"/>
-        </a:accent1>
-        <a:accent2>
-          <a:srgbClr val="00B000"/>
-        </a:accent2>
-        <a:accent3>
-          <a:srgbClr val="AAAACA"/>
-        </a:accent3>
-        <a:accent4>
-          <a:srgbClr val="DCDCDC"/>
-        </a:accent4>
-        <a:accent5>
-          <a:srgbClr val="ADB9E2"/>
-        </a:accent5>
-        <a:accent6>
-          <a:srgbClr val="009D00"/>
-        </a:accent6>
-        <a:hlink>
-          <a:srgbClr val="66CCFF"/>
-        </a:hlink>
-        <a:folHlink>
-          <a:srgbClr val="FFE701"/>
-        </a:folHlink>
-      </a:clrScheme>
-      <a:clrMap bg1="lt1" tx1="dk1" bg2="lt2" tx2="dk2" accent1="accent1" accent2="accent2" accent3="accent3" accent4="accent4" accent5="accent5" accent6="accent6" hlink="hlink" folHlink="folHlink"/>
-    </a:extraClrScheme>
-    <a:extraClrScheme>
-      <a:clrScheme name="">
-        <a:dk1>
-          <a:srgbClr val="FFFFFF"/>
-        </a:dk1>
-        <a:lt1>
-          <a:srgbClr val="000000"/>
-        </a:lt1>
-        <a:dk2>
-          <a:srgbClr val="E3EBF1"/>
-        </a:dk2>
-        <a:lt2>
-          <a:srgbClr val="336699"/>
-        </a:lt2>
-        <a:accent1>
-          <a:srgbClr val="003399"/>
-        </a:accent1>
-        <a:accent2>
-          <a:srgbClr val="468A4B"/>
-        </a:accent2>
-        <a:accent3>
-          <a:srgbClr val="AAAAAA"/>
-        </a:accent3>
-        <a:accent4>
-          <a:srgbClr val="DCDCDC"/>
-        </a:accent4>
-        <a:accent5>
-          <a:srgbClr val="AAADCA"/>
-        </a:accent5>
-        <a:accent6>
-          <a:srgbClr val="3E7B43"/>
-        </a:accent6>
-        <a:hlink>
-          <a:srgbClr val="66CCFF"/>
-        </a:hlink>
-        <a:folHlink>
-          <a:srgbClr val="F0E500"/>
-        </a:folHlink>
-      </a:clrScheme>
-      <a:clrMap bg1="lt1" tx1="dk1" bg2="lt2" tx2="dk2" accent1="accent1" accent2="accent2" accent3="accent3" accent4="accent4" accent5="accent5" accent6="accent6" hlink="hlink" folHlink="folHlink"/>
-    </a:extraClrScheme>
-    <a:extraClrScheme>
-      <a:clrScheme name="">
-        <a:dk1>
-          <a:srgbClr val="FFFFFF"/>
-        </a:dk1>
-        <a:lt1>
-          <a:srgbClr val="686B5D"/>
-        </a:lt1>
-        <a:dk2>
-          <a:srgbClr val="D1D1CB"/>
-        </a:dk2>
-        <a:lt2>
-          <a:srgbClr val="777777"/>
-        </a:lt2>
-        <a:accent1>
-          <a:srgbClr val="909082"/>
-        </a:accent1>
-        <a:accent2>
-          <a:srgbClr val="809EA8"/>
-        </a:accent2>
-        <a:accent3>
-          <a:srgbClr val="B9BAB6"/>
-        </a:accent3>
-        <a:accent4>
-          <a:srgbClr val="DCDCDC"/>
-        </a:accent4>
-        <a:accent5>
-          <a:srgbClr val="C7C7C1"/>
-        </a:accent5>
-        <a:accent6>
-          <a:srgbClr val="728D96"/>
-        </a:accent6>
-        <a:hlink>
-          <a:srgbClr val="FFCC66"/>
-        </a:hlink>
-        <a:folHlink>
-          <a:srgbClr val="E9DCB9"/>
-        </a:folHlink>
-      </a:clrScheme>
-      <a:clrMap bg1="lt1" tx1="dk1" bg2="lt2" tx2="dk2" accent1="accent1" accent2="accent2" accent3="accent3" accent4="accent4" accent5="accent5" accent6="accent6" hlink="hlink" folHlink="folHlink"/>
-    </a:extraClrScheme>
-    <a:extraClrScheme>
-      <a:clrScheme name="">
-        <a:dk1>
-          <a:srgbClr val="FFFFFF"/>
-        </a:dk1>
-        <a:lt1>
-          <a:srgbClr val="666699"/>
-        </a:lt1>
-        <a:dk2>
-          <a:srgbClr val="FFFFFF"/>
-        </a:dk2>
-        <a:lt2>
-          <a:srgbClr val="3E3E5C"/>
-        </a:lt2>
-        <a:accent1>
-          <a:srgbClr val="60597B"/>
-        </a:accent1>
-        <a:accent2>
-          <a:srgbClr val="6666FF"/>
-        </a:accent2>
-        <a:accent3>
-          <a:srgbClr val="B9B9CA"/>
-        </a:accent3>
-        <a:accent4>
-          <a:srgbClr val="DCDCDC"/>
-        </a:accent4>
-        <a:accent5>
-          <a:srgbClr val="B7B5BF"/>
-        </a:accent5>
-        <a:accent6>
-          <a:srgbClr val="5B5BE5"/>
-        </a:accent6>
-        <a:hlink>
-          <a:srgbClr val="99CCFF"/>
-        </a:hlink>
-        <a:folHlink>
-          <a:srgbClr val="FFFF99"/>
-        </a:folHlink>
-      </a:clrScheme>
-      <a:clrMap bg1="lt1" tx1="dk1" bg2="lt2" tx2="dk2" accent1="accent1" accent2="accent2" accent3="accent3" accent4="accent4" accent5="accent5" accent6="accent6" hlink="hlink" folHlink="folHlink"/>
-    </a:extraClrScheme>
-    <a:extraClrScheme>
-      <a:clrScheme name="">
-        <a:dk1>
-          <a:srgbClr val="FFFFFF"/>
-        </a:dk1>
-        <a:lt1>
-          <a:srgbClr val="523E26"/>
-        </a:lt1>
-        <a:dk2>
-          <a:srgbClr val="DFC08D"/>
-        </a:dk2>
-        <a:lt2>
-          <a:srgbClr val="2D2015"/>
-        </a:lt2>
-        <a:accent1>
-          <a:srgbClr val="8C7B70"/>
-        </a:accent1>
-        <a:accent2>
-          <a:srgbClr val="8F5F2F"/>
-        </a:accent2>
-        <a:accent3>
-          <a:srgbClr val="B3AFAB"/>
-        </a:accent3>
-        <a:accent4>
-          <a:srgbClr val="DCDCDC"/>
-        </a:accent4>
-        <a:accent5>
-          <a:srgbClr val="C5BFBC"/>
-        </a:accent5>
-        <a:accent6>
-          <a:srgbClr val="805529"/>
-        </a:accent6>
-        <a:hlink>
-          <a:srgbClr val="CCB400"/>
-        </a:hlink>
-        <a:folHlink>
-          <a:srgbClr val="8C9EA0"/>
-        </a:folHlink>
-      </a:clrScheme>
-      <a:clrMap bg1="lt1" tx1="dk1" bg2="lt2" tx2="dk2" accent1="accent1" accent2="accent2" accent3="accent3" accent4="accent4" accent5="accent5" accent6="accent6" hlink="hlink" folHlink="folHlink"/>
-    </a:extraClrScheme>
-    <a:extraClrScheme>
-      <a:clrScheme name="">
-        <a:dk1>
-          <a:srgbClr val="000000"/>
-        </a:dk1>
-        <a:lt1>
-          <a:srgbClr val="FFFFFF"/>
-        </a:lt1>
-        <a:dk2>
-          <a:srgbClr val="000000"/>
-        </a:dk2>
-        <a:lt2>
-          <a:srgbClr val="808080"/>
-        </a:lt2>
-        <a:accent1>
-          <a:srgbClr val="7DB6EF"/>
-        </a:accent1>
-        <a:accent2>
-          <a:srgbClr val="C0504D"/>
-        </a:accent2>
-        <a:accent3>
-          <a:srgbClr val="FFFFFF"/>
-        </a:accent3>
-        <a:accent4>
-          <a:srgbClr val="000000"/>
-        </a:accent4>
-        <a:accent5>
-          <a:srgbClr val="C0D7F5"/>
-        </a:accent5>
-        <a:accent6>
-          <a:srgbClr val="AC4744"/>
-        </a:accent6>
-        <a:hlink>
-          <a:srgbClr val="0066CC"/>
-        </a:hlink>
-        <a:folHlink>
-          <a:srgbClr val="800080"/>
-        </a:folHlink>
-      </a:clrScheme>
-      <a:clrMap bg1="lt1" tx1="dk1" bg2="lt2" tx2="dk2" accent1="accent1" accent2="accent2" accent3="accent3" accent4="accent4" accent5="accent5" accent6="accent6" hlink="hlink" folHlink="folHlink"/>
-    </a:extraClrScheme>
-  </a:extraClrSchemeLst>
+  <a:objectDefaults/>
+  <a:extraClrSchemeLst/>
   <a:extLst>
     <a:ext uri="{05A4C25C-085E-4340-85A3-A5531E510DB2}">
-      <thm15:themeFamily xmlns:thm15="http://schemas.microsoft.com/office/thememl/2012/main" name="Office Theme" id="{62F939B6-93AF-4DB8-9C6B-D6C7DFDC589F}" vid="{4A3C46E8-61CC-4603-A589-7422A47A8E4A}"/>
+      <thm15:themeFamily xmlns:thm15="http://schemas.microsoft.com/office/thememl/2012/main" name="Office 2013 - 2022 Theme" id="{62F939B6-93AF-4DB8-9C6B-D6C7DFDC589F}" vid="{4F46216B-77A9-411A-B9D3-5023FCB70208}"/>
     </a:ext>
   </a:extLst>
 </a:theme>
@@ -5794,6 +6310,8 @@
       </a:bgFillStyleLst>
     </a:fmtScheme>
   </a:themeElements>
+  <a:objectDefaults/>
+  <a:extraClrSchemeLst/>
   <a:extLst>
     <a:ext uri="{05A4C25C-085E-4340-85A3-A5531E510DB2}">
       <thm15:themeFamily xmlns:thm15="http://schemas.microsoft.com/office/thememl/2012/main" name="Office Theme" id="{62F939B6-93AF-4DB8-9C6B-D6C7DFDC589F}" vid="{4A3C46E8-61CC-4603-A589-7422A47A8E4A}"/>
@@ -6053,6 +6571,8 @@
       </a:bgFillStyleLst>
     </a:fmtScheme>
   </a:themeElements>
+  <a:objectDefaults/>
+  <a:extraClrSchemeLst/>
   <a:extLst>
     <a:ext uri="{05A4C25C-085E-4340-85A3-A5531E510DB2}">
       <thm15:themeFamily xmlns:thm15="http://schemas.microsoft.com/office/thememl/2012/main" name="Office Theme" id="{62F939B6-93AF-4DB8-9C6B-D6C7DFDC589F}" vid="{4A3C46E8-61CC-4603-A589-7422A47A8E4A}"/>

--- a/documents/Presentation.pptx
+++ b/documents/Presentation.pptx
@@ -691,7 +691,20 @@
           <a:bodyPr/>
           <a:lstStyle/>
           <a:p>
-            <a:endParaRPr lang="en-US"/>
+            <a:r>
+              <a:rPr lang="en-GB" b="0" i="0" dirty="0">
+                <a:solidFill>
+                  <a:srgbClr val="FFFFFF"/>
+                </a:solidFill>
+                <a:effectLst/>
+                <a:highlight>
+                  <a:srgbClr val="212121"/>
+                </a:highlight>
+                <a:latin typeface="Roboto" panose="020F0502020204030204" pitchFamily="2" charset="0"/>
+              </a:rPr>
+              <a:t>Kai Schmidt 2023-02-27</a:t>
+            </a:r>
+            <a:endParaRPr lang="en-US" dirty="0"/>
           </a:p>
         </p:txBody>
       </p:sp>
@@ -747,7 +760,20 @@
           <a:bodyPr/>
           <a:lstStyle/>
           <a:p>
-            <a:endParaRPr lang="en-US"/>
+            <a:r>
+              <a:rPr lang="en-GB" b="0" i="0" dirty="0">
+                <a:solidFill>
+                  <a:srgbClr val="FFFFFF"/>
+                </a:solidFill>
+                <a:effectLst/>
+                <a:highlight>
+                  <a:srgbClr val="212121"/>
+                </a:highlight>
+                <a:latin typeface="Roboto" panose="02000000000000000000" pitchFamily="2" charset="0"/>
+              </a:rPr>
+              <a:t>Kai Schmidt 2023-02-27</a:t>
+            </a:r>
+            <a:endParaRPr lang="en-US" dirty="0"/>
           </a:p>
         </p:txBody>
       </p:sp>
@@ -864,6 +890,817 @@
         </p:txBody>
       </p:sp>
     </p:spTree>
+  </p:cSld>
+  <p:clrMapOvr>
+    <a:masterClrMapping/>
+  </p:clrMapOvr>
+</p:notes>
+</file>
+
+<file path=ppt/notesSlides/notesSlide5.xml><?xml version="1.0" encoding="utf-8"?>
+<p:notes xmlns:a="http://schemas.openxmlformats.org/drawingml/2006/main" xmlns:r="http://schemas.openxmlformats.org/officeDocument/2006/relationships" xmlns:p="http://schemas.openxmlformats.org/presentationml/2006/main">
+  <p:cSld>
+    <p:spTree>
+      <p:nvGrpSpPr>
+        <p:cNvPr id="1" name=""/>
+        <p:cNvGrpSpPr/>
+        <p:nvPr/>
+      </p:nvGrpSpPr>
+      <p:grpSpPr>
+        <a:xfrm>
+          <a:off x="0" y="0"/>
+          <a:ext cx="0" cy="0"/>
+          <a:chOff x="0" y="0"/>
+          <a:chExt cx="0" cy="0"/>
+        </a:xfrm>
+      </p:grpSpPr>
+      <p:sp>
+        <p:nvSpPr>
+          <p:cNvPr id="2" name="Slide Image Placeholder 1"/>
+          <p:cNvSpPr>
+            <a:spLocks noGrp="1" noRot="1" noChangeAspect="1"/>
+          </p:cNvSpPr>
+          <p:nvPr>
+            <p:ph type="sldImg"/>
+          </p:nvPr>
+        </p:nvSpPr>
+        <p:spPr/>
+      </p:sp>
+      <p:sp>
+        <p:nvSpPr>
+          <p:cNvPr id="3" name="Notes Placeholder 2"/>
+          <p:cNvSpPr>
+            <a:spLocks noGrp="1"/>
+          </p:cNvSpPr>
+          <p:nvPr>
+            <p:ph type="body" idx="1"/>
+          </p:nvPr>
+        </p:nvSpPr>
+        <p:spPr/>
+        <p:txBody>
+          <a:bodyPr/>
+          <a:lstStyle/>
+          <a:p>
+            <a:r>
+              <a:rPr lang="en-GB" dirty="0"/>
+              <a:t>Vert = monadic</a:t>
+            </a:r>
+          </a:p>
+          <a:p>
+            <a:r>
+              <a:rPr lang="en-GB" dirty="0"/>
+              <a:t>Bleu = Dyadic</a:t>
+            </a:r>
+          </a:p>
+          <a:p>
+            <a:r>
+              <a:rPr lang="en-GB" dirty="0"/>
+              <a:t>Les 1ères -&gt; Pervasive</a:t>
+            </a:r>
+          </a:p>
+          <a:p>
+            <a:r>
+              <a:rPr lang="en-GB" dirty="0"/>
+              <a:t>Les 2èmes -&gt; Op sur </a:t>
+            </a:r>
+            <a:r>
+              <a:rPr lang="en-GB" dirty="0" err="1"/>
+              <a:t>une</a:t>
+            </a:r>
+            <a:r>
+              <a:rPr lang="en-GB" dirty="0"/>
+              <a:t> Array</a:t>
+            </a:r>
+          </a:p>
+          <a:p>
+            <a:r>
+              <a:rPr lang="en-GB" dirty="0"/>
+              <a:t>Orange = Modifiers (apply </a:t>
+            </a:r>
+            <a:r>
+              <a:rPr lang="en-GB" dirty="0" err="1"/>
+              <a:t>une</a:t>
+            </a:r>
+            <a:r>
+              <a:rPr lang="en-GB" dirty="0"/>
+              <a:t> </a:t>
+            </a:r>
+            <a:r>
+              <a:rPr lang="en-GB" dirty="0" err="1"/>
+              <a:t>fct</a:t>
+            </a:r>
+            <a:r>
+              <a:rPr lang="en-GB" dirty="0"/>
+              <a:t> sur </a:t>
+            </a:r>
+            <a:r>
+              <a:rPr lang="en-GB" dirty="0" err="1"/>
+              <a:t>une</a:t>
+            </a:r>
+            <a:r>
+              <a:rPr lang="en-GB" dirty="0"/>
+              <a:t> array)</a:t>
+            </a:r>
+          </a:p>
+          <a:p>
+            <a:r>
+              <a:rPr lang="en-GB" dirty="0"/>
+              <a:t>Rouge = constants</a:t>
+            </a:r>
+          </a:p>
+          <a:p>
+            <a:r>
+              <a:rPr lang="en-GB" dirty="0"/>
+              <a:t>Violet = control flow</a:t>
+            </a:r>
+            <a:endParaRPr lang="en-CH" dirty="0"/>
+          </a:p>
+        </p:txBody>
+      </p:sp>
+      <p:sp>
+        <p:nvSpPr>
+          <p:cNvPr id="4" name="Slide Number Placeholder 3"/>
+          <p:cNvSpPr>
+            <a:spLocks noGrp="1"/>
+          </p:cNvSpPr>
+          <p:nvPr>
+            <p:ph type="sldNum" sz="quarter" idx="5"/>
+          </p:nvPr>
+        </p:nvSpPr>
+        <p:spPr/>
+        <p:txBody>
+          <a:bodyPr/>
+          <a:lstStyle/>
+          <a:p>
+            <a:fld id="{85D0DACE-38E0-42D2-9336-2B707D34BC6D}" type="slidenum">
+              <a:rPr lang="zh-CN" altLang="en-US" smtClean="0"/>
+              <a:t>6</a:t>
+            </a:fld>
+            <a:endParaRPr lang="zh-CN" altLang="en-US"/>
+          </a:p>
+        </p:txBody>
+      </p:sp>
+    </p:spTree>
+    <p:extLst>
+      <p:ext uri="{BB962C8B-B14F-4D97-AF65-F5344CB8AC3E}">
+        <p14:creationId xmlns:p14="http://schemas.microsoft.com/office/powerpoint/2010/main" val="2101712813"/>
+      </p:ext>
+    </p:extLst>
+  </p:cSld>
+  <p:clrMapOvr>
+    <a:masterClrMapping/>
+  </p:clrMapOvr>
+</p:notes>
+</file>
+
+<file path=ppt/notesSlides/notesSlide6.xml><?xml version="1.0" encoding="utf-8"?>
+<p:notes xmlns:a="http://schemas.openxmlformats.org/drawingml/2006/main" xmlns:r="http://schemas.openxmlformats.org/officeDocument/2006/relationships" xmlns:p="http://schemas.openxmlformats.org/presentationml/2006/main">
+  <p:cSld>
+    <p:spTree>
+      <p:nvGrpSpPr>
+        <p:cNvPr id="1" name=""/>
+        <p:cNvGrpSpPr/>
+        <p:nvPr/>
+      </p:nvGrpSpPr>
+      <p:grpSpPr>
+        <a:xfrm>
+          <a:off x="0" y="0"/>
+          <a:ext cx="0" cy="0"/>
+          <a:chOff x="0" y="0"/>
+          <a:chExt cx="0" cy="0"/>
+        </a:xfrm>
+      </p:grpSpPr>
+      <p:sp>
+        <p:nvSpPr>
+          <p:cNvPr id="2" name="Slide Image Placeholder 1"/>
+          <p:cNvSpPr>
+            <a:spLocks noGrp="1" noRot="1" noChangeAspect="1"/>
+          </p:cNvSpPr>
+          <p:nvPr>
+            <p:ph type="sldImg"/>
+          </p:nvPr>
+        </p:nvSpPr>
+        <p:spPr/>
+      </p:sp>
+      <p:sp>
+        <p:nvSpPr>
+          <p:cNvPr id="3" name="Notes Placeholder 2"/>
+          <p:cNvSpPr>
+            <a:spLocks noGrp="1"/>
+          </p:cNvSpPr>
+          <p:nvPr>
+            <p:ph type="body" idx="1"/>
+          </p:nvPr>
+        </p:nvSpPr>
+        <p:spPr/>
+        <p:txBody>
+          <a:bodyPr/>
+          <a:lstStyle/>
+          <a:p>
+            <a:endParaRPr lang="en-CH" dirty="0"/>
+          </a:p>
+        </p:txBody>
+      </p:sp>
+      <p:sp>
+        <p:nvSpPr>
+          <p:cNvPr id="4" name="Slide Number Placeholder 3"/>
+          <p:cNvSpPr>
+            <a:spLocks noGrp="1"/>
+          </p:cNvSpPr>
+          <p:nvPr>
+            <p:ph type="sldNum" sz="quarter" idx="5"/>
+          </p:nvPr>
+        </p:nvSpPr>
+        <p:spPr/>
+        <p:txBody>
+          <a:bodyPr/>
+          <a:lstStyle/>
+          <a:p>
+            <a:fld id="{85D0DACE-38E0-42D2-9336-2B707D34BC6D}" type="slidenum">
+              <a:rPr lang="zh-CN" altLang="en-US" smtClean="0"/>
+              <a:t>8</a:t>
+            </a:fld>
+            <a:endParaRPr lang="zh-CN" altLang="en-US"/>
+          </a:p>
+        </p:txBody>
+      </p:sp>
+    </p:spTree>
+    <p:extLst>
+      <p:ext uri="{BB962C8B-B14F-4D97-AF65-F5344CB8AC3E}">
+        <p14:creationId xmlns:p14="http://schemas.microsoft.com/office/powerpoint/2010/main" val="3238179523"/>
+      </p:ext>
+    </p:extLst>
+  </p:cSld>
+  <p:clrMapOvr>
+    <a:masterClrMapping/>
+  </p:clrMapOvr>
+</p:notes>
+</file>
+
+<file path=ppt/notesSlides/notesSlide7.xml><?xml version="1.0" encoding="utf-8"?>
+<p:notes xmlns:a="http://schemas.openxmlformats.org/drawingml/2006/main" xmlns:r="http://schemas.openxmlformats.org/officeDocument/2006/relationships" xmlns:p="http://schemas.openxmlformats.org/presentationml/2006/main">
+  <p:cSld>
+    <p:spTree>
+      <p:nvGrpSpPr>
+        <p:cNvPr id="1" name=""/>
+        <p:cNvGrpSpPr/>
+        <p:nvPr/>
+      </p:nvGrpSpPr>
+      <p:grpSpPr>
+        <a:xfrm>
+          <a:off x="0" y="0"/>
+          <a:ext cx="0" cy="0"/>
+          <a:chOff x="0" y="0"/>
+          <a:chExt cx="0" cy="0"/>
+        </a:xfrm>
+      </p:grpSpPr>
+      <p:sp>
+        <p:nvSpPr>
+          <p:cNvPr id="2" name="Slide Image Placeholder 1"/>
+          <p:cNvSpPr>
+            <a:spLocks noGrp="1" noRot="1" noChangeAspect="1"/>
+          </p:cNvSpPr>
+          <p:nvPr>
+            <p:ph type="sldImg"/>
+          </p:nvPr>
+        </p:nvSpPr>
+        <p:spPr/>
+      </p:sp>
+      <p:sp>
+        <p:nvSpPr>
+          <p:cNvPr id="3" name="Notes Placeholder 2"/>
+          <p:cNvSpPr>
+            <a:spLocks noGrp="1"/>
+          </p:cNvSpPr>
+          <p:nvPr>
+            <p:ph type="body" idx="1"/>
+          </p:nvPr>
+        </p:nvSpPr>
+        <p:spPr/>
+        <p:txBody>
+          <a:bodyPr/>
+          <a:lstStyle/>
+          <a:p>
+            <a:r>
+              <a:rPr lang="en-GB" dirty="0"/>
+              <a:t>Motivation : </a:t>
+            </a:r>
+            <a:r>
+              <a:rPr lang="en-GB" dirty="0" err="1"/>
+              <a:t>paradigme</a:t>
+            </a:r>
+            <a:r>
+              <a:rPr lang="en-GB" dirty="0"/>
+              <a:t> </a:t>
+            </a:r>
+            <a:r>
+              <a:rPr lang="en-GB" dirty="0" err="1"/>
+              <a:t>totalement</a:t>
+            </a:r>
+            <a:r>
+              <a:rPr lang="en-GB" dirty="0"/>
+              <a:t> different + manipulation de diff types de media + FFI</a:t>
+            </a:r>
+          </a:p>
+          <a:p>
+            <a:r>
+              <a:rPr lang="en-GB" dirty="0" err="1"/>
+              <a:t>Projet</a:t>
+            </a:r>
+            <a:r>
+              <a:rPr lang="en-GB" dirty="0"/>
+              <a:t> : </a:t>
+            </a:r>
+          </a:p>
+          <a:p>
+            <a:r>
+              <a:rPr lang="en-GB" dirty="0"/>
+              <a:t>	app </a:t>
+            </a:r>
+            <a:r>
+              <a:rPr lang="en-GB" dirty="0" err="1"/>
+              <a:t>graphique</a:t>
+            </a:r>
+            <a:r>
+              <a:rPr lang="en-GB" dirty="0"/>
+              <a:t> -&gt; </a:t>
+            </a:r>
+            <a:r>
+              <a:rPr lang="en-GB" dirty="0" err="1"/>
+              <a:t>générer</a:t>
+            </a:r>
+            <a:r>
+              <a:rPr lang="en-GB" dirty="0"/>
+              <a:t> des images de manière </a:t>
+            </a:r>
+            <a:r>
+              <a:rPr lang="en-GB" dirty="0" err="1"/>
+              <a:t>paramétrique</a:t>
+            </a:r>
+            <a:endParaRPr lang="en-GB" dirty="0"/>
+          </a:p>
+          <a:p>
+            <a:r>
+              <a:rPr lang="en-GB" dirty="0"/>
+              <a:t>	utilisation de </a:t>
+            </a:r>
+            <a:r>
+              <a:rPr lang="en-GB" dirty="0" err="1"/>
+              <a:t>RayLib</a:t>
+            </a:r>
+            <a:r>
+              <a:rPr lang="en-GB" dirty="0"/>
+              <a:t> pour UI -&gt; utilisation </a:t>
+            </a:r>
+            <a:r>
+              <a:rPr lang="en-GB" dirty="0" err="1"/>
+              <a:t>d’une</a:t>
+            </a:r>
+            <a:r>
+              <a:rPr lang="en-GB" dirty="0"/>
+              <a:t> FFI</a:t>
+            </a:r>
+          </a:p>
+          <a:p>
+            <a:r>
+              <a:rPr lang="en-GB" dirty="0"/>
+              <a:t>	but : </a:t>
+            </a:r>
+            <a:r>
+              <a:rPr lang="en-GB" dirty="0" err="1"/>
+              <a:t>démontrer</a:t>
+            </a:r>
+            <a:r>
+              <a:rPr lang="en-GB" dirty="0"/>
+              <a:t> la manipulation de données multi-</a:t>
+            </a:r>
+            <a:r>
+              <a:rPr lang="en-GB" dirty="0" err="1"/>
+              <a:t>dimensionelles</a:t>
+            </a:r>
+            <a:r>
+              <a:rPr lang="en-GB" dirty="0"/>
+              <a:t>, </a:t>
+            </a:r>
+            <a:r>
+              <a:rPr lang="en-GB" dirty="0" err="1"/>
+              <a:t>manip</a:t>
+            </a:r>
+            <a:r>
+              <a:rPr lang="en-GB" dirty="0"/>
+              <a:t> </a:t>
+            </a:r>
+            <a:r>
+              <a:rPr lang="en-GB" dirty="0" err="1"/>
+              <a:t>d’img</a:t>
+            </a:r>
+            <a:r>
+              <a:rPr lang="en-GB" dirty="0"/>
+              <a:t>, </a:t>
+            </a:r>
+            <a:r>
+              <a:rPr lang="en-GB" dirty="0" err="1"/>
+              <a:t>sauvegarde</a:t>
+            </a:r>
+            <a:r>
+              <a:rPr lang="en-GB" dirty="0"/>
+              <a:t> de </a:t>
+            </a:r>
+            <a:r>
+              <a:rPr lang="en-GB" dirty="0" err="1"/>
+              <a:t>fichier</a:t>
+            </a:r>
+            <a:endParaRPr lang="en-GB" dirty="0"/>
+          </a:p>
+          <a:p>
+            <a:endParaRPr lang="en-GB" dirty="0"/>
+          </a:p>
+          <a:p>
+            <a:r>
+              <a:rPr lang="fr-FR" b="1" dirty="0">
+                <a:solidFill>
+                  <a:srgbClr val="569CD6"/>
+                </a:solidFill>
+                <a:effectLst/>
+                <a:highlight>
+                  <a:srgbClr val="1F1F1F"/>
+                </a:highlight>
+                <a:latin typeface="Consolas" panose="020B0609020204030204" pitchFamily="49" charset="0"/>
+              </a:rPr>
+              <a:t># Aperçu du cahier des charges</a:t>
+            </a:r>
+            <a:endParaRPr lang="fr-FR" b="0" dirty="0">
+              <a:solidFill>
+                <a:srgbClr val="CCCCCC"/>
+              </a:solidFill>
+              <a:effectLst/>
+              <a:highlight>
+                <a:srgbClr val="1F1F1F"/>
+              </a:highlight>
+              <a:latin typeface="Consolas" panose="020B0609020204030204" pitchFamily="49" charset="0"/>
+            </a:endParaRPr>
+          </a:p>
+          <a:p>
+            <a:br>
+              <a:rPr lang="fr-FR" b="0" dirty="0">
+                <a:solidFill>
+                  <a:srgbClr val="CCCCCC"/>
+                </a:solidFill>
+                <a:effectLst/>
+                <a:highlight>
+                  <a:srgbClr val="1F1F1F"/>
+                </a:highlight>
+                <a:latin typeface="Consolas" panose="020B0609020204030204" pitchFamily="49" charset="0"/>
+              </a:rPr>
+            </a:br>
+            <a:r>
+              <a:rPr lang="fr-FR" b="0" dirty="0">
+                <a:solidFill>
+                  <a:srgbClr val="6796E6"/>
+                </a:solidFill>
+                <a:effectLst/>
+                <a:highlight>
+                  <a:srgbClr val="1F1F1F"/>
+                </a:highlight>
+                <a:latin typeface="Consolas" panose="020B0609020204030204" pitchFamily="49" charset="0"/>
+              </a:rPr>
+              <a:t>-</a:t>
+            </a:r>
+            <a:r>
+              <a:rPr lang="fr-FR" b="0" dirty="0">
+                <a:solidFill>
+                  <a:srgbClr val="CCCCCC"/>
+                </a:solidFill>
+                <a:effectLst/>
+                <a:highlight>
+                  <a:srgbClr val="1F1F1F"/>
+                </a:highlight>
+                <a:latin typeface="Consolas" panose="020B0609020204030204" pitchFamily="49" charset="0"/>
+              </a:rPr>
+              <a:t> Interface graphique simple</a:t>
+            </a:r>
+          </a:p>
+          <a:p>
+            <a:r>
+              <a:rPr lang="fr-FR" b="0" dirty="0">
+                <a:solidFill>
+                  <a:srgbClr val="CCCCCC"/>
+                </a:solidFill>
+                <a:effectLst/>
+                <a:highlight>
+                  <a:srgbClr val="1F1F1F"/>
+                </a:highlight>
+                <a:latin typeface="Consolas" panose="020B0609020204030204" pitchFamily="49" charset="0"/>
+              </a:rPr>
+              <a:t>    </a:t>
+            </a:r>
+            <a:r>
+              <a:rPr lang="fr-FR" b="0" dirty="0">
+                <a:solidFill>
+                  <a:srgbClr val="6796E6"/>
+                </a:solidFill>
+                <a:effectLst/>
+                <a:highlight>
+                  <a:srgbClr val="1F1F1F"/>
+                </a:highlight>
+                <a:latin typeface="Consolas" panose="020B0609020204030204" pitchFamily="49" charset="0"/>
+              </a:rPr>
+              <a:t>-</a:t>
+            </a:r>
+            <a:r>
+              <a:rPr lang="fr-FR" b="0" dirty="0">
+                <a:solidFill>
+                  <a:srgbClr val="CCCCCC"/>
+                </a:solidFill>
+                <a:effectLst/>
+                <a:highlight>
+                  <a:srgbClr val="1F1F1F"/>
+                </a:highlight>
+                <a:latin typeface="Consolas" panose="020B0609020204030204" pitchFamily="49" charset="0"/>
+              </a:rPr>
+              <a:t> Modification en temps réel des paramètres</a:t>
+            </a:r>
+          </a:p>
+          <a:p>
+            <a:r>
+              <a:rPr lang="fr-FR" b="0" dirty="0">
+                <a:solidFill>
+                  <a:srgbClr val="6796E6"/>
+                </a:solidFill>
+                <a:effectLst/>
+                <a:highlight>
+                  <a:srgbClr val="1F1F1F"/>
+                </a:highlight>
+                <a:latin typeface="Consolas" panose="020B0609020204030204" pitchFamily="49" charset="0"/>
+              </a:rPr>
+              <a:t>-</a:t>
+            </a:r>
+            <a:r>
+              <a:rPr lang="fr-FR" b="0" dirty="0">
+                <a:solidFill>
+                  <a:srgbClr val="CCCCCC"/>
+                </a:solidFill>
+                <a:effectLst/>
+                <a:highlight>
+                  <a:srgbClr val="1F1F1F"/>
+                </a:highlight>
+                <a:latin typeface="Consolas" panose="020B0609020204030204" pitchFamily="49" charset="0"/>
+              </a:rPr>
+              <a:t> Génération d'images paramétriques</a:t>
+            </a:r>
+          </a:p>
+          <a:p>
+            <a:r>
+              <a:rPr lang="fr-FR" b="0" dirty="0">
+                <a:solidFill>
+                  <a:srgbClr val="CCCCCC"/>
+                </a:solidFill>
+                <a:effectLst/>
+                <a:highlight>
+                  <a:srgbClr val="1F1F1F"/>
+                </a:highlight>
+                <a:latin typeface="Consolas" panose="020B0609020204030204" pitchFamily="49" charset="0"/>
+              </a:rPr>
+              <a:t>    </a:t>
+            </a:r>
+            <a:r>
+              <a:rPr lang="fr-FR" b="0" dirty="0">
+                <a:solidFill>
+                  <a:srgbClr val="6796E6"/>
+                </a:solidFill>
+                <a:effectLst/>
+                <a:highlight>
+                  <a:srgbClr val="1F1F1F"/>
+                </a:highlight>
+                <a:latin typeface="Consolas" panose="020B0609020204030204" pitchFamily="49" charset="0"/>
+              </a:rPr>
+              <a:t>-</a:t>
+            </a:r>
+            <a:r>
+              <a:rPr lang="fr-FR" b="0" dirty="0">
+                <a:solidFill>
+                  <a:srgbClr val="CCCCCC"/>
+                </a:solidFill>
+                <a:effectLst/>
+                <a:highlight>
+                  <a:srgbClr val="1F1F1F"/>
+                </a:highlight>
+                <a:latin typeface="Consolas" panose="020B0609020204030204" pitchFamily="49" charset="0"/>
+              </a:rPr>
+              <a:t> Formes </a:t>
+            </a:r>
+            <a:r>
+              <a:rPr lang="fr-FR" b="0" dirty="0" err="1">
+                <a:solidFill>
+                  <a:srgbClr val="CCCCCC"/>
+                </a:solidFill>
+                <a:effectLst/>
+                <a:highlight>
+                  <a:srgbClr val="1F1F1F"/>
+                </a:highlight>
+                <a:latin typeface="Consolas" panose="020B0609020204030204" pitchFamily="49" charset="0"/>
+              </a:rPr>
+              <a:t>pré-définies</a:t>
+            </a:r>
+            <a:r>
+              <a:rPr lang="fr-FR" b="0" dirty="0">
+                <a:solidFill>
+                  <a:srgbClr val="CCCCCC"/>
+                </a:solidFill>
+                <a:effectLst/>
+                <a:highlight>
+                  <a:srgbClr val="1F1F1F"/>
+                </a:highlight>
+                <a:latin typeface="Consolas" panose="020B0609020204030204" pitchFamily="49" charset="0"/>
+              </a:rPr>
+              <a:t> (cercles, carrés, ...)</a:t>
+            </a:r>
+          </a:p>
+          <a:p>
+            <a:r>
+              <a:rPr lang="fr-FR" b="0" dirty="0">
+                <a:solidFill>
+                  <a:srgbClr val="CCCCCC"/>
+                </a:solidFill>
+                <a:effectLst/>
+                <a:highlight>
+                  <a:srgbClr val="1F1F1F"/>
+                </a:highlight>
+                <a:latin typeface="Consolas" panose="020B0609020204030204" pitchFamily="49" charset="0"/>
+              </a:rPr>
+              <a:t>    </a:t>
+            </a:r>
+            <a:r>
+              <a:rPr lang="fr-FR" b="0" dirty="0">
+                <a:solidFill>
+                  <a:srgbClr val="6796E6"/>
+                </a:solidFill>
+                <a:effectLst/>
+                <a:highlight>
+                  <a:srgbClr val="1F1F1F"/>
+                </a:highlight>
+                <a:latin typeface="Consolas" panose="020B0609020204030204" pitchFamily="49" charset="0"/>
+              </a:rPr>
+              <a:t>-</a:t>
+            </a:r>
+            <a:r>
+              <a:rPr lang="fr-FR" b="0" dirty="0">
+                <a:solidFill>
+                  <a:srgbClr val="CCCCCC"/>
+                </a:solidFill>
+                <a:effectLst/>
+                <a:highlight>
+                  <a:srgbClr val="1F1F1F"/>
+                </a:highlight>
+                <a:latin typeface="Consolas" panose="020B0609020204030204" pitchFamily="49" charset="0"/>
+              </a:rPr>
+              <a:t> Courbes paramétriques (Bézier)</a:t>
+            </a:r>
+          </a:p>
+          <a:p>
+            <a:r>
+              <a:rPr lang="fr-FR" b="0" dirty="0">
+                <a:solidFill>
+                  <a:srgbClr val="6796E6"/>
+                </a:solidFill>
+                <a:effectLst/>
+                <a:highlight>
+                  <a:srgbClr val="1F1F1F"/>
+                </a:highlight>
+                <a:latin typeface="Consolas" panose="020B0609020204030204" pitchFamily="49" charset="0"/>
+              </a:rPr>
+              <a:t>-</a:t>
+            </a:r>
+            <a:r>
+              <a:rPr lang="fr-FR" b="0" dirty="0">
+                <a:solidFill>
+                  <a:srgbClr val="CCCCCC"/>
+                </a:solidFill>
+                <a:effectLst/>
+                <a:highlight>
+                  <a:srgbClr val="1F1F1F"/>
+                </a:highlight>
+                <a:latin typeface="Consolas" panose="020B0609020204030204" pitchFamily="49" charset="0"/>
+              </a:rPr>
+              <a:t> Sauvegarde des images générées</a:t>
+            </a:r>
+          </a:p>
+          <a:p>
+            <a:r>
+              <a:rPr lang="fr-FR" b="0" dirty="0">
+                <a:solidFill>
+                  <a:srgbClr val="CCCCCC"/>
+                </a:solidFill>
+                <a:effectLst/>
+                <a:highlight>
+                  <a:srgbClr val="1F1F1F"/>
+                </a:highlight>
+                <a:latin typeface="Consolas" panose="020B0609020204030204" pitchFamily="49" charset="0"/>
+              </a:rPr>
+              <a:t>    </a:t>
+            </a:r>
+            <a:r>
+              <a:rPr lang="fr-FR" b="0" dirty="0">
+                <a:solidFill>
+                  <a:srgbClr val="6796E6"/>
+                </a:solidFill>
+                <a:effectLst/>
+                <a:highlight>
+                  <a:srgbClr val="1F1F1F"/>
+                </a:highlight>
+                <a:latin typeface="Consolas" panose="020B0609020204030204" pitchFamily="49" charset="0"/>
+              </a:rPr>
+              <a:t>-</a:t>
+            </a:r>
+            <a:r>
+              <a:rPr lang="fr-FR" b="0" dirty="0">
+                <a:solidFill>
+                  <a:srgbClr val="CCCCCC"/>
+                </a:solidFill>
+                <a:effectLst/>
+                <a:highlight>
+                  <a:srgbClr val="1F1F1F"/>
+                </a:highlight>
+                <a:latin typeface="Consolas" panose="020B0609020204030204" pitchFamily="49" charset="0"/>
+              </a:rPr>
+              <a:t> Choix du format (PNG, JPEG, BMP, ICO, QOI)</a:t>
+            </a:r>
+          </a:p>
+          <a:p>
+            <a:r>
+              <a:rPr lang="fr-FR" b="0" dirty="0">
+                <a:solidFill>
+                  <a:srgbClr val="CCCCCC"/>
+                </a:solidFill>
+                <a:effectLst/>
+                <a:highlight>
+                  <a:srgbClr val="1F1F1F"/>
+                </a:highlight>
+                <a:latin typeface="Consolas" panose="020B0609020204030204" pitchFamily="49" charset="0"/>
+              </a:rPr>
+              <a:t>    </a:t>
+            </a:r>
+            <a:r>
+              <a:rPr lang="fr-FR" b="0" dirty="0">
+                <a:solidFill>
+                  <a:srgbClr val="6796E6"/>
+                </a:solidFill>
+                <a:effectLst/>
+                <a:highlight>
+                  <a:srgbClr val="1F1F1F"/>
+                </a:highlight>
+                <a:latin typeface="Consolas" panose="020B0609020204030204" pitchFamily="49" charset="0"/>
+              </a:rPr>
+              <a:t>-</a:t>
+            </a:r>
+            <a:r>
+              <a:rPr lang="fr-FR" b="0" dirty="0">
+                <a:solidFill>
+                  <a:srgbClr val="CCCCCC"/>
+                </a:solidFill>
+                <a:effectLst/>
+                <a:highlight>
+                  <a:srgbClr val="1F1F1F"/>
+                </a:highlight>
+                <a:latin typeface="Consolas" panose="020B0609020204030204" pitchFamily="49" charset="0"/>
+              </a:rPr>
+              <a:t> Choix du nom</a:t>
+            </a:r>
+          </a:p>
+          <a:p>
+            <a:endParaRPr lang="en-CH" dirty="0"/>
+          </a:p>
+        </p:txBody>
+      </p:sp>
+      <p:sp>
+        <p:nvSpPr>
+          <p:cNvPr id="4" name="Slide Number Placeholder 3"/>
+          <p:cNvSpPr>
+            <a:spLocks noGrp="1"/>
+          </p:cNvSpPr>
+          <p:nvPr>
+            <p:ph type="sldNum" sz="quarter" idx="5"/>
+          </p:nvPr>
+        </p:nvSpPr>
+        <p:spPr/>
+        <p:txBody>
+          <a:bodyPr/>
+          <a:lstStyle/>
+          <a:p>
+            <a:fld id="{85D0DACE-38E0-42D2-9336-2B707D34BC6D}" type="slidenum">
+              <a:rPr lang="zh-CN" altLang="en-US" smtClean="0"/>
+              <a:t>10</a:t>
+            </a:fld>
+            <a:endParaRPr lang="zh-CN" altLang="en-US"/>
+          </a:p>
+        </p:txBody>
+      </p:sp>
+    </p:spTree>
+    <p:extLst>
+      <p:ext uri="{BB962C8B-B14F-4D97-AF65-F5344CB8AC3E}">
+        <p14:creationId xmlns:p14="http://schemas.microsoft.com/office/powerpoint/2010/main" val="1778347803"/>
+      </p:ext>
+    </p:extLst>
   </p:cSld>
   <p:clrMapOvr>
     <a:masterClrMapping/>
@@ -4100,72 +4937,114 @@
         <p:spPr/>
         <p:txBody>
           <a:bodyPr anchor="ctr" anchorCtr="0">
-            <a:normAutofit lnSpcReduction="10000"/>
+            <a:noAutofit/>
           </a:bodyPr>
           <a:lstStyle/>
           <a:p>
             <a:r>
-              <a:rPr lang="fr-FR" altLang="en-US"/>
-              <a:t>Image creation app</a:t>
-            </a:r>
-          </a:p>
-          <a:p>
-            <a:endParaRPr lang="fr-FR" altLang="en-US"/>
-          </a:p>
-          <a:p>
-            <a:r>
-              <a:rPr lang="fr-FR" altLang="en-US"/>
-              <a:t>Array manipulation</a:t>
+              <a:rPr lang="fr-FR" altLang="en-US" sz="2400" dirty="0"/>
+              <a:t>Image </a:t>
+            </a:r>
+            <a:r>
+              <a:rPr lang="fr-FR" altLang="en-US" sz="2400" dirty="0" err="1"/>
+              <a:t>creation</a:t>
+            </a:r>
+            <a:r>
+              <a:rPr lang="fr-FR" altLang="en-US" sz="2400" dirty="0"/>
+              <a:t> app</a:t>
+            </a:r>
+          </a:p>
+          <a:p>
+            <a:endParaRPr lang="fr-FR" altLang="en-US" sz="2400" dirty="0"/>
+          </a:p>
+          <a:p>
+            <a:r>
+              <a:rPr lang="fr-FR" altLang="en-US" sz="2400" dirty="0" err="1"/>
+              <a:t>Array</a:t>
+            </a:r>
+            <a:r>
+              <a:rPr lang="fr-FR" altLang="en-US" sz="2400" dirty="0"/>
+              <a:t> manipulation</a:t>
             </a:r>
           </a:p>
           <a:p>
             <a:pPr lvl="1"/>
             <a:r>
-              <a:rPr lang="fr-FR" altLang="en-US"/>
-              <a:t>Predefined shapes</a:t>
-            </a:r>
+              <a:rPr lang="fr-FR" altLang="en-US" dirty="0" err="1"/>
+              <a:t>Predefined</a:t>
+            </a:r>
+            <a:r>
+              <a:rPr lang="fr-FR" altLang="en-US" dirty="0"/>
+              <a:t> </a:t>
+            </a:r>
+            <a:r>
+              <a:rPr lang="fr-FR" altLang="en-US" dirty="0" err="1"/>
+              <a:t>shapes</a:t>
+            </a:r>
+            <a:endParaRPr lang="fr-FR" altLang="en-US" dirty="0"/>
           </a:p>
           <a:p>
             <a:pPr lvl="1"/>
             <a:r>
-              <a:rPr lang="fr-FR" altLang="en-US"/>
+              <a:rPr lang="fr-FR" altLang="en-US" dirty="0" err="1"/>
               <a:t>Curves</a:t>
             </a:r>
-          </a:p>
-          <a:p>
-            <a:endParaRPr lang="fr-FR" altLang="en-US"/>
-          </a:p>
-          <a:p>
-            <a:r>
-              <a:rPr lang="fr-FR" altLang="en-US"/>
-              <a:t>Saving in different formats</a:t>
+            <a:endParaRPr lang="fr-FR" altLang="en-US" dirty="0"/>
+          </a:p>
+          <a:p>
+            <a:endParaRPr lang="fr-FR" altLang="en-US" sz="2400" dirty="0"/>
+          </a:p>
+          <a:p>
+            <a:r>
+              <a:rPr lang="fr-FR" altLang="en-US" sz="2400" dirty="0" err="1"/>
+              <a:t>Saving</a:t>
+            </a:r>
+            <a:r>
+              <a:rPr lang="fr-FR" altLang="en-US" sz="2400" dirty="0"/>
+              <a:t> in </a:t>
+            </a:r>
+            <a:r>
+              <a:rPr lang="fr-FR" altLang="en-US" sz="2400" dirty="0" err="1"/>
+              <a:t>different</a:t>
+            </a:r>
+            <a:r>
+              <a:rPr lang="fr-FR" altLang="en-US" sz="2400" dirty="0"/>
+              <a:t> formats</a:t>
             </a:r>
           </a:p>
           <a:p>
             <a:pPr lvl="1"/>
             <a:r>
-              <a:rPr lang="fr-FR" altLang="en-US" sz="1800"/>
-              <a:t>System functions</a:t>
-            </a:r>
+              <a:rPr lang="fr-FR" altLang="en-US" dirty="0"/>
+              <a:t>System </a:t>
+            </a:r>
+            <a:r>
+              <a:rPr lang="fr-FR" altLang="en-US" dirty="0" err="1"/>
+              <a:t>functions</a:t>
+            </a:r>
+            <a:endParaRPr lang="fr-FR" altLang="en-US" dirty="0"/>
           </a:p>
           <a:p>
             <a:pPr lvl="1"/>
-            <a:endParaRPr lang="fr-FR" altLang="en-US"/>
+            <a:endParaRPr lang="fr-FR" altLang="en-US" dirty="0"/>
           </a:p>
           <a:p>
             <a:pPr lvl="0"/>
             <a:r>
-              <a:rPr lang="fr-FR" altLang="en-US" sz="2000"/>
-              <a:t>Graphical interface</a:t>
+              <a:rPr lang="fr-FR" altLang="en-US" sz="2400" dirty="0" err="1"/>
+              <a:t>Graphical</a:t>
+            </a:r>
+            <a:r>
+              <a:rPr lang="fr-FR" altLang="en-US" sz="2400" dirty="0"/>
+              <a:t> interface</a:t>
             </a:r>
           </a:p>
           <a:p>
             <a:pPr lvl="1"/>
             <a:r>
-              <a:rPr lang="fr-FR" altLang="en-US" sz="1800"/>
+              <a:rPr lang="fr-FR" altLang="en-US" dirty="0"/>
               <a:t>FFI</a:t>
             </a:r>
-            <a:endParaRPr lang="fr-FR" altLang="en-US"/>
           </a:p>
         </p:txBody>
       </p:sp>
@@ -4521,7 +5400,12 @@
             <p:ph sz="half" idx="1"/>
           </p:nvPr>
         </p:nvSpPr>
-        <p:spPr/>
+        <p:spPr>
+          <a:xfrm>
+            <a:off x="709175" y="1825625"/>
+            <a:ext cx="5181600" cy="4351338"/>
+          </a:xfrm>
+        </p:spPr>
         <p:txBody>
           <a:bodyPr anchor="ctr" anchorCtr="0"/>
           <a:lstStyle/>
@@ -4704,7 +5588,7 @@
           <p:nvPr/>
         </p:nvPicPr>
         <p:blipFill>
-          <a:blip r:embed="rId2"/>
+          <a:blip r:embed="rId3"/>
           <a:stretch>
             <a:fillRect/>
           </a:stretch>
